--- a/Qhack_presentation.pptx
+++ b/Qhack_presentation.pptx
@@ -23,6 +23,9 @@
     <p:sldId id="268" r:id="rId18"/>
     <p:sldId id="269" r:id="rId19"/>
     <p:sldId id="270" r:id="rId20"/>
+    <p:sldId id="271" r:id="rId21"/>
+    <p:sldId id="272" r:id="rId22"/>
+    <p:sldId id="273" r:id="rId23"/>
   </p:sldIdLst>
   <p:sldSz cy="5143500" cx="9144000"/>
   <p:notesSz cx="6858000" cy="9144000"/>
@@ -804,7 +807,7 @@
   <p:cSld>
     <p:spTree>
       <p:nvGrpSpPr>
-        <p:cNvPr id="200" name="Shape 200"/>
+        <p:cNvPr id="210" name="Shape 210"/>
         <p:cNvGrpSpPr/>
         <p:nvPr/>
       </p:nvGrpSpPr>
@@ -818,7 +821,7 @@
       </p:grpSpPr>
       <p:sp>
         <p:nvSpPr>
-          <p:cNvPr id="201" name="Google Shape;201;g2135e9cb0b3_2_1:notes"/>
+          <p:cNvPr id="211" name="Google Shape;211;g2161236a4fc_0_36:notes"/>
           <p:cNvSpPr/>
           <p:nvPr>
             <p:ph idx="2" type="sldImg"/>
@@ -853,7 +856,7 @@
       </p:sp>
       <p:sp>
         <p:nvSpPr>
-          <p:cNvPr id="202" name="Google Shape;202;g2135e9cb0b3_2_1:notes"/>
+          <p:cNvPr id="212" name="Google Shape;212;g2161236a4fc_0_36:notes"/>
           <p:cNvSpPr txBox="1"/>
           <p:nvPr>
             <p:ph idx="1" type="body"/>
@@ -903,7 +906,7 @@
   <p:cSld>
     <p:spTree>
       <p:nvGrpSpPr>
-        <p:cNvPr id="210" name="Shape 210"/>
+        <p:cNvPr id="216" name="Shape 216"/>
         <p:cNvGrpSpPr/>
         <p:nvPr/>
       </p:nvGrpSpPr>
@@ -917,7 +920,7 @@
       </p:grpSpPr>
       <p:sp>
         <p:nvSpPr>
-          <p:cNvPr id="211" name="Google Shape;211;g2135e9cb0b3_2_21:notes"/>
+          <p:cNvPr id="217" name="Google Shape;217;g2135e9cb0b3_0_10:notes"/>
           <p:cNvSpPr/>
           <p:nvPr>
             <p:ph idx="2" type="sldImg"/>
@@ -952,7 +955,7 @@
       </p:sp>
       <p:sp>
         <p:nvSpPr>
-          <p:cNvPr id="212" name="Google Shape;212;g2135e9cb0b3_2_21:notes"/>
+          <p:cNvPr id="218" name="Google Shape;218;g2135e9cb0b3_0_10:notes"/>
           <p:cNvSpPr txBox="1"/>
           <p:nvPr>
             <p:ph idx="1" type="body"/>
@@ -1002,7 +1005,7 @@
   <p:cSld>
     <p:spTree>
       <p:nvGrpSpPr>
-        <p:cNvPr id="216" name="Shape 216"/>
+        <p:cNvPr id="223" name="Shape 223"/>
         <p:cNvGrpSpPr/>
         <p:nvPr/>
       </p:nvGrpSpPr>
@@ -1016,7 +1019,7 @@
       </p:grpSpPr>
       <p:sp>
         <p:nvSpPr>
-          <p:cNvPr id="217" name="Google Shape;217;g21368949250_0_138:notes"/>
+          <p:cNvPr id="224" name="Google Shape;224;g2135e9cb0b3_2_1:notes"/>
           <p:cNvSpPr/>
           <p:nvPr>
             <p:ph idx="2" type="sldImg"/>
@@ -1051,7 +1054,7 @@
       </p:sp>
       <p:sp>
         <p:nvSpPr>
-          <p:cNvPr id="218" name="Google Shape;218;g21368949250_0_138:notes"/>
+          <p:cNvPr id="225" name="Google Shape;225;g2135e9cb0b3_2_1:notes"/>
           <p:cNvSpPr txBox="1"/>
           <p:nvPr>
             <p:ph idx="1" type="body"/>
@@ -1101,7 +1104,7 @@
   <p:cSld>
     <p:spTree>
       <p:nvGrpSpPr>
-        <p:cNvPr id="222" name="Shape 222"/>
+        <p:cNvPr id="234" name="Shape 234"/>
         <p:cNvGrpSpPr/>
         <p:nvPr/>
       </p:nvGrpSpPr>
@@ -1115,7 +1118,7 @@
       </p:grpSpPr>
       <p:sp>
         <p:nvSpPr>
-          <p:cNvPr id="223" name="Google Shape;223;g2135e9cb0b3_3_0:notes"/>
+          <p:cNvPr id="235" name="Google Shape;235;g2135e9cb0b3_2_21:notes"/>
           <p:cNvSpPr/>
           <p:nvPr>
             <p:ph idx="2" type="sldImg"/>
@@ -1150,7 +1153,7 @@
       </p:sp>
       <p:sp>
         <p:nvSpPr>
-          <p:cNvPr id="224" name="Google Shape;224;g2135e9cb0b3_3_0:notes"/>
+          <p:cNvPr id="236" name="Google Shape;236;g2135e9cb0b3_2_21:notes"/>
           <p:cNvSpPr txBox="1"/>
           <p:nvPr>
             <p:ph idx="1" type="body"/>
@@ -1200,7 +1203,7 @@
   <p:cSld>
     <p:spTree>
       <p:nvGrpSpPr>
-        <p:cNvPr id="228" name="Shape 228"/>
+        <p:cNvPr id="241" name="Shape 241"/>
         <p:cNvGrpSpPr/>
         <p:nvPr/>
       </p:nvGrpSpPr>
@@ -1214,7 +1217,7 @@
       </p:grpSpPr>
       <p:sp>
         <p:nvSpPr>
-          <p:cNvPr id="229" name="Google Shape;229;g2135e9cb0b3_3_11:notes"/>
+          <p:cNvPr id="242" name="Google Shape;242;g21368949250_0_138:notes"/>
           <p:cNvSpPr/>
           <p:nvPr>
             <p:ph idx="2" type="sldImg"/>
@@ -1249,7 +1252,7 @@
       </p:sp>
       <p:sp>
         <p:nvSpPr>
-          <p:cNvPr id="230" name="Google Shape;230;g2135e9cb0b3_3_11:notes"/>
+          <p:cNvPr id="243" name="Google Shape;243;g21368949250_0_138:notes"/>
           <p:cNvSpPr txBox="1"/>
           <p:nvPr>
             <p:ph idx="1" type="body"/>
@@ -1299,7 +1302,7 @@
   <p:cSld>
     <p:spTree>
       <p:nvGrpSpPr>
-        <p:cNvPr id="234" name="Shape 234"/>
+        <p:cNvPr id="248" name="Shape 248"/>
         <p:cNvGrpSpPr/>
         <p:nvPr/>
       </p:nvGrpSpPr>
@@ -1313,7 +1316,7 @@
       </p:grpSpPr>
       <p:sp>
         <p:nvSpPr>
-          <p:cNvPr id="235" name="Google Shape;235;g2135e9cb0b3_3_5:notes"/>
+          <p:cNvPr id="249" name="Google Shape;249;g2161236a4fc_0_18:notes"/>
           <p:cNvSpPr/>
           <p:nvPr>
             <p:ph idx="2" type="sldImg"/>
@@ -1348,7 +1351,7 @@
       </p:sp>
       <p:sp>
         <p:nvSpPr>
-          <p:cNvPr id="236" name="Google Shape;236;g2135e9cb0b3_3_5:notes"/>
+          <p:cNvPr id="250" name="Google Shape;250;g2161236a4fc_0_18:notes"/>
           <p:cNvSpPr txBox="1"/>
           <p:nvPr>
             <p:ph idx="1" type="body"/>
@@ -1393,12 +1396,12 @@
 </p:notes>
 </file>
 
-<file path=ppt/notesSlides/notesSlide2.xml><?xml version="1.0" encoding="utf-8"?>
+<file path=ppt/notesSlides/notesSlide16.xml><?xml version="1.0" encoding="utf-8"?>
 <p:notes xmlns:a="http://schemas.openxmlformats.org/drawingml/2006/main" xmlns:r="http://schemas.openxmlformats.org/officeDocument/2006/relationships" xmlns:mc="http://schemas.openxmlformats.org/markup-compatibility/2006" xmlns:mv="urn:schemas-microsoft-com:mac:vml" xmlns:p="http://schemas.openxmlformats.org/presentationml/2006/main" xmlns:c="http://schemas.openxmlformats.org/drawingml/2006/chart" xmlns:dgm="http://schemas.openxmlformats.org/drawingml/2006/diagram" xmlns:o="urn:schemas-microsoft-com:office:office" xmlns:v="urn:schemas-microsoft-com:vml" xmlns:pvml="urn:schemas-microsoft-com:office:powerpoint" xmlns:com="http://schemas.openxmlformats.org/drawingml/2006/compatibility" xmlns:p14="http://schemas.microsoft.com/office/powerpoint/2010/main" xmlns:p15="http://schemas.microsoft.com/office/powerpoint/2012/main" xmlns:ahyp="http://schemas.microsoft.com/office/drawing/2018/hyperlinkcolor" showMasterPhAnim="0" showMasterSp="0">
   <p:cSld>
     <p:spTree>
       <p:nvGrpSpPr>
-        <p:cNvPr id="56" name="Shape 56"/>
+        <p:cNvPr id="255" name="Shape 255"/>
         <p:cNvGrpSpPr/>
         <p:nvPr/>
       </p:nvGrpSpPr>
@@ -1412,7 +1415,7 @@
       </p:grpSpPr>
       <p:sp>
         <p:nvSpPr>
-          <p:cNvPr id="57" name="Google Shape;57;g2135e9cb0b3_0_0:notes"/>
+          <p:cNvPr id="256" name="Google Shape;256;g2135e9cb0b3_3_0:notes"/>
           <p:cNvSpPr/>
           <p:nvPr>
             <p:ph idx="2" type="sldImg"/>
@@ -1447,7 +1450,7 @@
       </p:sp>
       <p:sp>
         <p:nvSpPr>
-          <p:cNvPr id="58" name="Google Shape;58;g2135e9cb0b3_0_0:notes"/>
+          <p:cNvPr id="257" name="Google Shape;257;g2135e9cb0b3_3_0:notes"/>
           <p:cNvSpPr txBox="1"/>
           <p:nvPr>
             <p:ph idx="1" type="body"/>
@@ -1492,12 +1495,12 @@
 </p:notes>
 </file>
 
-<file path=ppt/notesSlides/notesSlide3.xml><?xml version="1.0" encoding="utf-8"?>
+<file path=ppt/notesSlides/notesSlide17.xml><?xml version="1.0" encoding="utf-8"?>
 <p:notes xmlns:a="http://schemas.openxmlformats.org/drawingml/2006/main" xmlns:r="http://schemas.openxmlformats.org/officeDocument/2006/relationships" xmlns:mc="http://schemas.openxmlformats.org/markup-compatibility/2006" xmlns:mv="urn:schemas-microsoft-com:mac:vml" xmlns:p="http://schemas.openxmlformats.org/presentationml/2006/main" xmlns:c="http://schemas.openxmlformats.org/drawingml/2006/chart" xmlns:dgm="http://schemas.openxmlformats.org/drawingml/2006/diagram" xmlns:o="urn:schemas-microsoft-com:office:office" xmlns:v="urn:schemas-microsoft-com:vml" xmlns:pvml="urn:schemas-microsoft-com:office:powerpoint" xmlns:com="http://schemas.openxmlformats.org/drawingml/2006/compatibility" xmlns:p14="http://schemas.microsoft.com/office/powerpoint/2010/main" xmlns:p15="http://schemas.microsoft.com/office/powerpoint/2012/main" xmlns:ahyp="http://schemas.microsoft.com/office/drawing/2018/hyperlinkcolor" showMasterPhAnim="0" showMasterSp="0">
   <p:cSld>
     <p:spTree>
       <p:nvGrpSpPr>
-        <p:cNvPr id="74" name="Shape 74"/>
+        <p:cNvPr id="262" name="Shape 262"/>
         <p:cNvGrpSpPr/>
         <p:nvPr/>
       </p:nvGrpSpPr>
@@ -1511,7 +1514,7 @@
       </p:grpSpPr>
       <p:sp>
         <p:nvSpPr>
-          <p:cNvPr id="75" name="Google Shape;75;g2135e9cb0b3_0_33:notes"/>
+          <p:cNvPr id="263" name="Google Shape;263;g2135e9cb0b3_3_11:notes"/>
           <p:cNvSpPr/>
           <p:nvPr>
             <p:ph idx="2" type="sldImg"/>
@@ -1546,7 +1549,7 @@
       </p:sp>
       <p:sp>
         <p:nvSpPr>
-          <p:cNvPr id="76" name="Google Shape;76;g2135e9cb0b3_0_33:notes"/>
+          <p:cNvPr id="264" name="Google Shape;264;g2135e9cb0b3_3_11:notes"/>
           <p:cNvSpPr txBox="1"/>
           <p:nvPr>
             <p:ph idx="1" type="body"/>
@@ -1591,12 +1594,12 @@
 </p:notes>
 </file>
 
-<file path=ppt/notesSlides/notesSlide4.xml><?xml version="1.0" encoding="utf-8"?>
+<file path=ppt/notesSlides/notesSlide18.xml><?xml version="1.0" encoding="utf-8"?>
 <p:notes xmlns:a="http://schemas.openxmlformats.org/drawingml/2006/main" xmlns:r="http://schemas.openxmlformats.org/officeDocument/2006/relationships" xmlns:mc="http://schemas.openxmlformats.org/markup-compatibility/2006" xmlns:mv="urn:schemas-microsoft-com:mac:vml" xmlns:p="http://schemas.openxmlformats.org/presentationml/2006/main" xmlns:c="http://schemas.openxmlformats.org/drawingml/2006/chart" xmlns:dgm="http://schemas.openxmlformats.org/drawingml/2006/diagram" xmlns:o="urn:schemas-microsoft-com:office:office" xmlns:v="urn:schemas-microsoft-com:vml" xmlns:pvml="urn:schemas-microsoft-com:office:powerpoint" xmlns:com="http://schemas.openxmlformats.org/drawingml/2006/compatibility" xmlns:p14="http://schemas.microsoft.com/office/powerpoint/2010/main" xmlns:p15="http://schemas.microsoft.com/office/powerpoint/2012/main" xmlns:ahyp="http://schemas.microsoft.com/office/drawing/2018/hyperlinkcolor" showMasterPhAnim="0" showMasterSp="0">
   <p:cSld>
     <p:spTree>
       <p:nvGrpSpPr>
-        <p:cNvPr id="101" name="Shape 101"/>
+        <p:cNvPr id="269" name="Shape 269"/>
         <p:cNvGrpSpPr/>
         <p:nvPr/>
       </p:nvGrpSpPr>
@@ -1610,7 +1613,7 @@
       </p:grpSpPr>
       <p:sp>
         <p:nvSpPr>
-          <p:cNvPr id="102" name="Google Shape;102;g21368949250_0_33:notes"/>
+          <p:cNvPr id="270" name="Google Shape;270;g2135e9cb0b3_3_5:notes"/>
           <p:cNvSpPr/>
           <p:nvPr>
             <p:ph idx="2" type="sldImg"/>
@@ -1645,7 +1648,7 @@
       </p:sp>
       <p:sp>
         <p:nvSpPr>
-          <p:cNvPr id="103" name="Google Shape;103;g21368949250_0_33:notes"/>
+          <p:cNvPr id="271" name="Google Shape;271;g2135e9cb0b3_3_5:notes"/>
           <p:cNvSpPr txBox="1"/>
           <p:nvPr>
             <p:ph idx="1" type="body"/>
@@ -1690,12 +1693,12 @@
 </p:notes>
 </file>
 
-<file path=ppt/notesSlides/notesSlide5.xml><?xml version="1.0" encoding="utf-8"?>
+<file path=ppt/notesSlides/notesSlide2.xml><?xml version="1.0" encoding="utf-8"?>
 <p:notes xmlns:a="http://schemas.openxmlformats.org/drawingml/2006/main" xmlns:r="http://schemas.openxmlformats.org/officeDocument/2006/relationships" xmlns:mc="http://schemas.openxmlformats.org/markup-compatibility/2006" xmlns:mv="urn:schemas-microsoft-com:mac:vml" xmlns:p="http://schemas.openxmlformats.org/presentationml/2006/main" xmlns:c="http://schemas.openxmlformats.org/drawingml/2006/chart" xmlns:dgm="http://schemas.openxmlformats.org/drawingml/2006/diagram" xmlns:o="urn:schemas-microsoft-com:office:office" xmlns:v="urn:schemas-microsoft-com:vml" xmlns:pvml="urn:schemas-microsoft-com:office:powerpoint" xmlns:com="http://schemas.openxmlformats.org/drawingml/2006/compatibility" xmlns:p14="http://schemas.microsoft.com/office/powerpoint/2010/main" xmlns:p15="http://schemas.microsoft.com/office/powerpoint/2012/main" xmlns:ahyp="http://schemas.microsoft.com/office/drawing/2018/hyperlinkcolor" showMasterPhAnim="0" showMasterSp="0">
   <p:cSld>
     <p:spTree>
       <p:nvGrpSpPr>
-        <p:cNvPr id="128" name="Shape 128"/>
+        <p:cNvPr id="58" name="Shape 58"/>
         <p:cNvGrpSpPr/>
         <p:nvPr/>
       </p:nvGrpSpPr>
@@ -1709,7 +1712,7 @@
       </p:grpSpPr>
       <p:sp>
         <p:nvSpPr>
-          <p:cNvPr id="129" name="Google Shape;129;g2135e9cb0b3_0_5:notes"/>
+          <p:cNvPr id="59" name="Google Shape;59;g2135e9cb0b3_0_0:notes"/>
           <p:cNvSpPr/>
           <p:nvPr>
             <p:ph idx="2" type="sldImg"/>
@@ -1744,7 +1747,7 @@
       </p:sp>
       <p:sp>
         <p:nvSpPr>
-          <p:cNvPr id="130" name="Google Shape;130;g2135e9cb0b3_0_5:notes"/>
+          <p:cNvPr id="60" name="Google Shape;60;g2135e9cb0b3_0_0:notes"/>
           <p:cNvSpPr txBox="1"/>
           <p:nvPr>
             <p:ph idx="1" type="body"/>
@@ -1789,12 +1792,12 @@
 </p:notes>
 </file>
 
-<file path=ppt/notesSlides/notesSlide6.xml><?xml version="1.0" encoding="utf-8"?>
+<file path=ppt/notesSlides/notesSlide3.xml><?xml version="1.0" encoding="utf-8"?>
 <p:notes xmlns:a="http://schemas.openxmlformats.org/drawingml/2006/main" xmlns:r="http://schemas.openxmlformats.org/officeDocument/2006/relationships" xmlns:mc="http://schemas.openxmlformats.org/markup-compatibility/2006" xmlns:mv="urn:schemas-microsoft-com:mac:vml" xmlns:p="http://schemas.openxmlformats.org/presentationml/2006/main" xmlns:c="http://schemas.openxmlformats.org/drawingml/2006/chart" xmlns:dgm="http://schemas.openxmlformats.org/drawingml/2006/diagram" xmlns:o="urn:schemas-microsoft-com:office:office" xmlns:v="urn:schemas-microsoft-com:vml" xmlns:pvml="urn:schemas-microsoft-com:office:powerpoint" xmlns:com="http://schemas.openxmlformats.org/drawingml/2006/compatibility" xmlns:p14="http://schemas.microsoft.com/office/powerpoint/2010/main" xmlns:p15="http://schemas.microsoft.com/office/powerpoint/2012/main" xmlns:ahyp="http://schemas.microsoft.com/office/drawing/2018/hyperlinkcolor" showMasterPhAnim="0" showMasterSp="0">
   <p:cSld>
     <p:spTree>
       <p:nvGrpSpPr>
-        <p:cNvPr id="151" name="Shape 151"/>
+        <p:cNvPr id="77" name="Shape 77"/>
         <p:cNvGrpSpPr/>
         <p:nvPr/>
       </p:nvGrpSpPr>
@@ -1808,7 +1811,7 @@
       </p:grpSpPr>
       <p:sp>
         <p:nvSpPr>
-          <p:cNvPr id="152" name="Google Shape;152;g2135e9cb0b3_0_24:notes"/>
+          <p:cNvPr id="78" name="Google Shape;78;g2161236a4fc_0_31:notes"/>
           <p:cNvSpPr/>
           <p:nvPr>
             <p:ph idx="2" type="sldImg"/>
@@ -1843,7 +1846,7 @@
       </p:sp>
       <p:sp>
         <p:nvSpPr>
-          <p:cNvPr id="153" name="Google Shape;153;g2135e9cb0b3_0_24:notes"/>
+          <p:cNvPr id="79" name="Google Shape;79;g2161236a4fc_0_31:notes"/>
           <p:cNvSpPr txBox="1"/>
           <p:nvPr>
             <p:ph idx="1" type="body"/>
@@ -1888,12 +1891,12 @@
 </p:notes>
 </file>
 
-<file path=ppt/notesSlides/notesSlide7.xml><?xml version="1.0" encoding="utf-8"?>
+<file path=ppt/notesSlides/notesSlide4.xml><?xml version="1.0" encoding="utf-8"?>
 <p:notes xmlns:a="http://schemas.openxmlformats.org/drawingml/2006/main" xmlns:r="http://schemas.openxmlformats.org/officeDocument/2006/relationships" xmlns:mc="http://schemas.openxmlformats.org/markup-compatibility/2006" xmlns:mv="urn:schemas-microsoft-com:mac:vml" xmlns:p="http://schemas.openxmlformats.org/presentationml/2006/main" xmlns:c="http://schemas.openxmlformats.org/drawingml/2006/chart" xmlns:dgm="http://schemas.openxmlformats.org/drawingml/2006/diagram" xmlns:o="urn:schemas-microsoft-com:office:office" xmlns:v="urn:schemas-microsoft-com:vml" xmlns:pvml="urn:schemas-microsoft-com:office:powerpoint" xmlns:com="http://schemas.openxmlformats.org/drawingml/2006/compatibility" xmlns:p14="http://schemas.microsoft.com/office/powerpoint/2010/main" xmlns:p15="http://schemas.microsoft.com/office/powerpoint/2012/main" xmlns:ahyp="http://schemas.microsoft.com/office/drawing/2018/hyperlinkcolor" showMasterPhAnim="0" showMasterSp="0">
   <p:cSld>
     <p:spTree>
       <p:nvGrpSpPr>
-        <p:cNvPr id="170" name="Shape 170"/>
+        <p:cNvPr id="83" name="Shape 83"/>
         <p:cNvGrpSpPr/>
         <p:nvPr/>
       </p:nvGrpSpPr>
@@ -1907,7 +1910,7 @@
       </p:grpSpPr>
       <p:sp>
         <p:nvSpPr>
-          <p:cNvPr id="171" name="Google Shape;171;g21368949250_0_144:notes"/>
+          <p:cNvPr id="84" name="Google Shape;84;g2135e9cb0b3_0_33:notes"/>
           <p:cNvSpPr/>
           <p:nvPr>
             <p:ph idx="2" type="sldImg"/>
@@ -1942,7 +1945,7 @@
       </p:sp>
       <p:sp>
         <p:nvSpPr>
-          <p:cNvPr id="172" name="Google Shape;172;g21368949250_0_144:notes"/>
+          <p:cNvPr id="85" name="Google Shape;85;g2135e9cb0b3_0_33:notes"/>
           <p:cNvSpPr txBox="1"/>
           <p:nvPr>
             <p:ph idx="1" type="body"/>
@@ -1987,12 +1990,12 @@
 </p:notes>
 </file>
 
-<file path=ppt/notesSlides/notesSlide8.xml><?xml version="1.0" encoding="utf-8"?>
+<file path=ppt/notesSlides/notesSlide5.xml><?xml version="1.0" encoding="utf-8"?>
 <p:notes xmlns:a="http://schemas.openxmlformats.org/drawingml/2006/main" xmlns:r="http://schemas.openxmlformats.org/officeDocument/2006/relationships" xmlns:mc="http://schemas.openxmlformats.org/markup-compatibility/2006" xmlns:mv="urn:schemas-microsoft-com:mac:vml" xmlns:p="http://schemas.openxmlformats.org/presentationml/2006/main" xmlns:c="http://schemas.openxmlformats.org/drawingml/2006/chart" xmlns:dgm="http://schemas.openxmlformats.org/drawingml/2006/diagram" xmlns:o="urn:schemas-microsoft-com:office:office" xmlns:v="urn:schemas-microsoft-com:vml" xmlns:pvml="urn:schemas-microsoft-com:office:powerpoint" xmlns:com="http://schemas.openxmlformats.org/drawingml/2006/compatibility" xmlns:p14="http://schemas.microsoft.com/office/powerpoint/2010/main" xmlns:p15="http://schemas.microsoft.com/office/powerpoint/2012/main" xmlns:ahyp="http://schemas.microsoft.com/office/drawing/2018/hyperlinkcolor" showMasterPhAnim="0" showMasterSp="0">
   <p:cSld>
     <p:spTree>
       <p:nvGrpSpPr>
-        <p:cNvPr id="185" name="Shape 185"/>
+        <p:cNvPr id="111" name="Shape 111"/>
         <p:cNvGrpSpPr/>
         <p:nvPr/>
       </p:nvGrpSpPr>
@@ -2006,7 +2009,7 @@
       </p:grpSpPr>
       <p:sp>
         <p:nvSpPr>
-          <p:cNvPr id="186" name="Google Shape;186;g21368949250_0_133:notes"/>
+          <p:cNvPr id="112" name="Google Shape;112;g21368949250_0_33:notes"/>
           <p:cNvSpPr/>
           <p:nvPr>
             <p:ph idx="2" type="sldImg"/>
@@ -2041,7 +2044,7 @@
       </p:sp>
       <p:sp>
         <p:nvSpPr>
-          <p:cNvPr id="187" name="Google Shape;187;g21368949250_0_133:notes"/>
+          <p:cNvPr id="113" name="Google Shape;113;g21368949250_0_33:notes"/>
           <p:cNvSpPr txBox="1"/>
           <p:nvPr>
             <p:ph idx="1" type="body"/>
@@ -2086,12 +2089,12 @@
 </p:notes>
 </file>
 
-<file path=ppt/notesSlides/notesSlide9.xml><?xml version="1.0" encoding="utf-8"?>
+<file path=ppt/notesSlides/notesSlide6.xml><?xml version="1.0" encoding="utf-8"?>
 <p:notes xmlns:a="http://schemas.openxmlformats.org/drawingml/2006/main" xmlns:r="http://schemas.openxmlformats.org/officeDocument/2006/relationships" xmlns:mc="http://schemas.openxmlformats.org/markup-compatibility/2006" xmlns:mv="urn:schemas-microsoft-com:mac:vml" xmlns:p="http://schemas.openxmlformats.org/presentationml/2006/main" xmlns:c="http://schemas.openxmlformats.org/drawingml/2006/chart" xmlns:dgm="http://schemas.openxmlformats.org/drawingml/2006/diagram" xmlns:o="urn:schemas-microsoft-com:office:office" xmlns:v="urn:schemas-microsoft-com:vml" xmlns:pvml="urn:schemas-microsoft-com:office:powerpoint" xmlns:com="http://schemas.openxmlformats.org/drawingml/2006/compatibility" xmlns:p14="http://schemas.microsoft.com/office/powerpoint/2010/main" xmlns:p15="http://schemas.microsoft.com/office/powerpoint/2012/main" xmlns:ahyp="http://schemas.microsoft.com/office/drawing/2018/hyperlinkcolor" showMasterPhAnim="0" showMasterSp="0">
   <p:cSld>
     <p:spTree>
       <p:nvGrpSpPr>
-        <p:cNvPr id="194" name="Shape 194"/>
+        <p:cNvPr id="139" name="Shape 139"/>
         <p:cNvGrpSpPr/>
         <p:nvPr/>
       </p:nvGrpSpPr>
@@ -2105,7 +2108,7 @@
       </p:grpSpPr>
       <p:sp>
         <p:nvSpPr>
-          <p:cNvPr id="195" name="Google Shape;195;g2135e9cb0b3_0_10:notes"/>
+          <p:cNvPr id="140" name="Google Shape;140;g2135e9cb0b3_0_5:notes"/>
           <p:cNvSpPr/>
           <p:nvPr>
             <p:ph idx="2" type="sldImg"/>
@@ -2140,7 +2143,304 @@
       </p:sp>
       <p:sp>
         <p:nvSpPr>
-          <p:cNvPr id="196" name="Google Shape;196;g2135e9cb0b3_0_10:notes"/>
+          <p:cNvPr id="141" name="Google Shape;141;g2135e9cb0b3_0_5:notes"/>
+          <p:cNvSpPr txBox="1"/>
+          <p:nvPr>
+            <p:ph idx="1" type="body"/>
+          </p:nvPr>
+        </p:nvSpPr>
+        <p:spPr>
+          <a:xfrm>
+            <a:off x="685800" y="4343400"/>
+            <a:ext cx="5486400" cy="4114800"/>
+          </a:xfrm>
+          <a:prstGeom prst="rect">
+            <a:avLst/>
+          </a:prstGeom>
+        </p:spPr>
+        <p:txBody>
+          <a:bodyPr anchorCtr="0" anchor="t" bIns="91425" lIns="91425" spcFirstLastPara="1" rIns="91425" wrap="square" tIns="91425">
+            <a:noAutofit/>
+          </a:bodyPr>
+          <a:lstStyle/>
+          <a:p>
+            <a:pPr indent="0" lvl="0" marL="0" rtl="0" algn="l">
+              <a:spcBef>
+                <a:spcPts val="0"/>
+              </a:spcBef>
+              <a:spcAft>
+                <a:spcPts val="0"/>
+              </a:spcAft>
+              <a:buNone/>
+            </a:pPr>
+            <a:r>
+              <a:t/>
+            </a:r>
+            <a:endParaRPr/>
+          </a:p>
+        </p:txBody>
+      </p:sp>
+    </p:spTree>
+  </p:cSld>
+  <p:clrMapOvr>
+    <a:masterClrMapping/>
+  </p:clrMapOvr>
+</p:notes>
+</file>
+
+<file path=ppt/notesSlides/notesSlide7.xml><?xml version="1.0" encoding="utf-8"?>
+<p:notes xmlns:a="http://schemas.openxmlformats.org/drawingml/2006/main" xmlns:r="http://schemas.openxmlformats.org/officeDocument/2006/relationships" xmlns:mc="http://schemas.openxmlformats.org/markup-compatibility/2006" xmlns:mv="urn:schemas-microsoft-com:mac:vml" xmlns:p="http://schemas.openxmlformats.org/presentationml/2006/main" xmlns:c="http://schemas.openxmlformats.org/drawingml/2006/chart" xmlns:dgm="http://schemas.openxmlformats.org/drawingml/2006/diagram" xmlns:o="urn:schemas-microsoft-com:office:office" xmlns:v="urn:schemas-microsoft-com:vml" xmlns:pvml="urn:schemas-microsoft-com:office:powerpoint" xmlns:com="http://schemas.openxmlformats.org/drawingml/2006/compatibility" xmlns:p14="http://schemas.microsoft.com/office/powerpoint/2010/main" xmlns:p15="http://schemas.microsoft.com/office/powerpoint/2012/main" xmlns:ahyp="http://schemas.microsoft.com/office/drawing/2018/hyperlinkcolor" showMasterPhAnim="0" showMasterSp="0">
+  <p:cSld>
+    <p:spTree>
+      <p:nvGrpSpPr>
+        <p:cNvPr id="163" name="Shape 163"/>
+        <p:cNvGrpSpPr/>
+        <p:nvPr/>
+      </p:nvGrpSpPr>
+      <p:grpSpPr>
+        <a:xfrm>
+          <a:off x="0" y="0"/>
+          <a:ext cx="0" cy="0"/>
+          <a:chOff x="0" y="0"/>
+          <a:chExt cx="0" cy="0"/>
+        </a:xfrm>
+      </p:grpSpPr>
+      <p:sp>
+        <p:nvSpPr>
+          <p:cNvPr id="164" name="Google Shape;164;g2135e9cb0b3_0_24:notes"/>
+          <p:cNvSpPr/>
+          <p:nvPr>
+            <p:ph idx="2" type="sldImg"/>
+          </p:nvPr>
+        </p:nvSpPr>
+        <p:spPr>
+          <a:xfrm>
+            <a:off x="381300" y="685800"/>
+            <a:ext cx="6096000" cy="3429000"/>
+          </a:xfrm>
+          <a:custGeom>
+            <a:rect b="b" l="l" r="r" t="t"/>
+            <a:pathLst>
+              <a:path extrusionOk="0" h="120000" w="120000">
+                <a:moveTo>
+                  <a:pt x="0" y="0"/>
+                </a:moveTo>
+                <a:lnTo>
+                  <a:pt x="120000" y="0"/>
+                </a:lnTo>
+                <a:lnTo>
+                  <a:pt x="120000" y="120000"/>
+                </a:lnTo>
+                <a:lnTo>
+                  <a:pt x="0" y="120000"/>
+                </a:lnTo>
+                <a:close/>
+              </a:path>
+            </a:pathLst>
+          </a:custGeom>
+        </p:spPr>
+      </p:sp>
+      <p:sp>
+        <p:nvSpPr>
+          <p:cNvPr id="165" name="Google Shape;165;g2135e9cb0b3_0_24:notes"/>
+          <p:cNvSpPr txBox="1"/>
+          <p:nvPr>
+            <p:ph idx="1" type="body"/>
+          </p:nvPr>
+        </p:nvSpPr>
+        <p:spPr>
+          <a:xfrm>
+            <a:off x="685800" y="4343400"/>
+            <a:ext cx="5486400" cy="4114800"/>
+          </a:xfrm>
+          <a:prstGeom prst="rect">
+            <a:avLst/>
+          </a:prstGeom>
+        </p:spPr>
+        <p:txBody>
+          <a:bodyPr anchorCtr="0" anchor="t" bIns="91425" lIns="91425" spcFirstLastPara="1" rIns="91425" wrap="square" tIns="91425">
+            <a:noAutofit/>
+          </a:bodyPr>
+          <a:lstStyle/>
+          <a:p>
+            <a:pPr indent="0" lvl="0" marL="0" rtl="0" algn="l">
+              <a:spcBef>
+                <a:spcPts val="0"/>
+              </a:spcBef>
+              <a:spcAft>
+                <a:spcPts val="0"/>
+              </a:spcAft>
+              <a:buNone/>
+            </a:pPr>
+            <a:r>
+              <a:t/>
+            </a:r>
+            <a:endParaRPr/>
+          </a:p>
+        </p:txBody>
+      </p:sp>
+    </p:spTree>
+  </p:cSld>
+  <p:clrMapOvr>
+    <a:masterClrMapping/>
+  </p:clrMapOvr>
+</p:notes>
+</file>
+
+<file path=ppt/notesSlides/notesSlide8.xml><?xml version="1.0" encoding="utf-8"?>
+<p:notes xmlns:a="http://schemas.openxmlformats.org/drawingml/2006/main" xmlns:r="http://schemas.openxmlformats.org/officeDocument/2006/relationships" xmlns:mc="http://schemas.openxmlformats.org/markup-compatibility/2006" xmlns:mv="urn:schemas-microsoft-com:mac:vml" xmlns:p="http://schemas.openxmlformats.org/presentationml/2006/main" xmlns:c="http://schemas.openxmlformats.org/drawingml/2006/chart" xmlns:dgm="http://schemas.openxmlformats.org/drawingml/2006/diagram" xmlns:o="urn:schemas-microsoft-com:office:office" xmlns:v="urn:schemas-microsoft-com:vml" xmlns:pvml="urn:schemas-microsoft-com:office:powerpoint" xmlns:com="http://schemas.openxmlformats.org/drawingml/2006/compatibility" xmlns:p14="http://schemas.microsoft.com/office/powerpoint/2010/main" xmlns:p15="http://schemas.microsoft.com/office/powerpoint/2012/main" xmlns:ahyp="http://schemas.microsoft.com/office/drawing/2018/hyperlinkcolor" showMasterPhAnim="0" showMasterSp="0">
+  <p:cSld>
+    <p:spTree>
+      <p:nvGrpSpPr>
+        <p:cNvPr id="183" name="Shape 183"/>
+        <p:cNvGrpSpPr/>
+        <p:nvPr/>
+      </p:nvGrpSpPr>
+      <p:grpSpPr>
+        <a:xfrm>
+          <a:off x="0" y="0"/>
+          <a:ext cx="0" cy="0"/>
+          <a:chOff x="0" y="0"/>
+          <a:chExt cx="0" cy="0"/>
+        </a:xfrm>
+      </p:grpSpPr>
+      <p:sp>
+        <p:nvSpPr>
+          <p:cNvPr id="184" name="Google Shape;184;g21368949250_0_144:notes"/>
+          <p:cNvSpPr/>
+          <p:nvPr>
+            <p:ph idx="2" type="sldImg"/>
+          </p:nvPr>
+        </p:nvSpPr>
+        <p:spPr>
+          <a:xfrm>
+            <a:off x="381300" y="685800"/>
+            <a:ext cx="6096000" cy="3429000"/>
+          </a:xfrm>
+          <a:custGeom>
+            <a:rect b="b" l="l" r="r" t="t"/>
+            <a:pathLst>
+              <a:path extrusionOk="0" h="120000" w="120000">
+                <a:moveTo>
+                  <a:pt x="0" y="0"/>
+                </a:moveTo>
+                <a:lnTo>
+                  <a:pt x="120000" y="0"/>
+                </a:lnTo>
+                <a:lnTo>
+                  <a:pt x="120000" y="120000"/>
+                </a:lnTo>
+                <a:lnTo>
+                  <a:pt x="0" y="120000"/>
+                </a:lnTo>
+                <a:close/>
+              </a:path>
+            </a:pathLst>
+          </a:custGeom>
+        </p:spPr>
+      </p:sp>
+      <p:sp>
+        <p:nvSpPr>
+          <p:cNvPr id="185" name="Google Shape;185;g21368949250_0_144:notes"/>
+          <p:cNvSpPr txBox="1"/>
+          <p:nvPr>
+            <p:ph idx="1" type="body"/>
+          </p:nvPr>
+        </p:nvSpPr>
+        <p:spPr>
+          <a:xfrm>
+            <a:off x="685800" y="4343400"/>
+            <a:ext cx="5486400" cy="4114800"/>
+          </a:xfrm>
+          <a:prstGeom prst="rect">
+            <a:avLst/>
+          </a:prstGeom>
+        </p:spPr>
+        <p:txBody>
+          <a:bodyPr anchorCtr="0" anchor="t" bIns="91425" lIns="91425" spcFirstLastPara="1" rIns="91425" wrap="square" tIns="91425">
+            <a:noAutofit/>
+          </a:bodyPr>
+          <a:lstStyle/>
+          <a:p>
+            <a:pPr indent="0" lvl="0" marL="0" rtl="0" algn="l">
+              <a:spcBef>
+                <a:spcPts val="0"/>
+              </a:spcBef>
+              <a:spcAft>
+                <a:spcPts val="0"/>
+              </a:spcAft>
+              <a:buNone/>
+            </a:pPr>
+            <a:r>
+              <a:t/>
+            </a:r>
+            <a:endParaRPr/>
+          </a:p>
+        </p:txBody>
+      </p:sp>
+    </p:spTree>
+  </p:cSld>
+  <p:clrMapOvr>
+    <a:masterClrMapping/>
+  </p:clrMapOvr>
+</p:notes>
+</file>
+
+<file path=ppt/notesSlides/notesSlide9.xml><?xml version="1.0" encoding="utf-8"?>
+<p:notes xmlns:a="http://schemas.openxmlformats.org/drawingml/2006/main" xmlns:r="http://schemas.openxmlformats.org/officeDocument/2006/relationships" xmlns:mc="http://schemas.openxmlformats.org/markup-compatibility/2006" xmlns:mv="urn:schemas-microsoft-com:mac:vml" xmlns:p="http://schemas.openxmlformats.org/presentationml/2006/main" xmlns:c="http://schemas.openxmlformats.org/drawingml/2006/chart" xmlns:dgm="http://schemas.openxmlformats.org/drawingml/2006/diagram" xmlns:o="urn:schemas-microsoft-com:office:office" xmlns:v="urn:schemas-microsoft-com:vml" xmlns:pvml="urn:schemas-microsoft-com:office:powerpoint" xmlns:com="http://schemas.openxmlformats.org/drawingml/2006/compatibility" xmlns:p14="http://schemas.microsoft.com/office/powerpoint/2010/main" xmlns:p15="http://schemas.microsoft.com/office/powerpoint/2012/main" xmlns:ahyp="http://schemas.microsoft.com/office/drawing/2018/hyperlinkcolor" showMasterPhAnim="0" showMasterSp="0">
+  <p:cSld>
+    <p:spTree>
+      <p:nvGrpSpPr>
+        <p:cNvPr id="200" name="Shape 200"/>
+        <p:cNvGrpSpPr/>
+        <p:nvPr/>
+      </p:nvGrpSpPr>
+      <p:grpSpPr>
+        <a:xfrm>
+          <a:off x="0" y="0"/>
+          <a:ext cx="0" cy="0"/>
+          <a:chOff x="0" y="0"/>
+          <a:chExt cx="0" cy="0"/>
+        </a:xfrm>
+      </p:grpSpPr>
+      <p:sp>
+        <p:nvSpPr>
+          <p:cNvPr id="201" name="Google Shape;201;g21368949250_0_133:notes"/>
+          <p:cNvSpPr/>
+          <p:nvPr>
+            <p:ph idx="2" type="sldImg"/>
+          </p:nvPr>
+        </p:nvSpPr>
+        <p:spPr>
+          <a:xfrm>
+            <a:off x="381300" y="685800"/>
+            <a:ext cx="6096000" cy="3429000"/>
+          </a:xfrm>
+          <a:custGeom>
+            <a:rect b="b" l="l" r="r" t="t"/>
+            <a:pathLst>
+              <a:path extrusionOk="0" h="120000" w="120000">
+                <a:moveTo>
+                  <a:pt x="0" y="0"/>
+                </a:moveTo>
+                <a:lnTo>
+                  <a:pt x="120000" y="0"/>
+                </a:lnTo>
+                <a:lnTo>
+                  <a:pt x="120000" y="120000"/>
+                </a:lnTo>
+                <a:lnTo>
+                  <a:pt x="0" y="120000"/>
+                </a:lnTo>
+                <a:close/>
+              </a:path>
+            </a:pathLst>
+          </a:custGeom>
+        </p:spPr>
+      </p:sp>
+      <p:sp>
+        <p:nvSpPr>
+          <p:cNvPr id="202" name="Google Shape;202;g21368949250_0_133:notes"/>
           <p:cNvSpPr txBox="1"/>
           <p:nvPr>
             <p:ph idx="1" type="body"/>
@@ -6141,7 +6441,7 @@
     <p:sldLayoutId id="2147483657" r:id="rId10"/>
     <p:sldLayoutId id="2147483658" r:id="rId11"/>
   </p:sldLayoutIdLst>
-  <p:hf dt="0" ftr="0" hdr="0" sldNum="0"/>
+  <p:hf dt="0" ftr="0" hdr="0"/>
   <p:txStyles>
     <p:titleStyle>
       <a:defPPr lvl="0" marR="0" rtl="0" algn="l">
@@ -6901,7 +7201,7 @@
         </p:nvSpPr>
         <p:spPr>
           <a:xfrm>
-            <a:off x="311700" y="2834125"/>
+            <a:off x="311700" y="2967300"/>
             <a:ext cx="8520600" cy="792600"/>
           </a:xfrm>
           <a:prstGeom prst="rect">
@@ -6924,8 +7224,109 @@
               <a:buNone/>
             </a:pPr>
             <a:r>
-              <a:t/>
-            </a:r>
+              <a:rPr lang="en"/>
+              <a:t>Yanting Teng, Stefano Troffa, Hrushikesh Patil</a:t>
+            </a:r>
+            <a:endParaRPr/>
+          </a:p>
+        </p:txBody>
+      </p:sp>
+      <p:sp>
+        <p:nvSpPr>
+          <p:cNvPr id="56" name="Google Shape;56;p13"/>
+          <p:cNvSpPr txBox="1"/>
+          <p:nvPr>
+            <p:ph idx="1" type="subTitle"/>
+          </p:nvPr>
+        </p:nvSpPr>
+        <p:spPr>
+          <a:xfrm>
+            <a:off x="347600" y="4051200"/>
+            <a:ext cx="8520600" cy="792600"/>
+          </a:xfrm>
+          <a:prstGeom prst="rect">
+            <a:avLst/>
+          </a:prstGeom>
+        </p:spPr>
+        <p:txBody>
+          <a:bodyPr anchorCtr="0" anchor="t" bIns="91425" lIns="91425" spcFirstLastPara="1" rIns="91425" wrap="square" tIns="91425">
+            <a:normAutofit/>
+          </a:bodyPr>
+          <a:lstStyle/>
+          <a:p>
+            <a:pPr indent="0" lvl="0" marL="0" rtl="0" algn="ctr">
+              <a:spcBef>
+                <a:spcPts val="0"/>
+              </a:spcBef>
+              <a:spcAft>
+                <a:spcPts val="0"/>
+              </a:spcAft>
+              <a:buNone/>
+            </a:pPr>
+            <a:r>
+              <a:rPr lang="en" sz="2000"/>
+              <a:t>Qhack</a:t>
+            </a:r>
+            <a:r>
+              <a:rPr lang="en" sz="2000"/>
+              <a:t> 2023</a:t>
+            </a:r>
+            <a:endParaRPr sz="2000"/>
+          </a:p>
+          <a:p>
+            <a:pPr indent="0" lvl="0" marL="0" rtl="0" algn="ctr">
+              <a:spcBef>
+                <a:spcPts val="0"/>
+              </a:spcBef>
+              <a:spcAft>
+                <a:spcPts val="0"/>
+              </a:spcAft>
+              <a:buNone/>
+            </a:pPr>
+            <a:r>
+              <a:rPr lang="en" sz="2000"/>
+              <a:t>Power-ups: AWS, NVIDIA</a:t>
+            </a:r>
+            <a:endParaRPr sz="2000"/>
+          </a:p>
+        </p:txBody>
+      </p:sp>
+      <p:sp>
+        <p:nvSpPr>
+          <p:cNvPr id="57" name="Google Shape;57;p13"/>
+          <p:cNvSpPr txBox="1"/>
+          <p:nvPr>
+            <p:ph idx="12" type="sldNum"/>
+          </p:nvPr>
+        </p:nvSpPr>
+        <p:spPr>
+          <a:xfrm>
+            <a:off x="8472458" y="4663217"/>
+            <a:ext cx="548700" cy="393600"/>
+          </a:xfrm>
+          <a:prstGeom prst="rect">
+            <a:avLst/>
+          </a:prstGeom>
+        </p:spPr>
+        <p:txBody>
+          <a:bodyPr anchorCtr="0" anchor="ctr" bIns="91425" lIns="91425" spcFirstLastPara="1" rIns="91425" wrap="square" tIns="91425">
+            <a:normAutofit/>
+          </a:bodyPr>
+          <a:lstStyle/>
+          <a:p>
+            <a:pPr indent="0" lvl="0" marL="0" rtl="0" algn="r">
+              <a:spcBef>
+                <a:spcPts val="0"/>
+              </a:spcBef>
+              <a:spcAft>
+                <a:spcPts val="0"/>
+              </a:spcAft>
+              <a:buNone/>
+            </a:pPr>
+            <a:fld id="{00000000-1234-1234-1234-123412341234}" type="slidenum">
+              <a:rPr lang="en"/>
+              <a:t>‹#›</a:t>
+            </a:fld>
             <a:endParaRPr/>
           </a:p>
         </p:txBody>
@@ -6939,319 +7340,6 @@
 </file>
 
 <file path=ppt/slides/slide10.xml><?xml version="1.0" encoding="utf-8"?>
-<p:sld xmlns:a="http://schemas.openxmlformats.org/drawingml/2006/main" xmlns:r="http://schemas.openxmlformats.org/officeDocument/2006/relationships" xmlns:mc="http://schemas.openxmlformats.org/markup-compatibility/2006" xmlns:mv="urn:schemas-microsoft-com:mac:vml" xmlns:p="http://schemas.openxmlformats.org/presentationml/2006/main" xmlns:c="http://schemas.openxmlformats.org/drawingml/2006/chart" xmlns:dgm="http://schemas.openxmlformats.org/drawingml/2006/diagram" xmlns:o="urn:schemas-microsoft-com:office:office" xmlns:v="urn:schemas-microsoft-com:vml" xmlns:pvml="urn:schemas-microsoft-com:office:powerpoint" xmlns:com="http://schemas.openxmlformats.org/drawingml/2006/compatibility" xmlns:p14="http://schemas.microsoft.com/office/powerpoint/2010/main" xmlns:p15="http://schemas.microsoft.com/office/powerpoint/2012/main" xmlns:ahyp="http://schemas.microsoft.com/office/drawing/2018/hyperlinkcolor">
-  <p:cSld>
-    <p:spTree>
-      <p:nvGrpSpPr>
-        <p:cNvPr id="203" name="Shape 203"/>
-        <p:cNvGrpSpPr/>
-        <p:nvPr/>
-      </p:nvGrpSpPr>
-      <p:grpSpPr>
-        <a:xfrm>
-          <a:off x="0" y="0"/>
-          <a:ext cx="0" cy="0"/>
-          <a:chOff x="0" y="0"/>
-          <a:chExt cx="0" cy="0"/>
-        </a:xfrm>
-      </p:grpSpPr>
-      <p:sp>
-        <p:nvSpPr>
-          <p:cNvPr id="204" name="Google Shape;204;p22"/>
-          <p:cNvSpPr txBox="1"/>
-          <p:nvPr>
-            <p:ph type="title"/>
-          </p:nvPr>
-        </p:nvSpPr>
-        <p:spPr>
-          <a:xfrm>
-            <a:off x="311700" y="316275"/>
-            <a:ext cx="8520600" cy="572700"/>
-          </a:xfrm>
-          <a:prstGeom prst="rect">
-            <a:avLst/>
-          </a:prstGeom>
-        </p:spPr>
-        <p:txBody>
-          <a:bodyPr anchorCtr="0" anchor="t" bIns="91425" lIns="91425" spcFirstLastPara="1" rIns="91425" wrap="square" tIns="91425">
-            <a:noAutofit/>
-          </a:bodyPr>
-          <a:lstStyle/>
-          <a:p>
-            <a:pPr indent="0" lvl="0" marL="0" rtl="0" algn="l">
-              <a:lnSpc>
-                <a:spcPct val="115000"/>
-              </a:lnSpc>
-              <a:spcBef>
-                <a:spcPts val="0"/>
-              </a:spcBef>
-              <a:spcAft>
-                <a:spcPts val="1200"/>
-              </a:spcAft>
-              <a:buNone/>
-            </a:pPr>
-            <a:r>
-              <a:rPr lang="en" sz="2500"/>
-              <a:t>Decompositional QGNN: </a:t>
-            </a:r>
-            <a:endParaRPr sz="2500"/>
-          </a:p>
-        </p:txBody>
-      </p:sp>
-      <p:sp>
-        <p:nvSpPr>
-          <p:cNvPr id="205" name="Google Shape;205;p22"/>
-          <p:cNvSpPr txBox="1"/>
-          <p:nvPr>
-            <p:ph idx="1" type="body"/>
-          </p:nvPr>
-        </p:nvSpPr>
-        <p:spPr>
-          <a:xfrm>
-            <a:off x="311700" y="863550"/>
-            <a:ext cx="5253900" cy="3900900"/>
-          </a:xfrm>
-          <a:prstGeom prst="rect">
-            <a:avLst/>
-          </a:prstGeom>
-        </p:spPr>
-        <p:txBody>
-          <a:bodyPr anchorCtr="0" anchor="t" bIns="91425" lIns="91425" spcFirstLastPara="1" rIns="91425" wrap="square" tIns="91425">
-            <a:normAutofit fontScale="92500" lnSpcReduction="10000"/>
-          </a:bodyPr>
-          <a:lstStyle/>
-          <a:p>
-            <a:pPr indent="0" lvl="0" marL="0" rtl="0" algn="just">
-              <a:spcBef>
-                <a:spcPts val="0"/>
-              </a:spcBef>
-              <a:spcAft>
-                <a:spcPts val="0"/>
-              </a:spcAft>
-              <a:buNone/>
-            </a:pPr>
-            <a:r>
-              <a:rPr lang="en" sz="1600"/>
-              <a:t>The idea behind this ansatze is to reduce the dimensionality of the Hilbert Space via decomposing the graphs in subgraphs, i.e. nearest neighbours graph for each node. Then we process the information by applying each subgraph representation as a subsequent layer to our circuit. </a:t>
-            </a:r>
-            <a:endParaRPr sz="1600"/>
-          </a:p>
-          <a:p>
-            <a:pPr indent="0" lvl="0" marL="0" rtl="0" algn="just">
-              <a:spcBef>
-                <a:spcPts val="1200"/>
-              </a:spcBef>
-              <a:spcAft>
-                <a:spcPts val="0"/>
-              </a:spcAft>
-              <a:buNone/>
-            </a:pPr>
-            <a:r>
-              <a:rPr lang="en" sz="1600"/>
-              <a:t>The structure of the algorithm can be seen on the right</a:t>
-            </a:r>
-            <a:endParaRPr sz="1600"/>
-          </a:p>
-          <a:p>
-            <a:pPr indent="0" lvl="0" marL="0" rtl="0" algn="just">
-              <a:spcBef>
-                <a:spcPts val="1200"/>
-              </a:spcBef>
-              <a:spcAft>
-                <a:spcPts val="0"/>
-              </a:spcAft>
-              <a:buNone/>
-            </a:pPr>
-            <a:r>
-              <a:rPr lang="en" sz="1600"/>
-              <a:t>The initialization is used to encode information about each node. Then there is a layer of rotations, followed by entanglement through CNOTS.</a:t>
-            </a:r>
-            <a:endParaRPr sz="1600"/>
-          </a:p>
-          <a:p>
-            <a:pPr indent="0" lvl="0" marL="0" rtl="0" algn="just">
-              <a:spcBef>
-                <a:spcPts val="1200"/>
-              </a:spcBef>
-              <a:spcAft>
-                <a:spcPts val="0"/>
-              </a:spcAft>
-              <a:buClr>
-                <a:schemeClr val="dk1"/>
-              </a:buClr>
-              <a:buSzPct val="68750"/>
-              <a:buFont typeface="Arial"/>
-              <a:buNone/>
-            </a:pPr>
-            <a:r>
-              <a:rPr lang="en" sz="1600"/>
-              <a:t>We modified the layer Ucov to account for entanglement following the adjacency matrix of the edges.</a:t>
-            </a:r>
-            <a:endParaRPr sz="1600"/>
-          </a:p>
-          <a:p>
-            <a:pPr indent="0" lvl="0" marL="0" rtl="0" algn="l">
-              <a:lnSpc>
-                <a:spcPct val="100000"/>
-              </a:lnSpc>
-              <a:spcBef>
-                <a:spcPts val="1200"/>
-              </a:spcBef>
-              <a:spcAft>
-                <a:spcPts val="0"/>
-              </a:spcAft>
-              <a:buClr>
-                <a:schemeClr val="dk1"/>
-              </a:buClr>
-              <a:buSzPct val="39285"/>
-              <a:buFont typeface="Arial"/>
-              <a:buNone/>
-            </a:pPr>
-            <a:r>
-              <a:t/>
-            </a:r>
-            <a:endParaRPr sz="2800">
-              <a:solidFill>
-                <a:schemeClr val="dk1"/>
-              </a:solidFill>
-            </a:endParaRPr>
-          </a:p>
-        </p:txBody>
-      </p:sp>
-      <p:pic>
-        <p:nvPicPr>
-          <p:cNvPr id="206" name="Google Shape;206;p22"/>
-          <p:cNvPicPr preferRelativeResize="0"/>
-          <p:nvPr/>
-        </p:nvPicPr>
-        <p:blipFill>
-          <a:blip r:embed="rId3">
-            <a:alphaModFix/>
-          </a:blip>
-          <a:stretch>
-            <a:fillRect/>
-          </a:stretch>
-        </p:blipFill>
-        <p:spPr>
-          <a:xfrm>
-            <a:off x="5603550" y="89925"/>
-            <a:ext cx="3273600" cy="2436343"/>
-          </a:xfrm>
-          <a:prstGeom prst="rect">
-            <a:avLst/>
-          </a:prstGeom>
-          <a:noFill/>
-          <a:ln>
-            <a:noFill/>
-          </a:ln>
-        </p:spPr>
-      </p:pic>
-      <p:pic>
-        <p:nvPicPr>
-          <p:cNvPr id="207" name="Google Shape;207;p22"/>
-          <p:cNvPicPr preferRelativeResize="0"/>
-          <p:nvPr/>
-        </p:nvPicPr>
-        <p:blipFill rotWithShape="1">
-          <a:blip r:embed="rId4">
-            <a:alphaModFix/>
-          </a:blip>
-          <a:srcRect b="5249" l="2286" r="0" t="0"/>
-          <a:stretch/>
-        </p:blipFill>
-        <p:spPr>
-          <a:xfrm>
-            <a:off x="6280975" y="3916650"/>
-            <a:ext cx="2451425" cy="1034100"/>
-          </a:xfrm>
-          <a:prstGeom prst="rect">
-            <a:avLst/>
-          </a:prstGeom>
-          <a:noFill/>
-          <a:ln>
-            <a:noFill/>
-          </a:ln>
-        </p:spPr>
-      </p:pic>
-      <p:sp>
-        <p:nvSpPr>
-          <p:cNvPr id="208" name="Google Shape;208;p22"/>
-          <p:cNvSpPr txBox="1"/>
-          <p:nvPr/>
-        </p:nvSpPr>
-        <p:spPr>
-          <a:xfrm>
-            <a:off x="5880325" y="71525"/>
-            <a:ext cx="2403600" cy="400200"/>
-          </a:xfrm>
-          <a:prstGeom prst="rect">
-            <a:avLst/>
-          </a:prstGeom>
-          <a:noFill/>
-          <a:ln>
-            <a:noFill/>
-          </a:ln>
-        </p:spPr>
-        <p:txBody>
-          <a:bodyPr anchorCtr="0" anchor="t" bIns="91425" lIns="91425" spcFirstLastPara="1" rIns="91425" wrap="square" tIns="91425">
-            <a:spAutoFit/>
-          </a:bodyPr>
-          <a:lstStyle/>
-          <a:p>
-            <a:pPr indent="0" lvl="0" marL="0" rtl="0" algn="l">
-              <a:spcBef>
-                <a:spcPts val="0"/>
-              </a:spcBef>
-              <a:spcAft>
-                <a:spcPts val="0"/>
-              </a:spcAft>
-              <a:buNone/>
-            </a:pPr>
-            <a:r>
-              <a:rPr lang="en"/>
-              <a:t>Credits to [4]</a:t>
-            </a:r>
-            <a:endParaRPr/>
-          </a:p>
-        </p:txBody>
-      </p:sp>
-      <p:pic>
-        <p:nvPicPr>
-          <p:cNvPr id="209" name="Google Shape;209;p22"/>
-          <p:cNvPicPr preferRelativeResize="0"/>
-          <p:nvPr/>
-        </p:nvPicPr>
-        <p:blipFill>
-          <a:blip r:embed="rId5">
-            <a:alphaModFix/>
-          </a:blip>
-          <a:stretch>
-            <a:fillRect/>
-          </a:stretch>
-        </p:blipFill>
-        <p:spPr>
-          <a:xfrm>
-            <a:off x="6116697" y="2726572"/>
-            <a:ext cx="2451425" cy="1110475"/>
-          </a:xfrm>
-          <a:prstGeom prst="rect">
-            <a:avLst/>
-          </a:prstGeom>
-          <a:noFill/>
-          <a:ln>
-            <a:noFill/>
-          </a:ln>
-        </p:spPr>
-      </p:pic>
-    </p:spTree>
-  </p:cSld>
-  <p:clrMapOvr>
-    <a:masterClrMapping/>
-  </p:clrMapOvr>
-</p:sld>
-</file>
-
-<file path=ppt/slides/slide11.xml><?xml version="1.0" encoding="utf-8"?>
 <p:sld xmlns:a="http://schemas.openxmlformats.org/drawingml/2006/main" xmlns:r="http://schemas.openxmlformats.org/officeDocument/2006/relationships" xmlns:mc="http://schemas.openxmlformats.org/markup-compatibility/2006" xmlns:mv="urn:schemas-microsoft-com:mac:vml" xmlns:p="http://schemas.openxmlformats.org/presentationml/2006/main" xmlns:c="http://schemas.openxmlformats.org/drawingml/2006/chart" xmlns:dgm="http://schemas.openxmlformats.org/drawingml/2006/diagram" xmlns:o="urn:schemas-microsoft-com:office:office" xmlns:v="urn:schemas-microsoft-com:vml" xmlns:pvml="urn:schemas-microsoft-com:office:powerpoint" xmlns:com="http://schemas.openxmlformats.org/drawingml/2006/compatibility" xmlns:p14="http://schemas.microsoft.com/office/powerpoint/2010/main" xmlns:p15="http://schemas.microsoft.com/office/powerpoint/2012/main" xmlns:ahyp="http://schemas.microsoft.com/office/drawing/2018/hyperlinkcolor">
   <p:cSld>
     <p:spTree>
@@ -7270,7 +7358,7 @@
       </p:grpSpPr>
       <p:sp>
         <p:nvSpPr>
-          <p:cNvPr id="214" name="Google Shape;214;p23"/>
+          <p:cNvPr id="214" name="Google Shape;214;p22"/>
           <p:cNvSpPr txBox="1"/>
           <p:nvPr>
             <p:ph type="title"/>
@@ -7278,184 +7366,73 @@
         </p:nvSpPr>
         <p:spPr>
           <a:xfrm>
-            <a:off x="311700" y="316275"/>
-            <a:ext cx="8520600" cy="572700"/>
+            <a:off x="311700" y="2150850"/>
+            <a:ext cx="8520600" cy="841800"/>
           </a:xfrm>
           <a:prstGeom prst="rect">
             <a:avLst/>
           </a:prstGeom>
         </p:spPr>
         <p:txBody>
-          <a:bodyPr anchorCtr="0" anchor="t" bIns="91425" lIns="91425" spcFirstLastPara="1" rIns="91425" wrap="square" tIns="91425">
-            <a:noAutofit/>
+          <a:bodyPr anchorCtr="0" anchor="ctr" bIns="91425" lIns="91425" spcFirstLastPara="1" rIns="91425" wrap="square" tIns="91425">
+            <a:normAutofit/>
           </a:bodyPr>
           <a:lstStyle/>
           <a:p>
-            <a:pPr indent="0" lvl="0" marL="0" rtl="0" algn="l">
-              <a:lnSpc>
-                <a:spcPct val="115000"/>
-              </a:lnSpc>
-              <a:spcBef>
-                <a:spcPts val="0"/>
-              </a:spcBef>
-              <a:spcAft>
-                <a:spcPts val="1200"/>
-              </a:spcAft>
-              <a:buNone/>
-            </a:pPr>
-            <a:r>
-              <a:rPr lang="en" sz="2500"/>
-              <a:t>Results from DQGNN</a:t>
-            </a:r>
-            <a:endParaRPr sz="2500"/>
+            <a:pPr indent="0" lvl="0" marL="0" rtl="0" algn="ctr">
+              <a:spcBef>
+                <a:spcPts val="0"/>
+              </a:spcBef>
+              <a:spcAft>
+                <a:spcPts val="0"/>
+              </a:spcAft>
+              <a:buNone/>
+            </a:pPr>
+            <a:r>
+              <a:rPr lang="en"/>
+              <a:t>Part II. DQGNN</a:t>
+            </a:r>
+            <a:endParaRPr/>
           </a:p>
         </p:txBody>
       </p:sp>
       <p:sp>
         <p:nvSpPr>
-          <p:cNvPr id="215" name="Google Shape;215;p23"/>
+          <p:cNvPr id="215" name="Google Shape;215;p22"/>
           <p:cNvSpPr txBox="1"/>
           <p:nvPr>
-            <p:ph idx="1" type="body"/>
+            <p:ph idx="12" type="sldNum"/>
           </p:nvPr>
         </p:nvSpPr>
         <p:spPr>
           <a:xfrm>
-            <a:off x="311700" y="863550"/>
-            <a:ext cx="7164000" cy="3900900"/>
+            <a:off x="8472458" y="4663217"/>
+            <a:ext cx="548700" cy="393600"/>
           </a:xfrm>
           <a:prstGeom prst="rect">
             <a:avLst/>
           </a:prstGeom>
         </p:spPr>
         <p:txBody>
-          <a:bodyPr anchorCtr="0" anchor="t" bIns="91425" lIns="91425" spcFirstLastPara="1" rIns="91425" wrap="square" tIns="91425">
-            <a:normAutofit fontScale="85000" lnSpcReduction="20000"/>
+          <a:bodyPr anchorCtr="0" anchor="ctr" bIns="91425" lIns="91425" spcFirstLastPara="1" rIns="91425" wrap="square" tIns="91425">
+            <a:normAutofit/>
           </a:bodyPr>
           <a:lstStyle/>
           <a:p>
-            <a:pPr indent="0" lvl="0" marL="0" rtl="0" algn="just">
-              <a:spcBef>
-                <a:spcPts val="0"/>
-              </a:spcBef>
-              <a:spcAft>
-                <a:spcPts val="0"/>
-              </a:spcAft>
-              <a:buNone/>
-            </a:pPr>
-            <a:r>
-              <a:rPr lang="en" sz="1600"/>
-              <a:t>Our </a:t>
-            </a:r>
-            <a:r>
-              <a:rPr lang="en" sz="1600"/>
-              <a:t>objective</a:t>
-            </a:r>
-            <a:r>
-              <a:rPr lang="en" sz="1600"/>
-              <a:t> was to confront QPU implementations on rydberg atoms, with the DQGNN strategy on simulators and real device.</a:t>
-            </a:r>
-            <a:endParaRPr sz="1600"/>
-          </a:p>
-          <a:p>
-            <a:pPr indent="0" lvl="0" marL="0" rtl="0" algn="just">
-              <a:spcBef>
-                <a:spcPts val="1200"/>
-              </a:spcBef>
-              <a:spcAft>
-                <a:spcPts val="0"/>
-              </a:spcAft>
-              <a:buNone/>
-            </a:pPr>
-            <a:r>
-              <a:rPr lang="en" sz="1600"/>
-              <a:t>Due to the complexity of the algorithm, and time constraints we did not manage to gather results on the classification capability, and expressivity of the network. </a:t>
-            </a:r>
-            <a:endParaRPr sz="1600"/>
-          </a:p>
-          <a:p>
-            <a:pPr indent="0" lvl="0" marL="0" rtl="0" algn="just">
-              <a:spcBef>
-                <a:spcPts val="1200"/>
-              </a:spcBef>
-              <a:spcAft>
-                <a:spcPts val="0"/>
-              </a:spcAft>
-              <a:buNone/>
-            </a:pPr>
-            <a:r>
-              <a:rPr lang="en" sz="1600"/>
-              <a:t>However it is believed that the notebook presents a clear core structure that allows for modifications, thus it can be use for </a:t>
-            </a:r>
-            <a:r>
-              <a:rPr lang="en" sz="1600"/>
-              <a:t>didactic</a:t>
-            </a:r>
-            <a:r>
-              <a:rPr lang="en" sz="1600"/>
-              <a:t> reasons and provide a clear way to work with graphs and decompose them and insert the results into a quantum circuit. </a:t>
-            </a:r>
-            <a:endParaRPr sz="1600"/>
-          </a:p>
-          <a:p>
-            <a:pPr indent="0" lvl="0" marL="0" rtl="0" algn="just">
-              <a:spcBef>
-                <a:spcPts val="1200"/>
-              </a:spcBef>
-              <a:spcAft>
-                <a:spcPts val="0"/>
-              </a:spcAft>
-              <a:buNone/>
-            </a:pPr>
-            <a:r>
-              <a:rPr lang="en" sz="1600"/>
-              <a:t>Despite the simulation not be completed and still the necessity to fine tune some parameters it is believed that the procedure as a whole may be of help for who wants to study large graphs through decomposition strategies.</a:t>
-            </a:r>
-            <a:br>
-              <a:rPr lang="en" sz="1600"/>
-            </a:br>
-            <a:r>
-              <a:rPr lang="en" sz="1600"/>
-              <a:t>Implementations are needed to deal with very large graphs due to the coherence time of devices bottleneck. Specifically it is needed to encode the information after  </a:t>
-            </a:r>
-            <a:endParaRPr sz="1600"/>
-          </a:p>
-          <a:p>
-            <a:pPr indent="0" lvl="0" marL="0" rtl="0" algn="just">
-              <a:spcBef>
-                <a:spcPts val="1200"/>
-              </a:spcBef>
-              <a:spcAft>
-                <a:spcPts val="0"/>
-              </a:spcAft>
-              <a:buNone/>
-            </a:pPr>
-            <a:r>
-              <a:t/>
-            </a:r>
-            <a:endParaRPr sz="1600"/>
-          </a:p>
-          <a:p>
-            <a:pPr indent="0" lvl="0" marL="0" rtl="0" algn="l">
-              <a:lnSpc>
-                <a:spcPct val="100000"/>
-              </a:lnSpc>
-              <a:spcBef>
-                <a:spcPts val="1200"/>
-              </a:spcBef>
-              <a:spcAft>
-                <a:spcPts val="0"/>
-              </a:spcAft>
-              <a:buNone/>
-            </a:pPr>
-            <a:r>
-              <a:t/>
-            </a:r>
-            <a:endParaRPr sz="2800">
-              <a:solidFill>
-                <a:schemeClr val="dk1"/>
-              </a:solidFill>
-            </a:endParaRPr>
+            <a:pPr indent="0" lvl="0" marL="0" rtl="0" algn="r">
+              <a:spcBef>
+                <a:spcPts val="0"/>
+              </a:spcBef>
+              <a:spcAft>
+                <a:spcPts val="0"/>
+              </a:spcAft>
+              <a:buNone/>
+            </a:pPr>
+            <a:fld id="{00000000-1234-1234-1234-123412341234}" type="slidenum">
+              <a:rPr lang="en"/>
+              <a:t>‹#›</a:t>
+            </a:fld>
+            <a:endParaRPr/>
           </a:p>
         </p:txBody>
       </p:sp>
@@ -7467,7 +7444,7 @@
 </p:sld>
 </file>
 
-<file path=ppt/slides/slide12.xml><?xml version="1.0" encoding="utf-8"?>
+<file path=ppt/slides/slide11.xml><?xml version="1.0" encoding="utf-8"?>
 <p:sld xmlns:a="http://schemas.openxmlformats.org/drawingml/2006/main" xmlns:r="http://schemas.openxmlformats.org/officeDocument/2006/relationships" xmlns:mc="http://schemas.openxmlformats.org/markup-compatibility/2006" xmlns:mv="urn:schemas-microsoft-com:mac:vml" xmlns:p="http://schemas.openxmlformats.org/presentationml/2006/main" xmlns:c="http://schemas.openxmlformats.org/drawingml/2006/chart" xmlns:dgm="http://schemas.openxmlformats.org/drawingml/2006/diagram" xmlns:o="urn:schemas-microsoft-com:office:office" xmlns:v="urn:schemas-microsoft-com:vml" xmlns:pvml="urn:schemas-microsoft-com:office:powerpoint" xmlns:com="http://schemas.openxmlformats.org/drawingml/2006/compatibility" xmlns:p14="http://schemas.microsoft.com/office/powerpoint/2010/main" xmlns:p15="http://schemas.microsoft.com/office/powerpoint/2012/main" xmlns:ahyp="http://schemas.microsoft.com/office/drawing/2018/hyperlinkcolor">
   <p:cSld>
     <p:spTree>
@@ -7486,7 +7463,7 @@
       </p:grpSpPr>
       <p:sp>
         <p:nvSpPr>
-          <p:cNvPr id="220" name="Google Shape;220;p24"/>
+          <p:cNvPr id="220" name="Google Shape;220;p23"/>
           <p:cNvSpPr txBox="1"/>
           <p:nvPr>
             <p:ph type="title"/>
@@ -7494,8 +7471,8 @@
         </p:nvSpPr>
         <p:spPr>
           <a:xfrm>
-            <a:off x="311700" y="445025"/>
-            <a:ext cx="8520600" cy="572700"/>
+            <a:off x="311700" y="316275"/>
+            <a:ext cx="5153700" cy="572700"/>
           </a:xfrm>
           <a:prstGeom prst="rect">
             <a:avLst/>
@@ -7517,16 +7494,16 @@
               <a:buNone/>
             </a:pPr>
             <a:r>
-              <a:rPr lang="en"/>
-              <a:t>Conclusion and future works	</a:t>
-            </a:r>
-            <a:endParaRPr/>
+              <a:rPr lang="en" sz="2650"/>
+              <a:t>Quantum Graph Neural Networks</a:t>
+            </a:r>
+            <a:endParaRPr sz="2650"/>
           </a:p>
         </p:txBody>
       </p:sp>
       <p:sp>
         <p:nvSpPr>
-          <p:cNvPr id="221" name="Google Shape;221;p24"/>
+          <p:cNvPr id="221" name="Google Shape;221;p23"/>
           <p:cNvSpPr txBox="1"/>
           <p:nvPr>
             <p:ph idx="1" type="body"/>
@@ -7534,8 +7511,8 @@
         </p:nvSpPr>
         <p:spPr>
           <a:xfrm>
-            <a:off x="311700" y="1152475"/>
-            <a:ext cx="8520600" cy="3416400"/>
+            <a:off x="311700" y="888975"/>
+            <a:ext cx="8072400" cy="4129800"/>
           </a:xfrm>
           <a:prstGeom prst="rect">
             <a:avLst/>
@@ -7547,102 +7524,146 @@
           </a:bodyPr>
           <a:lstStyle/>
           <a:p>
-            <a:pPr indent="-342900" lvl="0" marL="457200" rtl="0" algn="l">
-              <a:spcBef>
-                <a:spcPts val="0"/>
-              </a:spcBef>
-              <a:spcAft>
-                <a:spcPts val="0"/>
-              </a:spcAft>
-              <a:buSzPts val="1800"/>
+            <a:pPr indent="0" lvl="0" marL="0" rtl="0" algn="l">
+              <a:spcBef>
+                <a:spcPts val="0"/>
+              </a:spcBef>
+              <a:spcAft>
+                <a:spcPts val="0"/>
+              </a:spcAft>
+              <a:buNone/>
+            </a:pPr>
+            <a:r>
+              <a:rPr lang="en" sz="1600"/>
+              <a:t>QGNNs </a:t>
+            </a:r>
+            <a:r>
+              <a:rPr lang="en" sz="1600"/>
+              <a:t>were first introduced in 2019 by Guillaume Verdon and Trevor McCourt. The idea behind these Quantum Neural Network ansatze is to provide a natural representation of Graph Data. A vanilla procedure consists in assigning an Hilbert Space to each node and use the </a:t>
+            </a:r>
+            <a:r>
+              <a:rPr lang="en" sz="1600"/>
+              <a:t>graph structure to establish coupling between nodes. In the simplest scenario, we map:</a:t>
+            </a:r>
+            <a:endParaRPr sz="1600"/>
+          </a:p>
+          <a:p>
+            <a:pPr indent="-330200" lvl="0" marL="457200" rtl="0" algn="l">
+              <a:spcBef>
+                <a:spcPts val="1200"/>
+              </a:spcBef>
+              <a:spcAft>
+                <a:spcPts val="0"/>
+              </a:spcAft>
+              <a:buSzPts val="1600"/>
               <a:buChar char="●"/>
             </a:pPr>
             <a:r>
+              <a:rPr lang="en" sz="1600"/>
+              <a:t> Each node v, to a qubit	</a:t>
+            </a:r>
+            <a:endParaRPr sz="1600"/>
+          </a:p>
+          <a:p>
+            <a:pPr indent="-330200" lvl="0" marL="457200" rtl="0" algn="l">
+              <a:spcBef>
+                <a:spcPts val="0"/>
+              </a:spcBef>
+              <a:spcAft>
+                <a:spcPts val="0"/>
+              </a:spcAft>
+              <a:buSzPts val="1600"/>
+              <a:buChar char="●"/>
+            </a:pPr>
+            <a:r>
+              <a:rPr lang="en" sz="1600"/>
+              <a:t> Each edge (i,j) to an entangling gate between nodes i,j</a:t>
+            </a:r>
+            <a:endParaRPr sz="1600"/>
+          </a:p>
+          <a:p>
+            <a:pPr indent="0" lvl="0" marL="0" rtl="0" algn="l">
+              <a:spcBef>
+                <a:spcPts val="1200"/>
+              </a:spcBef>
+              <a:spcAft>
+                <a:spcPts val="0"/>
+              </a:spcAft>
+              <a:buNone/>
+            </a:pPr>
+            <a:r>
+              <a:t/>
+            </a:r>
+            <a:endParaRPr sz="1600"/>
+          </a:p>
+          <a:p>
+            <a:pPr indent="0" lvl="0" marL="0" rtl="0" algn="l">
+              <a:spcBef>
+                <a:spcPts val="1200"/>
+              </a:spcBef>
+              <a:spcAft>
+                <a:spcPts val="0"/>
+              </a:spcAft>
+              <a:buNone/>
+            </a:pPr>
+            <a:r>
+              <a:t/>
+            </a:r>
+            <a:endParaRPr sz="1600"/>
+          </a:p>
+          <a:p>
+            <a:pPr indent="0" lvl="0" marL="0" rtl="0" algn="l">
+              <a:spcBef>
+                <a:spcPts val="1200"/>
+              </a:spcBef>
+              <a:spcAft>
+                <a:spcPts val="1200"/>
+              </a:spcAft>
+              <a:buNone/>
+            </a:pPr>
+            <a:r>
+              <a:t/>
+            </a:r>
+            <a:endParaRPr/>
+          </a:p>
+        </p:txBody>
+      </p:sp>
+      <p:sp>
+        <p:nvSpPr>
+          <p:cNvPr id="222" name="Google Shape;222;p23"/>
+          <p:cNvSpPr txBox="1"/>
+          <p:nvPr>
+            <p:ph idx="12" type="sldNum"/>
+          </p:nvPr>
+        </p:nvSpPr>
+        <p:spPr>
+          <a:xfrm>
+            <a:off x="8472458" y="4663217"/>
+            <a:ext cx="548700" cy="393600"/>
+          </a:xfrm>
+          <a:prstGeom prst="rect">
+            <a:avLst/>
+          </a:prstGeom>
+        </p:spPr>
+        <p:txBody>
+          <a:bodyPr anchorCtr="0" anchor="ctr" bIns="91425" lIns="91425" spcFirstLastPara="1" rIns="91425" wrap="square" tIns="91425">
+            <a:normAutofit/>
+          </a:bodyPr>
+          <a:lstStyle/>
+          <a:p>
+            <a:pPr indent="0" lvl="0" marL="0" rtl="0" algn="r">
+              <a:spcBef>
+                <a:spcPts val="0"/>
+              </a:spcBef>
+              <a:spcAft>
+                <a:spcPts val="0"/>
+              </a:spcAft>
+              <a:buNone/>
+            </a:pPr>
+            <a:fld id="{00000000-1234-1234-1234-123412341234}" type="slidenum">
               <a:rPr lang="en"/>
-              <a:t>Our goal is graph classifications (local geometries, global connectivity, etc.…), which is important in drug discoveries</a:t>
-            </a:r>
-            <a:endParaRPr/>
-          </a:p>
-          <a:p>
-            <a:pPr indent="-342900" lvl="0" marL="457200" rtl="0" algn="l">
-              <a:spcBef>
-                <a:spcPts val="0"/>
-              </a:spcBef>
-              <a:spcAft>
-                <a:spcPts val="0"/>
-              </a:spcAft>
-              <a:buSzPts val="1800"/>
-              <a:buChar char="●"/>
-            </a:pPr>
-            <a:r>
-              <a:rPr lang="en"/>
-              <a:t>We implemented QEK algorithm using </a:t>
-            </a:r>
-            <a:endParaRPr/>
-          </a:p>
-          <a:p>
-            <a:pPr indent="0" lvl="0" marL="457200" rtl="0" algn="l">
-              <a:spcBef>
-                <a:spcPts val="1200"/>
-              </a:spcBef>
-              <a:spcAft>
-                <a:spcPts val="0"/>
-              </a:spcAft>
-              <a:buNone/>
-            </a:pPr>
-            <a:r>
-              <a:rPr lang="en"/>
-              <a:t>1) Braket/Aquila and 2) </a:t>
-            </a:r>
-            <a:r>
-              <a:rPr lang="en"/>
-              <a:t>Bracket</a:t>
-            </a:r>
-            <a:r>
-              <a:rPr lang="en"/>
-              <a:t>-PennyLane </a:t>
-            </a:r>
-            <a:endParaRPr/>
-          </a:p>
-          <a:p>
-            <a:pPr indent="0" lvl="0" marL="0" rtl="0" algn="l">
-              <a:spcBef>
-                <a:spcPts val="1200"/>
-              </a:spcBef>
-              <a:spcAft>
-                <a:spcPts val="0"/>
-              </a:spcAft>
-              <a:buNone/>
-            </a:pPr>
-            <a:r>
-              <a:rPr lang="en"/>
-              <a:t>We find the </a:t>
-            </a:r>
-            <a:r>
-              <a:rPr lang="en"/>
-              <a:t>native</a:t>
-            </a:r>
-            <a:r>
-              <a:rPr lang="en"/>
-              <a:t> interactions in neural atom simulators are important in differentiating graphs that are geometrically different!</a:t>
-            </a:r>
-            <a:endParaRPr/>
-          </a:p>
-          <a:p>
-            <a:pPr indent="-342900" lvl="0" marL="457200" rtl="0" algn="l">
-              <a:spcBef>
-                <a:spcPts val="1200"/>
-              </a:spcBef>
-              <a:spcAft>
-                <a:spcPts val="0"/>
-              </a:spcAft>
-              <a:buSzPts val="1800"/>
-              <a:buChar char="●"/>
-            </a:pPr>
-            <a:r>
-              <a:rPr lang="en"/>
-              <a:t>We also implemented (D) QGNN architecture in Pennylane, as a fully personalizable algorithm. </a:t>
-            </a:r>
+              <a:t>‹#›</a:t>
+            </a:fld>
             <a:endParaRPr/>
           </a:p>
         </p:txBody>
@@ -7655,12 +7676,12 @@
 </p:sld>
 </file>
 
-<file path=ppt/slides/slide13.xml><?xml version="1.0" encoding="utf-8"?>
+<file path=ppt/slides/slide12.xml><?xml version="1.0" encoding="utf-8"?>
 <p:sld xmlns:a="http://schemas.openxmlformats.org/drawingml/2006/main" xmlns:r="http://schemas.openxmlformats.org/officeDocument/2006/relationships" xmlns:mc="http://schemas.openxmlformats.org/markup-compatibility/2006" xmlns:mv="urn:schemas-microsoft-com:mac:vml" xmlns:p="http://schemas.openxmlformats.org/presentationml/2006/main" xmlns:c="http://schemas.openxmlformats.org/drawingml/2006/chart" xmlns:dgm="http://schemas.openxmlformats.org/drawingml/2006/diagram" xmlns:o="urn:schemas-microsoft-com:office:office" xmlns:v="urn:schemas-microsoft-com:vml" xmlns:pvml="urn:schemas-microsoft-com:office:powerpoint" xmlns:com="http://schemas.openxmlformats.org/drawingml/2006/compatibility" xmlns:p14="http://schemas.microsoft.com/office/powerpoint/2010/main" xmlns:p15="http://schemas.microsoft.com/office/powerpoint/2012/main" xmlns:ahyp="http://schemas.microsoft.com/office/drawing/2018/hyperlinkcolor">
   <p:cSld>
     <p:spTree>
       <p:nvGrpSpPr>
-        <p:cNvPr id="225" name="Shape 225"/>
+        <p:cNvPr id="226" name="Shape 226"/>
         <p:cNvGrpSpPr/>
         <p:nvPr/>
       </p:nvGrpSpPr>
@@ -7674,7 +7695,7 @@
       </p:grpSpPr>
       <p:sp>
         <p:nvSpPr>
-          <p:cNvPr id="226" name="Google Shape;226;p25"/>
+          <p:cNvPr id="227" name="Google Shape;227;p24"/>
           <p:cNvSpPr txBox="1"/>
           <p:nvPr>
             <p:ph type="title"/>
@@ -7682,7 +7703,7 @@
         </p:nvSpPr>
         <p:spPr>
           <a:xfrm>
-            <a:off x="311700" y="445025"/>
+            <a:off x="311700" y="316275"/>
             <a:ext cx="8520600" cy="572700"/>
           </a:xfrm>
           <a:prstGeom prst="rect">
@@ -7691,34 +7712,33 @@
         </p:spPr>
         <p:txBody>
           <a:bodyPr anchorCtr="0" anchor="t" bIns="91425" lIns="91425" spcFirstLastPara="1" rIns="91425" wrap="square" tIns="91425">
-            <a:normAutofit fontScale="90000"/>
+            <a:noAutofit/>
           </a:bodyPr>
           <a:lstStyle/>
           <a:p>
             <a:pPr indent="0" lvl="0" marL="0" rtl="0" algn="l">
-              <a:spcBef>
-                <a:spcPts val="0"/>
-              </a:spcBef>
-              <a:spcAft>
-                <a:spcPts val="0"/>
-              </a:spcAft>
-              <a:buNone/>
-            </a:pPr>
-            <a:r>
-              <a:rPr lang="en"/>
-              <a:t>Implementation</a:t>
-            </a:r>
-            <a:r>
-              <a:rPr lang="en"/>
-              <a:t> with QoDA	</a:t>
-            </a:r>
-            <a:endParaRPr/>
+              <a:lnSpc>
+                <a:spcPct val="115000"/>
+              </a:lnSpc>
+              <a:spcBef>
+                <a:spcPts val="0"/>
+              </a:spcBef>
+              <a:spcAft>
+                <a:spcPts val="1200"/>
+              </a:spcAft>
+              <a:buNone/>
+            </a:pPr>
+            <a:r>
+              <a:rPr lang="en" sz="2500"/>
+              <a:t>Decompositional QGNN: </a:t>
+            </a:r>
+            <a:endParaRPr sz="2500"/>
           </a:p>
         </p:txBody>
       </p:sp>
       <p:sp>
         <p:nvSpPr>
-          <p:cNvPr id="227" name="Google Shape;227;p25"/>
+          <p:cNvPr id="228" name="Google Shape;228;p24"/>
           <p:cNvSpPr txBox="1"/>
           <p:nvPr>
             <p:ph idx="1" type="body"/>
@@ -7726,8 +7746,8 @@
         </p:nvSpPr>
         <p:spPr>
           <a:xfrm>
-            <a:off x="311700" y="1152475"/>
-            <a:ext cx="8520600" cy="3416400"/>
+            <a:off x="311700" y="863550"/>
+            <a:ext cx="5253900" cy="3900900"/>
           </a:xfrm>
           <a:prstGeom prst="rect">
             <a:avLst/>
@@ -7735,164 +7755,110 @@
         </p:spPr>
         <p:txBody>
           <a:bodyPr anchorCtr="0" anchor="t" bIns="91425" lIns="91425" spcFirstLastPara="1" rIns="91425" wrap="square" tIns="91425">
-            <a:normAutofit/>
+            <a:normAutofit fontScale="92500" lnSpcReduction="10000"/>
           </a:bodyPr>
           <a:lstStyle/>
           <a:p>
-            <a:pPr indent="-342900" lvl="0" marL="457200" rtl="0" algn="l">
-              <a:spcBef>
-                <a:spcPts val="0"/>
-              </a:spcBef>
-              <a:spcAft>
-                <a:spcPts val="0"/>
-              </a:spcAft>
-              <a:buSzPts val="1800"/>
-              <a:buChar char="-"/>
-            </a:pPr>
-            <a:r>
-              <a:rPr lang="en"/>
-              <a:t>One of the ideas we had proposed was to use CAFQA[2] to accelerate our optimization procedure. </a:t>
-            </a:r>
-            <a:endParaRPr/>
-          </a:p>
-          <a:p>
-            <a:pPr indent="-342900" lvl="0" marL="457200" rtl="0" algn="l">
-              <a:spcBef>
-                <a:spcPts val="0"/>
-              </a:spcBef>
-              <a:spcAft>
-                <a:spcPts val="0"/>
-              </a:spcAft>
-              <a:buSzPts val="1800"/>
-              <a:buChar char="-"/>
-            </a:pPr>
-            <a:r>
-              <a:rPr lang="en"/>
-              <a:t>CAFQA substitutes the gates in an ansatz with clifford gates by changing the initialization parameters to 0, pi/2 etc.</a:t>
-            </a:r>
-            <a:endParaRPr/>
-          </a:p>
-          <a:p>
-            <a:pPr indent="-342900" lvl="0" marL="457200" rtl="0" algn="l">
-              <a:spcBef>
-                <a:spcPts val="0"/>
-              </a:spcBef>
-              <a:spcAft>
-                <a:spcPts val="0"/>
-              </a:spcAft>
-              <a:buSzPts val="1800"/>
-              <a:buChar char="-"/>
-            </a:pPr>
-            <a:r>
-              <a:rPr lang="en"/>
-              <a:t>To accelerate the classical simulation we proposed use of QoDA and GPU’s.</a:t>
-            </a:r>
-            <a:endParaRPr/>
-          </a:p>
-          <a:p>
-            <a:pPr indent="-342900" lvl="0" marL="457200" rtl="0" algn="l">
-              <a:spcBef>
-                <a:spcPts val="0"/>
-              </a:spcBef>
-              <a:spcAft>
-                <a:spcPts val="0"/>
-              </a:spcAft>
-              <a:buSzPts val="1800"/>
-              <a:buChar char="-"/>
-            </a:pPr>
-            <a:r>
-              <a:rPr lang="en"/>
-              <a:t>While we were not able to finish CAFQA procedure, as we couldn’t figure out how to calculate cost using QoDA we were able to write code in QoDA.</a:t>
-            </a:r>
-            <a:endParaRPr/>
-          </a:p>
-          <a:p>
-            <a:pPr indent="-342900" lvl="0" marL="457200" rtl="0" algn="l">
-              <a:spcBef>
-                <a:spcPts val="0"/>
-              </a:spcBef>
-              <a:spcAft>
-                <a:spcPts val="0"/>
-              </a:spcAft>
-              <a:buSzPts val="1800"/>
-              <a:buChar char="-"/>
-            </a:pPr>
-            <a:r>
-              <a:rPr lang="en"/>
-              <a:t>However we were not able to test it due to time constraints. However we find that QoDA is able to efficiently allocate qubit sizes beyond 29 whereas pennylane could not.</a:t>
-            </a:r>
-            <a:endParaRPr/>
-          </a:p>
-        </p:txBody>
-      </p:sp>
-    </p:spTree>
-  </p:cSld>
-  <p:clrMapOvr>
-    <a:masterClrMapping/>
-  </p:clrMapOvr>
-</p:sld>
-</file>
-
-<file path=ppt/slides/slide14.xml><?xml version="1.0" encoding="utf-8"?>
-<p:sld xmlns:a="http://schemas.openxmlformats.org/drawingml/2006/main" xmlns:r="http://schemas.openxmlformats.org/officeDocument/2006/relationships" xmlns:mc="http://schemas.openxmlformats.org/markup-compatibility/2006" xmlns:mv="urn:schemas-microsoft-com:mac:vml" xmlns:p="http://schemas.openxmlformats.org/presentationml/2006/main" xmlns:c="http://schemas.openxmlformats.org/drawingml/2006/chart" xmlns:dgm="http://schemas.openxmlformats.org/drawingml/2006/diagram" xmlns:o="urn:schemas-microsoft-com:office:office" xmlns:v="urn:schemas-microsoft-com:vml" xmlns:pvml="urn:schemas-microsoft-com:office:powerpoint" xmlns:com="http://schemas.openxmlformats.org/drawingml/2006/compatibility" xmlns:p14="http://schemas.microsoft.com/office/powerpoint/2010/main" xmlns:p15="http://schemas.microsoft.com/office/powerpoint/2012/main" xmlns:ahyp="http://schemas.microsoft.com/office/drawing/2018/hyperlinkcolor">
-  <p:cSld>
-    <p:spTree>
-      <p:nvGrpSpPr>
-        <p:cNvPr id="231" name="Shape 231"/>
-        <p:cNvGrpSpPr/>
-        <p:nvPr/>
-      </p:nvGrpSpPr>
-      <p:grpSpPr>
-        <a:xfrm>
-          <a:off x="0" y="0"/>
-          <a:ext cx="0" cy="0"/>
-          <a:chOff x="0" y="0"/>
-          <a:chExt cx="0" cy="0"/>
-        </a:xfrm>
-      </p:grpSpPr>
-      <p:sp>
-        <p:nvSpPr>
-          <p:cNvPr id="232" name="Google Shape;232;p26"/>
-          <p:cNvSpPr txBox="1"/>
-          <p:nvPr>
-            <p:ph type="title"/>
-          </p:nvPr>
-        </p:nvSpPr>
-        <p:spPr>
-          <a:xfrm>
-            <a:off x="311700" y="445025"/>
-            <a:ext cx="8520600" cy="572700"/>
-          </a:xfrm>
-          <a:prstGeom prst="rect">
-            <a:avLst/>
-          </a:prstGeom>
-        </p:spPr>
-        <p:txBody>
-          <a:bodyPr anchorCtr="0" anchor="t" bIns="91425" lIns="91425" spcFirstLastPara="1" rIns="91425" wrap="square" tIns="91425">
-            <a:normAutofit fontScale="90000"/>
-          </a:bodyPr>
-          <a:lstStyle/>
+            <a:pPr indent="0" lvl="0" marL="0" rtl="0" algn="just">
+              <a:spcBef>
+                <a:spcPts val="0"/>
+              </a:spcBef>
+              <a:spcAft>
+                <a:spcPts val="0"/>
+              </a:spcAft>
+              <a:buNone/>
+            </a:pPr>
+            <a:r>
+              <a:rPr lang="en" sz="1600"/>
+              <a:t>The idea behind this ansatze is to reduce the dimensionality of the Hilbert Space via decomposing the graphs in subgraphs, i.e. nearest neighbours graph for each node. Then we process the information by applying each subgraph representation as a subsequent layer to our circuit. </a:t>
+            </a:r>
+            <a:endParaRPr sz="1600"/>
+          </a:p>
+          <a:p>
+            <a:pPr indent="0" lvl="0" marL="0" rtl="0" algn="just">
+              <a:spcBef>
+                <a:spcPts val="1200"/>
+              </a:spcBef>
+              <a:spcAft>
+                <a:spcPts val="0"/>
+              </a:spcAft>
+              <a:buNone/>
+            </a:pPr>
+            <a:r>
+              <a:rPr lang="en" sz="1600"/>
+              <a:t>The structure of the algorithm can be seen on the right</a:t>
+            </a:r>
+            <a:endParaRPr sz="1600"/>
+          </a:p>
+          <a:p>
+            <a:pPr indent="0" lvl="0" marL="0" rtl="0" algn="just">
+              <a:spcBef>
+                <a:spcPts val="1200"/>
+              </a:spcBef>
+              <a:spcAft>
+                <a:spcPts val="0"/>
+              </a:spcAft>
+              <a:buNone/>
+            </a:pPr>
+            <a:r>
+              <a:rPr lang="en" sz="1600"/>
+              <a:t>The initialization is used to encode information about each node. Then there is a layer of rotations, followed by entanglement through CNOTS.</a:t>
+            </a:r>
+            <a:endParaRPr sz="1600"/>
+          </a:p>
+          <a:p>
+            <a:pPr indent="0" lvl="0" marL="0" rtl="0" algn="just">
+              <a:spcBef>
+                <a:spcPts val="1200"/>
+              </a:spcBef>
+              <a:spcAft>
+                <a:spcPts val="0"/>
+              </a:spcAft>
+              <a:buClr>
+                <a:schemeClr val="dk1"/>
+              </a:buClr>
+              <a:buSzPct val="68750"/>
+              <a:buFont typeface="Arial"/>
+              <a:buNone/>
+            </a:pPr>
+            <a:r>
+              <a:rPr lang="en" sz="1600"/>
+              <a:t>We modified the layer Ucov to account for entanglement following the adjacency matrix of the edges.</a:t>
+            </a:r>
+            <a:endParaRPr sz="1600"/>
+          </a:p>
           <a:p>
             <a:pPr indent="0" lvl="0" marL="0" rtl="0" algn="l">
-              <a:spcBef>
-                <a:spcPts val="0"/>
-              </a:spcBef>
-              <a:spcAft>
-                <a:spcPts val="0"/>
-              </a:spcAft>
-              <a:buNone/>
-            </a:pPr>
-            <a:r>
-              <a:rPr lang="en"/>
-              <a:t>Pennylane vs QoDA</a:t>
-            </a:r>
-            <a:endParaRPr/>
+              <a:lnSpc>
+                <a:spcPct val="100000"/>
+              </a:lnSpc>
+              <a:spcBef>
+                <a:spcPts val="1200"/>
+              </a:spcBef>
+              <a:spcAft>
+                <a:spcPts val="0"/>
+              </a:spcAft>
+              <a:buClr>
+                <a:schemeClr val="dk1"/>
+              </a:buClr>
+              <a:buSzPct val="39285"/>
+              <a:buFont typeface="Arial"/>
+              <a:buNone/>
+            </a:pPr>
+            <a:r>
+              <a:t/>
+            </a:r>
+            <a:endParaRPr sz="2800">
+              <a:solidFill>
+                <a:schemeClr val="dk1"/>
+              </a:solidFill>
+            </a:endParaRPr>
           </a:p>
         </p:txBody>
       </p:sp>
       <p:pic>
         <p:nvPicPr>
-          <p:cNvPr id="233" name="Google Shape;233;p26" title="Chart"/>
+          <p:cNvPr id="229" name="Google Shape;229;p24"/>
           <p:cNvPicPr preferRelativeResize="0"/>
           <p:nvPr/>
         </p:nvPicPr>
@@ -7906,8 +7872,8 @@
         </p:blipFill>
         <p:spPr>
           <a:xfrm>
-            <a:off x="1482263" y="1177375"/>
-            <a:ext cx="6179475" cy="3820975"/>
+            <a:off x="5603550" y="89925"/>
+            <a:ext cx="3273600" cy="2436343"/>
           </a:xfrm>
           <a:prstGeom prst="rect">
             <a:avLst/>
@@ -7918,6 +7884,143 @@
           </a:ln>
         </p:spPr>
       </p:pic>
+      <p:pic>
+        <p:nvPicPr>
+          <p:cNvPr id="230" name="Google Shape;230;p24"/>
+          <p:cNvPicPr preferRelativeResize="0"/>
+          <p:nvPr/>
+        </p:nvPicPr>
+        <p:blipFill rotWithShape="1">
+          <a:blip r:embed="rId4">
+            <a:alphaModFix/>
+          </a:blip>
+          <a:srcRect b="5249" l="2286" r="0" t="0"/>
+          <a:stretch/>
+        </p:blipFill>
+        <p:spPr>
+          <a:xfrm>
+            <a:off x="6280975" y="3916650"/>
+            <a:ext cx="2451425" cy="1034100"/>
+          </a:xfrm>
+          <a:prstGeom prst="rect">
+            <a:avLst/>
+          </a:prstGeom>
+          <a:noFill/>
+          <a:ln>
+            <a:noFill/>
+          </a:ln>
+        </p:spPr>
+      </p:pic>
+      <p:sp>
+        <p:nvSpPr>
+          <p:cNvPr id="231" name="Google Shape;231;p24"/>
+          <p:cNvSpPr txBox="1"/>
+          <p:nvPr/>
+        </p:nvSpPr>
+        <p:spPr>
+          <a:xfrm>
+            <a:off x="5880325" y="71525"/>
+            <a:ext cx="2403600" cy="400200"/>
+          </a:xfrm>
+          <a:prstGeom prst="rect">
+            <a:avLst/>
+          </a:prstGeom>
+          <a:noFill/>
+          <a:ln>
+            <a:noFill/>
+          </a:ln>
+        </p:spPr>
+        <p:txBody>
+          <a:bodyPr anchorCtr="0" anchor="t" bIns="91425" lIns="91425" spcFirstLastPara="1" rIns="91425" wrap="square" tIns="91425">
+            <a:spAutoFit/>
+          </a:bodyPr>
+          <a:lstStyle/>
+          <a:p>
+            <a:pPr indent="0" lvl="0" marL="0" rtl="0" algn="l">
+              <a:spcBef>
+                <a:spcPts val="0"/>
+              </a:spcBef>
+              <a:spcAft>
+                <a:spcPts val="0"/>
+              </a:spcAft>
+              <a:buNone/>
+            </a:pPr>
+            <a:r>
+              <a:rPr lang="en"/>
+              <a:t>Credits to [4]</a:t>
+            </a:r>
+            <a:endParaRPr/>
+          </a:p>
+        </p:txBody>
+      </p:sp>
+      <p:pic>
+        <p:nvPicPr>
+          <p:cNvPr id="232" name="Google Shape;232;p24"/>
+          <p:cNvPicPr preferRelativeResize="0"/>
+          <p:nvPr/>
+        </p:nvPicPr>
+        <p:blipFill>
+          <a:blip r:embed="rId5">
+            <a:alphaModFix/>
+          </a:blip>
+          <a:stretch>
+            <a:fillRect/>
+          </a:stretch>
+        </p:blipFill>
+        <p:spPr>
+          <a:xfrm>
+            <a:off x="6116697" y="2726572"/>
+            <a:ext cx="2451425" cy="1110475"/>
+          </a:xfrm>
+          <a:prstGeom prst="rect">
+            <a:avLst/>
+          </a:prstGeom>
+          <a:noFill/>
+          <a:ln>
+            <a:noFill/>
+          </a:ln>
+        </p:spPr>
+      </p:pic>
+      <p:sp>
+        <p:nvSpPr>
+          <p:cNvPr id="233" name="Google Shape;233;p24"/>
+          <p:cNvSpPr txBox="1"/>
+          <p:nvPr>
+            <p:ph idx="12" type="sldNum"/>
+          </p:nvPr>
+        </p:nvSpPr>
+        <p:spPr>
+          <a:xfrm>
+            <a:off x="8472458" y="4663217"/>
+            <a:ext cx="548700" cy="393600"/>
+          </a:xfrm>
+          <a:prstGeom prst="rect">
+            <a:avLst/>
+          </a:prstGeom>
+        </p:spPr>
+        <p:txBody>
+          <a:bodyPr anchorCtr="0" anchor="ctr" bIns="91425" lIns="91425" spcFirstLastPara="1" rIns="91425" wrap="square" tIns="91425">
+            <a:normAutofit/>
+          </a:bodyPr>
+          <a:lstStyle/>
+          <a:p>
+            <a:pPr indent="0" lvl="0" marL="0" rtl="0" algn="r">
+              <a:spcBef>
+                <a:spcPts val="0"/>
+              </a:spcBef>
+              <a:spcAft>
+                <a:spcPts val="0"/>
+              </a:spcAft>
+              <a:buNone/>
+            </a:pPr>
+            <a:fld id="{00000000-1234-1234-1234-123412341234}" type="slidenum">
+              <a:rPr lang="en"/>
+              <a:t>‹#›</a:t>
+            </a:fld>
+            <a:endParaRPr/>
+          </a:p>
+        </p:txBody>
+      </p:sp>
     </p:spTree>
   </p:cSld>
   <p:clrMapOvr>
@@ -7926,7 +8029,7 @@
 </p:sld>
 </file>
 
-<file path=ppt/slides/slide15.xml><?xml version="1.0" encoding="utf-8"?>
+<file path=ppt/slides/slide13.xml><?xml version="1.0" encoding="utf-8"?>
 <p:sld xmlns:a="http://schemas.openxmlformats.org/drawingml/2006/main" xmlns:r="http://schemas.openxmlformats.org/officeDocument/2006/relationships" xmlns:mc="http://schemas.openxmlformats.org/markup-compatibility/2006" xmlns:mv="urn:schemas-microsoft-com:mac:vml" xmlns:p="http://schemas.openxmlformats.org/presentationml/2006/main" xmlns:c="http://schemas.openxmlformats.org/drawingml/2006/chart" xmlns:dgm="http://schemas.openxmlformats.org/drawingml/2006/diagram" xmlns:o="urn:schemas-microsoft-com:office:office" xmlns:v="urn:schemas-microsoft-com:vml" xmlns:pvml="urn:schemas-microsoft-com:office:powerpoint" xmlns:com="http://schemas.openxmlformats.org/drawingml/2006/compatibility" xmlns:p14="http://schemas.microsoft.com/office/powerpoint/2010/main" xmlns:p15="http://schemas.microsoft.com/office/powerpoint/2012/main" xmlns:ahyp="http://schemas.microsoft.com/office/drawing/2018/hyperlinkcolor">
   <p:cSld>
     <p:spTree>
@@ -7945,7 +8048,263 @@
       </p:grpSpPr>
       <p:sp>
         <p:nvSpPr>
-          <p:cNvPr id="238" name="Google Shape;238;p27"/>
+          <p:cNvPr id="238" name="Google Shape;238;p25"/>
+          <p:cNvSpPr txBox="1"/>
+          <p:nvPr>
+            <p:ph type="title"/>
+          </p:nvPr>
+        </p:nvSpPr>
+        <p:spPr>
+          <a:xfrm>
+            <a:off x="311700" y="316275"/>
+            <a:ext cx="8520600" cy="572700"/>
+          </a:xfrm>
+          <a:prstGeom prst="rect">
+            <a:avLst/>
+          </a:prstGeom>
+        </p:spPr>
+        <p:txBody>
+          <a:bodyPr anchorCtr="0" anchor="t" bIns="91425" lIns="91425" spcFirstLastPara="1" rIns="91425" wrap="square" tIns="91425">
+            <a:noAutofit/>
+          </a:bodyPr>
+          <a:lstStyle/>
+          <a:p>
+            <a:pPr indent="0" lvl="0" marL="0" rtl="0" algn="l">
+              <a:lnSpc>
+                <a:spcPct val="115000"/>
+              </a:lnSpc>
+              <a:spcBef>
+                <a:spcPts val="0"/>
+              </a:spcBef>
+              <a:spcAft>
+                <a:spcPts val="1200"/>
+              </a:spcAft>
+              <a:buNone/>
+            </a:pPr>
+            <a:r>
+              <a:rPr lang="en" sz="2500"/>
+              <a:t>Results from DQGNN</a:t>
+            </a:r>
+            <a:endParaRPr sz="2500"/>
+          </a:p>
+        </p:txBody>
+      </p:sp>
+      <p:sp>
+        <p:nvSpPr>
+          <p:cNvPr id="239" name="Google Shape;239;p25"/>
+          <p:cNvSpPr txBox="1"/>
+          <p:nvPr>
+            <p:ph idx="1" type="body"/>
+          </p:nvPr>
+        </p:nvSpPr>
+        <p:spPr>
+          <a:xfrm>
+            <a:off x="311700" y="863550"/>
+            <a:ext cx="7164000" cy="3900900"/>
+          </a:xfrm>
+          <a:prstGeom prst="rect">
+            <a:avLst/>
+          </a:prstGeom>
+        </p:spPr>
+        <p:txBody>
+          <a:bodyPr anchorCtr="0" anchor="t" bIns="91425" lIns="91425" spcFirstLastPara="1" rIns="91425" wrap="square" tIns="91425">
+            <a:normAutofit fontScale="85000" lnSpcReduction="20000"/>
+          </a:bodyPr>
+          <a:lstStyle/>
+          <a:p>
+            <a:pPr indent="0" lvl="0" marL="0" rtl="0" algn="just">
+              <a:spcBef>
+                <a:spcPts val="0"/>
+              </a:spcBef>
+              <a:spcAft>
+                <a:spcPts val="0"/>
+              </a:spcAft>
+              <a:buNone/>
+            </a:pPr>
+            <a:r>
+              <a:rPr lang="en" sz="1600"/>
+              <a:t>Our </a:t>
+            </a:r>
+            <a:r>
+              <a:rPr lang="en" sz="1600"/>
+              <a:t>objective</a:t>
+            </a:r>
+            <a:r>
+              <a:rPr lang="en" sz="1600"/>
+              <a:t> was to confront QPU implementations on rydberg atoms, with the DQGNN strategy on simulators and real device.</a:t>
+            </a:r>
+            <a:endParaRPr sz="1600"/>
+          </a:p>
+          <a:p>
+            <a:pPr indent="0" lvl="0" marL="0" rtl="0" algn="just">
+              <a:spcBef>
+                <a:spcPts val="1200"/>
+              </a:spcBef>
+              <a:spcAft>
+                <a:spcPts val="0"/>
+              </a:spcAft>
+              <a:buNone/>
+            </a:pPr>
+            <a:r>
+              <a:rPr lang="en" sz="1600"/>
+              <a:t>Due to the complexity of the algorithm, and time constraints we did not manage to gather results on the classification capability, and expressivity of the network. </a:t>
+            </a:r>
+            <a:endParaRPr sz="1600"/>
+          </a:p>
+          <a:p>
+            <a:pPr indent="0" lvl="0" marL="0" rtl="0" algn="just">
+              <a:spcBef>
+                <a:spcPts val="1200"/>
+              </a:spcBef>
+              <a:spcAft>
+                <a:spcPts val="0"/>
+              </a:spcAft>
+              <a:buNone/>
+            </a:pPr>
+            <a:r>
+              <a:rPr lang="en" sz="1600"/>
+              <a:t>However it is believed that the notebook presents a clear core structure that allows for modifications, thus it can be use for </a:t>
+            </a:r>
+            <a:r>
+              <a:rPr lang="en" sz="1600"/>
+              <a:t>didactic</a:t>
+            </a:r>
+            <a:r>
+              <a:rPr lang="en" sz="1600"/>
+              <a:t> reasons and provide a clear way to work with graphs and decompose them and insert the results into a quantum circuit. </a:t>
+            </a:r>
+            <a:endParaRPr sz="1600"/>
+          </a:p>
+          <a:p>
+            <a:pPr indent="0" lvl="0" marL="0" rtl="0" algn="just">
+              <a:spcBef>
+                <a:spcPts val="1200"/>
+              </a:spcBef>
+              <a:spcAft>
+                <a:spcPts val="0"/>
+              </a:spcAft>
+              <a:buNone/>
+            </a:pPr>
+            <a:r>
+              <a:rPr lang="en" sz="1600"/>
+              <a:t>Despite the simulation not be completed and still the necessity to fine tune some parameters it is believed that the procedure as a whole may be of help for who wants to study large graphs through decomposition strategies.</a:t>
+            </a:r>
+            <a:br>
+              <a:rPr lang="en" sz="1600"/>
+            </a:br>
+            <a:r>
+              <a:rPr lang="en" sz="1600"/>
+              <a:t>Implementations are needed to deal with very large graphs due to the coherence time of devices bottleneck. Specifically it is needed to encode the information after  </a:t>
+            </a:r>
+            <a:endParaRPr sz="1600"/>
+          </a:p>
+          <a:p>
+            <a:pPr indent="0" lvl="0" marL="0" rtl="0" algn="just">
+              <a:spcBef>
+                <a:spcPts val="1200"/>
+              </a:spcBef>
+              <a:spcAft>
+                <a:spcPts val="0"/>
+              </a:spcAft>
+              <a:buNone/>
+            </a:pPr>
+            <a:r>
+              <a:t/>
+            </a:r>
+            <a:endParaRPr sz="1600"/>
+          </a:p>
+          <a:p>
+            <a:pPr indent="0" lvl="0" marL="0" rtl="0" algn="l">
+              <a:lnSpc>
+                <a:spcPct val="100000"/>
+              </a:lnSpc>
+              <a:spcBef>
+                <a:spcPts val="1200"/>
+              </a:spcBef>
+              <a:spcAft>
+                <a:spcPts val="0"/>
+              </a:spcAft>
+              <a:buNone/>
+            </a:pPr>
+            <a:r>
+              <a:t/>
+            </a:r>
+            <a:endParaRPr sz="2800">
+              <a:solidFill>
+                <a:schemeClr val="dk1"/>
+              </a:solidFill>
+            </a:endParaRPr>
+          </a:p>
+        </p:txBody>
+      </p:sp>
+      <p:sp>
+        <p:nvSpPr>
+          <p:cNvPr id="240" name="Google Shape;240;p25"/>
+          <p:cNvSpPr txBox="1"/>
+          <p:nvPr>
+            <p:ph idx="12" type="sldNum"/>
+          </p:nvPr>
+        </p:nvSpPr>
+        <p:spPr>
+          <a:xfrm>
+            <a:off x="8472458" y="4663217"/>
+            <a:ext cx="548700" cy="393600"/>
+          </a:xfrm>
+          <a:prstGeom prst="rect">
+            <a:avLst/>
+          </a:prstGeom>
+        </p:spPr>
+        <p:txBody>
+          <a:bodyPr anchorCtr="0" anchor="ctr" bIns="91425" lIns="91425" spcFirstLastPara="1" rIns="91425" wrap="square" tIns="91425">
+            <a:normAutofit/>
+          </a:bodyPr>
+          <a:lstStyle/>
+          <a:p>
+            <a:pPr indent="0" lvl="0" marL="0" rtl="0" algn="r">
+              <a:spcBef>
+                <a:spcPts val="0"/>
+              </a:spcBef>
+              <a:spcAft>
+                <a:spcPts val="0"/>
+              </a:spcAft>
+              <a:buNone/>
+            </a:pPr>
+            <a:fld id="{00000000-1234-1234-1234-123412341234}" type="slidenum">
+              <a:rPr lang="en"/>
+              <a:t>‹#›</a:t>
+            </a:fld>
+            <a:endParaRPr/>
+          </a:p>
+        </p:txBody>
+      </p:sp>
+    </p:spTree>
+  </p:cSld>
+  <p:clrMapOvr>
+    <a:masterClrMapping/>
+  </p:clrMapOvr>
+</p:sld>
+</file>
+
+<file path=ppt/slides/slide14.xml><?xml version="1.0" encoding="utf-8"?>
+<p:sld xmlns:a="http://schemas.openxmlformats.org/drawingml/2006/main" xmlns:r="http://schemas.openxmlformats.org/officeDocument/2006/relationships" xmlns:mc="http://schemas.openxmlformats.org/markup-compatibility/2006" xmlns:mv="urn:schemas-microsoft-com:mac:vml" xmlns:p="http://schemas.openxmlformats.org/presentationml/2006/main" xmlns:c="http://schemas.openxmlformats.org/drawingml/2006/chart" xmlns:dgm="http://schemas.openxmlformats.org/drawingml/2006/diagram" xmlns:o="urn:schemas-microsoft-com:office:office" xmlns:v="urn:schemas-microsoft-com:vml" xmlns:pvml="urn:schemas-microsoft-com:office:powerpoint" xmlns:com="http://schemas.openxmlformats.org/drawingml/2006/compatibility" xmlns:p14="http://schemas.microsoft.com/office/powerpoint/2010/main" xmlns:p15="http://schemas.microsoft.com/office/powerpoint/2012/main" xmlns:ahyp="http://schemas.microsoft.com/office/drawing/2018/hyperlinkcolor">
+  <p:cSld>
+    <p:spTree>
+      <p:nvGrpSpPr>
+        <p:cNvPr id="244" name="Shape 244"/>
+        <p:cNvGrpSpPr/>
+        <p:nvPr/>
+      </p:nvGrpSpPr>
+      <p:grpSpPr>
+        <a:xfrm>
+          <a:off x="0" y="0"/>
+          <a:ext cx="0" cy="0"/>
+          <a:chOff x="0" y="0"/>
+          <a:chExt cx="0" cy="0"/>
+        </a:xfrm>
+      </p:grpSpPr>
+      <p:sp>
+        <p:nvSpPr>
+          <p:cNvPr id="245" name="Google Shape;245;p26"/>
           <p:cNvSpPr txBox="1"/>
           <p:nvPr>
             <p:ph type="title"/>
@@ -7977,6 +8336,748 @@
             </a:pPr>
             <a:r>
               <a:rPr lang="en"/>
+              <a:t>Conclusion and future works	</a:t>
+            </a:r>
+            <a:endParaRPr/>
+          </a:p>
+        </p:txBody>
+      </p:sp>
+      <p:sp>
+        <p:nvSpPr>
+          <p:cNvPr id="246" name="Google Shape;246;p26"/>
+          <p:cNvSpPr txBox="1"/>
+          <p:nvPr>
+            <p:ph idx="1" type="body"/>
+          </p:nvPr>
+        </p:nvSpPr>
+        <p:spPr>
+          <a:xfrm>
+            <a:off x="311700" y="1152475"/>
+            <a:ext cx="8520600" cy="3416400"/>
+          </a:xfrm>
+          <a:prstGeom prst="rect">
+            <a:avLst/>
+          </a:prstGeom>
+        </p:spPr>
+        <p:txBody>
+          <a:bodyPr anchorCtr="0" anchor="t" bIns="91425" lIns="91425" spcFirstLastPara="1" rIns="91425" wrap="square" tIns="91425">
+            <a:normAutofit/>
+          </a:bodyPr>
+          <a:lstStyle/>
+          <a:p>
+            <a:pPr indent="-342900" lvl="0" marL="457200" rtl="0" algn="l">
+              <a:spcBef>
+                <a:spcPts val="0"/>
+              </a:spcBef>
+              <a:spcAft>
+                <a:spcPts val="0"/>
+              </a:spcAft>
+              <a:buSzPts val="1800"/>
+              <a:buChar char="●"/>
+            </a:pPr>
+            <a:r>
+              <a:rPr lang="en"/>
+              <a:t>Our goal is graph classifications (local geometries, global connectivity, etc.…), which is important in drug discoveries</a:t>
+            </a:r>
+            <a:endParaRPr/>
+          </a:p>
+          <a:p>
+            <a:pPr indent="-342900" lvl="0" marL="457200" rtl="0" algn="l">
+              <a:spcBef>
+                <a:spcPts val="0"/>
+              </a:spcBef>
+              <a:spcAft>
+                <a:spcPts val="0"/>
+              </a:spcAft>
+              <a:buSzPts val="1800"/>
+              <a:buChar char="●"/>
+            </a:pPr>
+            <a:r>
+              <a:rPr lang="en"/>
+              <a:t>We implemented QEK algorithm using </a:t>
+            </a:r>
+            <a:endParaRPr/>
+          </a:p>
+          <a:p>
+            <a:pPr indent="0" lvl="0" marL="457200" rtl="0" algn="l">
+              <a:spcBef>
+                <a:spcPts val="1200"/>
+              </a:spcBef>
+              <a:spcAft>
+                <a:spcPts val="0"/>
+              </a:spcAft>
+              <a:buNone/>
+            </a:pPr>
+            <a:r>
+              <a:rPr lang="en"/>
+              <a:t>1) Braket/Aquila and 2) </a:t>
+            </a:r>
+            <a:r>
+              <a:rPr lang="en"/>
+              <a:t>Bracket</a:t>
+            </a:r>
+            <a:r>
+              <a:rPr lang="en"/>
+              <a:t>-PennyLane </a:t>
+            </a:r>
+            <a:endParaRPr/>
+          </a:p>
+          <a:p>
+            <a:pPr indent="0" lvl="0" marL="0" rtl="0" algn="l">
+              <a:spcBef>
+                <a:spcPts val="1200"/>
+              </a:spcBef>
+              <a:spcAft>
+                <a:spcPts val="0"/>
+              </a:spcAft>
+              <a:buNone/>
+            </a:pPr>
+            <a:r>
+              <a:rPr lang="en"/>
+              <a:t>We find the </a:t>
+            </a:r>
+            <a:r>
+              <a:rPr lang="en"/>
+              <a:t>native</a:t>
+            </a:r>
+            <a:r>
+              <a:rPr lang="en"/>
+              <a:t> interactions in neural atom simulators are important in differentiating graphs that are geometrically different!</a:t>
+            </a:r>
+            <a:endParaRPr/>
+          </a:p>
+          <a:p>
+            <a:pPr indent="-342900" lvl="0" marL="457200" rtl="0" algn="l">
+              <a:spcBef>
+                <a:spcPts val="1200"/>
+              </a:spcBef>
+              <a:spcAft>
+                <a:spcPts val="0"/>
+              </a:spcAft>
+              <a:buSzPts val="1800"/>
+              <a:buChar char="●"/>
+            </a:pPr>
+            <a:r>
+              <a:rPr lang="en"/>
+              <a:t>We also implemented (D) QGNN architecture in Pennylane, as a fully personalizable algorithm. </a:t>
+            </a:r>
+            <a:endParaRPr/>
+          </a:p>
+        </p:txBody>
+      </p:sp>
+      <p:sp>
+        <p:nvSpPr>
+          <p:cNvPr id="247" name="Google Shape;247;p26"/>
+          <p:cNvSpPr txBox="1"/>
+          <p:nvPr>
+            <p:ph idx="12" type="sldNum"/>
+          </p:nvPr>
+        </p:nvSpPr>
+        <p:spPr>
+          <a:xfrm>
+            <a:off x="8472458" y="4663217"/>
+            <a:ext cx="548700" cy="393600"/>
+          </a:xfrm>
+          <a:prstGeom prst="rect">
+            <a:avLst/>
+          </a:prstGeom>
+        </p:spPr>
+        <p:txBody>
+          <a:bodyPr anchorCtr="0" anchor="ctr" bIns="91425" lIns="91425" spcFirstLastPara="1" rIns="91425" wrap="square" tIns="91425">
+            <a:normAutofit/>
+          </a:bodyPr>
+          <a:lstStyle/>
+          <a:p>
+            <a:pPr indent="0" lvl="0" marL="0" rtl="0" algn="r">
+              <a:spcBef>
+                <a:spcPts val="0"/>
+              </a:spcBef>
+              <a:spcAft>
+                <a:spcPts val="0"/>
+              </a:spcAft>
+              <a:buNone/>
+            </a:pPr>
+            <a:fld id="{00000000-1234-1234-1234-123412341234}" type="slidenum">
+              <a:rPr lang="en"/>
+              <a:t>‹#›</a:t>
+            </a:fld>
+            <a:endParaRPr/>
+          </a:p>
+        </p:txBody>
+      </p:sp>
+    </p:spTree>
+  </p:cSld>
+  <p:clrMapOvr>
+    <a:masterClrMapping/>
+  </p:clrMapOvr>
+</p:sld>
+</file>
+
+<file path=ppt/slides/slide15.xml><?xml version="1.0" encoding="utf-8"?>
+<p:sld xmlns:a="http://schemas.openxmlformats.org/drawingml/2006/main" xmlns:r="http://schemas.openxmlformats.org/officeDocument/2006/relationships" xmlns:mc="http://schemas.openxmlformats.org/markup-compatibility/2006" xmlns:mv="urn:schemas-microsoft-com:mac:vml" xmlns:p="http://schemas.openxmlformats.org/presentationml/2006/main" xmlns:c="http://schemas.openxmlformats.org/drawingml/2006/chart" xmlns:dgm="http://schemas.openxmlformats.org/drawingml/2006/diagram" xmlns:o="urn:schemas-microsoft-com:office:office" xmlns:v="urn:schemas-microsoft-com:vml" xmlns:pvml="urn:schemas-microsoft-com:office:powerpoint" xmlns:com="http://schemas.openxmlformats.org/drawingml/2006/compatibility" xmlns:p14="http://schemas.microsoft.com/office/powerpoint/2010/main" xmlns:p15="http://schemas.microsoft.com/office/powerpoint/2012/main" xmlns:ahyp="http://schemas.microsoft.com/office/drawing/2018/hyperlinkcolor">
+  <p:cSld>
+    <p:spTree>
+      <p:nvGrpSpPr>
+        <p:cNvPr id="251" name="Shape 251"/>
+        <p:cNvGrpSpPr/>
+        <p:nvPr/>
+      </p:nvGrpSpPr>
+      <p:grpSpPr>
+        <a:xfrm>
+          <a:off x="0" y="0"/>
+          <a:ext cx="0" cy="0"/>
+          <a:chOff x="0" y="0"/>
+          <a:chExt cx="0" cy="0"/>
+        </a:xfrm>
+      </p:grpSpPr>
+      <p:sp>
+        <p:nvSpPr>
+          <p:cNvPr id="252" name="Google Shape;252;p27"/>
+          <p:cNvSpPr txBox="1"/>
+          <p:nvPr>
+            <p:ph type="title"/>
+          </p:nvPr>
+        </p:nvSpPr>
+        <p:spPr>
+          <a:xfrm>
+            <a:off x="311700" y="445025"/>
+            <a:ext cx="8520600" cy="572700"/>
+          </a:xfrm>
+          <a:prstGeom prst="rect">
+            <a:avLst/>
+          </a:prstGeom>
+        </p:spPr>
+        <p:txBody>
+          <a:bodyPr anchorCtr="0" anchor="t" bIns="91425" lIns="91425" spcFirstLastPara="1" rIns="91425" wrap="square" tIns="91425">
+            <a:normAutofit fontScale="90000"/>
+          </a:bodyPr>
+          <a:lstStyle/>
+          <a:p>
+            <a:pPr indent="0" lvl="0" marL="0" rtl="0" algn="l">
+              <a:spcBef>
+                <a:spcPts val="0"/>
+              </a:spcBef>
+              <a:spcAft>
+                <a:spcPts val="0"/>
+              </a:spcAft>
+              <a:buNone/>
+            </a:pPr>
+            <a:r>
+              <a:rPr lang="en"/>
+              <a:t>Work in progress</a:t>
+            </a:r>
+            <a:endParaRPr/>
+          </a:p>
+        </p:txBody>
+      </p:sp>
+      <p:sp>
+        <p:nvSpPr>
+          <p:cNvPr id="253" name="Google Shape;253;p27"/>
+          <p:cNvSpPr txBox="1"/>
+          <p:nvPr>
+            <p:ph idx="1" type="body"/>
+          </p:nvPr>
+        </p:nvSpPr>
+        <p:spPr>
+          <a:xfrm>
+            <a:off x="311700" y="1152475"/>
+            <a:ext cx="8520600" cy="3416400"/>
+          </a:xfrm>
+          <a:prstGeom prst="rect">
+            <a:avLst/>
+          </a:prstGeom>
+        </p:spPr>
+        <p:txBody>
+          <a:bodyPr anchorCtr="0" anchor="t" bIns="91425" lIns="91425" spcFirstLastPara="1" rIns="91425" wrap="square" tIns="91425">
+            <a:normAutofit/>
+          </a:bodyPr>
+          <a:lstStyle/>
+          <a:p>
+            <a:pPr indent="-342900" lvl="0" marL="457200" rtl="0" algn="l">
+              <a:spcBef>
+                <a:spcPts val="0"/>
+              </a:spcBef>
+              <a:spcAft>
+                <a:spcPts val="0"/>
+              </a:spcAft>
+              <a:buSzPts val="1800"/>
+              <a:buChar char="●"/>
+            </a:pPr>
+            <a:r>
+              <a:rPr lang="en"/>
+              <a:t>We are currently training and analyzing the full PTC-FM dataset. We plan to update the results soon. </a:t>
+            </a:r>
+            <a:endParaRPr/>
+          </a:p>
+          <a:p>
+            <a:pPr indent="-342900" lvl="0" marL="457200" rtl="0" algn="l">
+              <a:spcBef>
+                <a:spcPts val="0"/>
+              </a:spcBef>
+              <a:spcAft>
+                <a:spcPts val="0"/>
+              </a:spcAft>
+              <a:buSzPts val="1800"/>
+              <a:buChar char="●"/>
+            </a:pPr>
+            <a:r>
+              <a:rPr lang="en"/>
+              <a:t>We are also working on D-QGNN, and we plan to compare this decomposed quantum circuit with that of the trotterized QEK. </a:t>
+            </a:r>
+            <a:endParaRPr/>
+          </a:p>
+        </p:txBody>
+      </p:sp>
+      <p:sp>
+        <p:nvSpPr>
+          <p:cNvPr id="254" name="Google Shape;254;p27"/>
+          <p:cNvSpPr txBox="1"/>
+          <p:nvPr>
+            <p:ph idx="12" type="sldNum"/>
+          </p:nvPr>
+        </p:nvSpPr>
+        <p:spPr>
+          <a:xfrm>
+            <a:off x="8472458" y="4663217"/>
+            <a:ext cx="548700" cy="393600"/>
+          </a:xfrm>
+          <a:prstGeom prst="rect">
+            <a:avLst/>
+          </a:prstGeom>
+        </p:spPr>
+        <p:txBody>
+          <a:bodyPr anchorCtr="0" anchor="ctr" bIns="91425" lIns="91425" spcFirstLastPara="1" rIns="91425" wrap="square" tIns="91425">
+            <a:normAutofit/>
+          </a:bodyPr>
+          <a:lstStyle/>
+          <a:p>
+            <a:pPr indent="0" lvl="0" marL="0" rtl="0" algn="r">
+              <a:spcBef>
+                <a:spcPts val="0"/>
+              </a:spcBef>
+              <a:spcAft>
+                <a:spcPts val="0"/>
+              </a:spcAft>
+              <a:buNone/>
+            </a:pPr>
+            <a:fld id="{00000000-1234-1234-1234-123412341234}" type="slidenum">
+              <a:rPr lang="en"/>
+              <a:t>‹#›</a:t>
+            </a:fld>
+            <a:endParaRPr/>
+          </a:p>
+        </p:txBody>
+      </p:sp>
+    </p:spTree>
+  </p:cSld>
+  <p:clrMapOvr>
+    <a:masterClrMapping/>
+  </p:clrMapOvr>
+</p:sld>
+</file>
+
+<file path=ppt/slides/slide16.xml><?xml version="1.0" encoding="utf-8"?>
+<p:sld xmlns:a="http://schemas.openxmlformats.org/drawingml/2006/main" xmlns:r="http://schemas.openxmlformats.org/officeDocument/2006/relationships" xmlns:mc="http://schemas.openxmlformats.org/markup-compatibility/2006" xmlns:mv="urn:schemas-microsoft-com:mac:vml" xmlns:p="http://schemas.openxmlformats.org/presentationml/2006/main" xmlns:c="http://schemas.openxmlformats.org/drawingml/2006/chart" xmlns:dgm="http://schemas.openxmlformats.org/drawingml/2006/diagram" xmlns:o="urn:schemas-microsoft-com:office:office" xmlns:v="urn:schemas-microsoft-com:vml" xmlns:pvml="urn:schemas-microsoft-com:office:powerpoint" xmlns:com="http://schemas.openxmlformats.org/drawingml/2006/compatibility" xmlns:p14="http://schemas.microsoft.com/office/powerpoint/2010/main" xmlns:p15="http://schemas.microsoft.com/office/powerpoint/2012/main" xmlns:ahyp="http://schemas.microsoft.com/office/drawing/2018/hyperlinkcolor">
+  <p:cSld>
+    <p:spTree>
+      <p:nvGrpSpPr>
+        <p:cNvPr id="258" name="Shape 258"/>
+        <p:cNvGrpSpPr/>
+        <p:nvPr/>
+      </p:nvGrpSpPr>
+      <p:grpSpPr>
+        <a:xfrm>
+          <a:off x="0" y="0"/>
+          <a:ext cx="0" cy="0"/>
+          <a:chOff x="0" y="0"/>
+          <a:chExt cx="0" cy="0"/>
+        </a:xfrm>
+      </p:grpSpPr>
+      <p:sp>
+        <p:nvSpPr>
+          <p:cNvPr id="259" name="Google Shape;259;p28"/>
+          <p:cNvSpPr txBox="1"/>
+          <p:nvPr>
+            <p:ph type="title"/>
+          </p:nvPr>
+        </p:nvSpPr>
+        <p:spPr>
+          <a:xfrm>
+            <a:off x="311700" y="445025"/>
+            <a:ext cx="8520600" cy="572700"/>
+          </a:xfrm>
+          <a:prstGeom prst="rect">
+            <a:avLst/>
+          </a:prstGeom>
+        </p:spPr>
+        <p:txBody>
+          <a:bodyPr anchorCtr="0" anchor="t" bIns="91425" lIns="91425" spcFirstLastPara="1" rIns="91425" wrap="square" tIns="91425">
+            <a:normAutofit fontScale="90000"/>
+          </a:bodyPr>
+          <a:lstStyle/>
+          <a:p>
+            <a:pPr indent="0" lvl="0" marL="0" rtl="0" algn="l">
+              <a:spcBef>
+                <a:spcPts val="0"/>
+              </a:spcBef>
+              <a:spcAft>
+                <a:spcPts val="0"/>
+              </a:spcAft>
+              <a:buNone/>
+            </a:pPr>
+            <a:r>
+              <a:rPr lang="en"/>
+              <a:t>Implementation</a:t>
+            </a:r>
+            <a:r>
+              <a:rPr lang="en"/>
+              <a:t> with QoDA	</a:t>
+            </a:r>
+            <a:endParaRPr/>
+          </a:p>
+        </p:txBody>
+      </p:sp>
+      <p:sp>
+        <p:nvSpPr>
+          <p:cNvPr id="260" name="Google Shape;260;p28"/>
+          <p:cNvSpPr txBox="1"/>
+          <p:nvPr>
+            <p:ph idx="1" type="body"/>
+          </p:nvPr>
+        </p:nvSpPr>
+        <p:spPr>
+          <a:xfrm>
+            <a:off x="311700" y="1152475"/>
+            <a:ext cx="8520600" cy="3416400"/>
+          </a:xfrm>
+          <a:prstGeom prst="rect">
+            <a:avLst/>
+          </a:prstGeom>
+        </p:spPr>
+        <p:txBody>
+          <a:bodyPr anchorCtr="0" anchor="t" bIns="91425" lIns="91425" spcFirstLastPara="1" rIns="91425" wrap="square" tIns="91425">
+            <a:normAutofit/>
+          </a:bodyPr>
+          <a:lstStyle/>
+          <a:p>
+            <a:pPr indent="-342900" lvl="0" marL="457200" rtl="0" algn="l">
+              <a:spcBef>
+                <a:spcPts val="0"/>
+              </a:spcBef>
+              <a:spcAft>
+                <a:spcPts val="0"/>
+              </a:spcAft>
+              <a:buSzPts val="1800"/>
+              <a:buChar char="-"/>
+            </a:pPr>
+            <a:r>
+              <a:rPr lang="en"/>
+              <a:t>One of the ideas we had proposed was to use CAFQA[2] to accelerate our optimization procedure. </a:t>
+            </a:r>
+            <a:endParaRPr/>
+          </a:p>
+          <a:p>
+            <a:pPr indent="-342900" lvl="0" marL="457200" rtl="0" algn="l">
+              <a:spcBef>
+                <a:spcPts val="0"/>
+              </a:spcBef>
+              <a:spcAft>
+                <a:spcPts val="0"/>
+              </a:spcAft>
+              <a:buSzPts val="1800"/>
+              <a:buChar char="-"/>
+            </a:pPr>
+            <a:r>
+              <a:rPr lang="en"/>
+              <a:t>CAFQA substitutes the gates in an ansatz with clifford gates by changing the initialization parameters to 0, pi/2 etc.</a:t>
+            </a:r>
+            <a:endParaRPr/>
+          </a:p>
+          <a:p>
+            <a:pPr indent="-342900" lvl="0" marL="457200" rtl="0" algn="l">
+              <a:spcBef>
+                <a:spcPts val="0"/>
+              </a:spcBef>
+              <a:spcAft>
+                <a:spcPts val="0"/>
+              </a:spcAft>
+              <a:buSzPts val="1800"/>
+              <a:buChar char="-"/>
+            </a:pPr>
+            <a:r>
+              <a:rPr lang="en"/>
+              <a:t>To accelerate the classical simulation we proposed use of QoDA and GPU’s.</a:t>
+            </a:r>
+            <a:endParaRPr/>
+          </a:p>
+          <a:p>
+            <a:pPr indent="-342900" lvl="0" marL="457200" rtl="0" algn="l">
+              <a:spcBef>
+                <a:spcPts val="0"/>
+              </a:spcBef>
+              <a:spcAft>
+                <a:spcPts val="0"/>
+              </a:spcAft>
+              <a:buSzPts val="1800"/>
+              <a:buChar char="-"/>
+            </a:pPr>
+            <a:r>
+              <a:rPr lang="en"/>
+              <a:t>While we were not able to finish CAFQA procedure, as we couldn’t figure out how to calculate cost using QoDA we were able to write code in QoDA.</a:t>
+            </a:r>
+            <a:endParaRPr/>
+          </a:p>
+          <a:p>
+            <a:pPr indent="-342900" lvl="0" marL="457200" rtl="0" algn="l">
+              <a:spcBef>
+                <a:spcPts val="0"/>
+              </a:spcBef>
+              <a:spcAft>
+                <a:spcPts val="0"/>
+              </a:spcAft>
+              <a:buSzPts val="1800"/>
+              <a:buChar char="-"/>
+            </a:pPr>
+            <a:r>
+              <a:rPr lang="en"/>
+              <a:t>However we were not able to test it due to time constraints. However we find that QoDA is able to efficiently allocate qubit sizes beyond 29 whereas pennylane could not.</a:t>
+            </a:r>
+            <a:endParaRPr/>
+          </a:p>
+        </p:txBody>
+      </p:sp>
+      <p:sp>
+        <p:nvSpPr>
+          <p:cNvPr id="261" name="Google Shape;261;p28"/>
+          <p:cNvSpPr txBox="1"/>
+          <p:nvPr>
+            <p:ph idx="12" type="sldNum"/>
+          </p:nvPr>
+        </p:nvSpPr>
+        <p:spPr>
+          <a:xfrm>
+            <a:off x="8472458" y="4663217"/>
+            <a:ext cx="548700" cy="393600"/>
+          </a:xfrm>
+          <a:prstGeom prst="rect">
+            <a:avLst/>
+          </a:prstGeom>
+        </p:spPr>
+        <p:txBody>
+          <a:bodyPr anchorCtr="0" anchor="ctr" bIns="91425" lIns="91425" spcFirstLastPara="1" rIns="91425" wrap="square" tIns="91425">
+            <a:normAutofit/>
+          </a:bodyPr>
+          <a:lstStyle/>
+          <a:p>
+            <a:pPr indent="0" lvl="0" marL="0" rtl="0" algn="r">
+              <a:spcBef>
+                <a:spcPts val="0"/>
+              </a:spcBef>
+              <a:spcAft>
+                <a:spcPts val="0"/>
+              </a:spcAft>
+              <a:buNone/>
+            </a:pPr>
+            <a:fld id="{00000000-1234-1234-1234-123412341234}" type="slidenum">
+              <a:rPr lang="en"/>
+              <a:t>‹#›</a:t>
+            </a:fld>
+            <a:endParaRPr/>
+          </a:p>
+        </p:txBody>
+      </p:sp>
+    </p:spTree>
+  </p:cSld>
+  <p:clrMapOvr>
+    <a:masterClrMapping/>
+  </p:clrMapOvr>
+</p:sld>
+</file>
+
+<file path=ppt/slides/slide17.xml><?xml version="1.0" encoding="utf-8"?>
+<p:sld xmlns:a="http://schemas.openxmlformats.org/drawingml/2006/main" xmlns:r="http://schemas.openxmlformats.org/officeDocument/2006/relationships" xmlns:mc="http://schemas.openxmlformats.org/markup-compatibility/2006" xmlns:mv="urn:schemas-microsoft-com:mac:vml" xmlns:p="http://schemas.openxmlformats.org/presentationml/2006/main" xmlns:c="http://schemas.openxmlformats.org/drawingml/2006/chart" xmlns:dgm="http://schemas.openxmlformats.org/drawingml/2006/diagram" xmlns:o="urn:schemas-microsoft-com:office:office" xmlns:v="urn:schemas-microsoft-com:vml" xmlns:pvml="urn:schemas-microsoft-com:office:powerpoint" xmlns:com="http://schemas.openxmlformats.org/drawingml/2006/compatibility" xmlns:p14="http://schemas.microsoft.com/office/powerpoint/2010/main" xmlns:p15="http://schemas.microsoft.com/office/powerpoint/2012/main" xmlns:ahyp="http://schemas.microsoft.com/office/drawing/2018/hyperlinkcolor">
+  <p:cSld>
+    <p:spTree>
+      <p:nvGrpSpPr>
+        <p:cNvPr id="265" name="Shape 265"/>
+        <p:cNvGrpSpPr/>
+        <p:nvPr/>
+      </p:nvGrpSpPr>
+      <p:grpSpPr>
+        <a:xfrm>
+          <a:off x="0" y="0"/>
+          <a:ext cx="0" cy="0"/>
+          <a:chOff x="0" y="0"/>
+          <a:chExt cx="0" cy="0"/>
+        </a:xfrm>
+      </p:grpSpPr>
+      <p:sp>
+        <p:nvSpPr>
+          <p:cNvPr id="266" name="Google Shape;266;p29"/>
+          <p:cNvSpPr txBox="1"/>
+          <p:nvPr>
+            <p:ph type="title"/>
+          </p:nvPr>
+        </p:nvSpPr>
+        <p:spPr>
+          <a:xfrm>
+            <a:off x="311700" y="445025"/>
+            <a:ext cx="8520600" cy="572700"/>
+          </a:xfrm>
+          <a:prstGeom prst="rect">
+            <a:avLst/>
+          </a:prstGeom>
+        </p:spPr>
+        <p:txBody>
+          <a:bodyPr anchorCtr="0" anchor="t" bIns="91425" lIns="91425" spcFirstLastPara="1" rIns="91425" wrap="square" tIns="91425">
+            <a:normAutofit fontScale="90000"/>
+          </a:bodyPr>
+          <a:lstStyle/>
+          <a:p>
+            <a:pPr indent="0" lvl="0" marL="0" rtl="0" algn="l">
+              <a:spcBef>
+                <a:spcPts val="0"/>
+              </a:spcBef>
+              <a:spcAft>
+                <a:spcPts val="0"/>
+              </a:spcAft>
+              <a:buNone/>
+            </a:pPr>
+            <a:r>
+              <a:rPr lang="en"/>
+              <a:t>Pennylane vs QoDA</a:t>
+            </a:r>
+            <a:endParaRPr/>
+          </a:p>
+        </p:txBody>
+      </p:sp>
+      <p:pic>
+        <p:nvPicPr>
+          <p:cNvPr id="267" name="Google Shape;267;p29" title="Chart"/>
+          <p:cNvPicPr preferRelativeResize="0"/>
+          <p:nvPr/>
+        </p:nvPicPr>
+        <p:blipFill>
+          <a:blip r:embed="rId3">
+            <a:alphaModFix/>
+          </a:blip>
+          <a:stretch>
+            <a:fillRect/>
+          </a:stretch>
+        </p:blipFill>
+        <p:spPr>
+          <a:xfrm>
+            <a:off x="1482263" y="1177375"/>
+            <a:ext cx="6179475" cy="3820975"/>
+          </a:xfrm>
+          <a:prstGeom prst="rect">
+            <a:avLst/>
+          </a:prstGeom>
+          <a:noFill/>
+          <a:ln>
+            <a:noFill/>
+          </a:ln>
+        </p:spPr>
+      </p:pic>
+      <p:sp>
+        <p:nvSpPr>
+          <p:cNvPr id="268" name="Google Shape;268;p29"/>
+          <p:cNvSpPr txBox="1"/>
+          <p:nvPr>
+            <p:ph idx="12" type="sldNum"/>
+          </p:nvPr>
+        </p:nvSpPr>
+        <p:spPr>
+          <a:xfrm>
+            <a:off x="8472458" y="4663217"/>
+            <a:ext cx="548700" cy="393600"/>
+          </a:xfrm>
+          <a:prstGeom prst="rect">
+            <a:avLst/>
+          </a:prstGeom>
+        </p:spPr>
+        <p:txBody>
+          <a:bodyPr anchorCtr="0" anchor="ctr" bIns="91425" lIns="91425" spcFirstLastPara="1" rIns="91425" wrap="square" tIns="91425">
+            <a:normAutofit/>
+          </a:bodyPr>
+          <a:lstStyle/>
+          <a:p>
+            <a:pPr indent="0" lvl="0" marL="0" rtl="0" algn="r">
+              <a:spcBef>
+                <a:spcPts val="0"/>
+              </a:spcBef>
+              <a:spcAft>
+                <a:spcPts val="0"/>
+              </a:spcAft>
+              <a:buNone/>
+            </a:pPr>
+            <a:fld id="{00000000-1234-1234-1234-123412341234}" type="slidenum">
+              <a:rPr lang="en"/>
+              <a:t>‹#›</a:t>
+            </a:fld>
+            <a:endParaRPr/>
+          </a:p>
+        </p:txBody>
+      </p:sp>
+    </p:spTree>
+  </p:cSld>
+  <p:clrMapOvr>
+    <a:masterClrMapping/>
+  </p:clrMapOvr>
+</p:sld>
+</file>
+
+<file path=ppt/slides/slide18.xml><?xml version="1.0" encoding="utf-8"?>
+<p:sld xmlns:a="http://schemas.openxmlformats.org/drawingml/2006/main" xmlns:r="http://schemas.openxmlformats.org/officeDocument/2006/relationships" xmlns:mc="http://schemas.openxmlformats.org/markup-compatibility/2006" xmlns:mv="urn:schemas-microsoft-com:mac:vml" xmlns:p="http://schemas.openxmlformats.org/presentationml/2006/main" xmlns:c="http://schemas.openxmlformats.org/drawingml/2006/chart" xmlns:dgm="http://schemas.openxmlformats.org/drawingml/2006/diagram" xmlns:o="urn:schemas-microsoft-com:office:office" xmlns:v="urn:schemas-microsoft-com:vml" xmlns:pvml="urn:schemas-microsoft-com:office:powerpoint" xmlns:com="http://schemas.openxmlformats.org/drawingml/2006/compatibility" xmlns:p14="http://schemas.microsoft.com/office/powerpoint/2010/main" xmlns:p15="http://schemas.microsoft.com/office/powerpoint/2012/main" xmlns:ahyp="http://schemas.microsoft.com/office/drawing/2018/hyperlinkcolor">
+  <p:cSld>
+    <p:spTree>
+      <p:nvGrpSpPr>
+        <p:cNvPr id="272" name="Shape 272"/>
+        <p:cNvGrpSpPr/>
+        <p:nvPr/>
+      </p:nvGrpSpPr>
+      <p:grpSpPr>
+        <a:xfrm>
+          <a:off x="0" y="0"/>
+          <a:ext cx="0" cy="0"/>
+          <a:chOff x="0" y="0"/>
+          <a:chExt cx="0" cy="0"/>
+        </a:xfrm>
+      </p:grpSpPr>
+      <p:sp>
+        <p:nvSpPr>
+          <p:cNvPr id="273" name="Google Shape;273;p30"/>
+          <p:cNvSpPr txBox="1"/>
+          <p:nvPr>
+            <p:ph type="title"/>
+          </p:nvPr>
+        </p:nvSpPr>
+        <p:spPr>
+          <a:xfrm>
+            <a:off x="311700" y="445025"/>
+            <a:ext cx="8520600" cy="572700"/>
+          </a:xfrm>
+          <a:prstGeom prst="rect">
+            <a:avLst/>
+          </a:prstGeom>
+        </p:spPr>
+        <p:txBody>
+          <a:bodyPr anchorCtr="0" anchor="t" bIns="91425" lIns="91425" spcFirstLastPara="1" rIns="91425" wrap="square" tIns="91425">
+            <a:normAutofit fontScale="90000"/>
+          </a:bodyPr>
+          <a:lstStyle/>
+          <a:p>
+            <a:pPr indent="0" lvl="0" marL="0" rtl="0" algn="l">
+              <a:spcBef>
+                <a:spcPts val="0"/>
+              </a:spcBef>
+              <a:spcAft>
+                <a:spcPts val="0"/>
+              </a:spcAft>
+              <a:buNone/>
+            </a:pPr>
+            <a:r>
+              <a:rPr lang="en"/>
               <a:t>References</a:t>
             </a:r>
             <a:endParaRPr/>
@@ -7985,7 +9086,7 @@
       </p:sp>
       <p:sp>
         <p:nvSpPr>
-          <p:cNvPr id="239" name="Google Shape;239;p27"/>
+          <p:cNvPr id="274" name="Google Shape;274;p30"/>
           <p:cNvSpPr txBox="1"/>
           <p:nvPr>
             <p:ph idx="1" type="body"/>
@@ -8135,6 +9236,46 @@
           </a:p>
         </p:txBody>
       </p:sp>
+      <p:sp>
+        <p:nvSpPr>
+          <p:cNvPr id="275" name="Google Shape;275;p30"/>
+          <p:cNvSpPr txBox="1"/>
+          <p:nvPr>
+            <p:ph idx="12" type="sldNum"/>
+          </p:nvPr>
+        </p:nvSpPr>
+        <p:spPr>
+          <a:xfrm>
+            <a:off x="8472458" y="4663217"/>
+            <a:ext cx="548700" cy="393600"/>
+          </a:xfrm>
+          <a:prstGeom prst="rect">
+            <a:avLst/>
+          </a:prstGeom>
+        </p:spPr>
+        <p:txBody>
+          <a:bodyPr anchorCtr="0" anchor="ctr" bIns="91425" lIns="91425" spcFirstLastPara="1" rIns="91425" wrap="square" tIns="91425">
+            <a:normAutofit/>
+          </a:bodyPr>
+          <a:lstStyle/>
+          <a:p>
+            <a:pPr indent="0" lvl="0" marL="0" rtl="0" algn="r">
+              <a:spcBef>
+                <a:spcPts val="0"/>
+              </a:spcBef>
+              <a:spcAft>
+                <a:spcPts val="0"/>
+              </a:spcAft>
+              <a:buNone/>
+            </a:pPr>
+            <a:fld id="{00000000-1234-1234-1234-123412341234}" type="slidenum">
+              <a:rPr lang="en"/>
+              <a:t>‹#›</a:t>
+            </a:fld>
+            <a:endParaRPr/>
+          </a:p>
+        </p:txBody>
+      </p:sp>
     </p:spTree>
   </p:cSld>
   <p:clrMapOvr>
@@ -8148,7 +9289,7 @@
   <p:cSld>
     <p:spTree>
       <p:nvGrpSpPr>
-        <p:cNvPr id="59" name="Shape 59"/>
+        <p:cNvPr id="61" name="Shape 61"/>
         <p:cNvGrpSpPr/>
         <p:nvPr/>
       </p:nvGrpSpPr>
@@ -8162,7 +9303,7 @@
       </p:grpSpPr>
       <p:sp>
         <p:nvSpPr>
-          <p:cNvPr id="60" name="Google Shape;60;p14"/>
+          <p:cNvPr id="62" name="Google Shape;62;p14"/>
           <p:cNvSpPr txBox="1"/>
           <p:nvPr>
             <p:ph type="title"/>
@@ -8202,7 +9343,7 @@
       </p:sp>
       <p:sp>
         <p:nvSpPr>
-          <p:cNvPr id="61" name="Google Shape;61;p14"/>
+          <p:cNvPr id="63" name="Google Shape;63;p14"/>
           <p:cNvSpPr txBox="1"/>
           <p:nvPr>
             <p:ph idx="1" type="body"/>
@@ -8289,7 +9430,7 @@
       </p:sp>
       <p:pic>
         <p:nvPicPr>
-          <p:cNvPr id="62" name="Google Shape;62;p14"/>
+          <p:cNvPr id="64" name="Google Shape;64;p14"/>
           <p:cNvPicPr preferRelativeResize="0"/>
           <p:nvPr/>
         </p:nvPicPr>
@@ -8317,7 +9458,7 @@
       </p:pic>
       <p:sp>
         <p:nvSpPr>
-          <p:cNvPr id="63" name="Google Shape;63;p14"/>
+          <p:cNvPr id="65" name="Google Shape;65;p14"/>
           <p:cNvSpPr txBox="1"/>
           <p:nvPr>
             <p:ph idx="1" type="body"/>
@@ -8376,7 +9517,7 @@
       </p:sp>
       <p:pic>
         <p:nvPicPr>
-          <p:cNvPr descr="G_A, G_B" id="64" name="Google Shape;64;p14"/>
+          <p:cNvPr descr="G_A, G_B" id="66" name="Google Shape;66;p14"/>
           <p:cNvPicPr preferRelativeResize="0"/>
           <p:nvPr/>
         </p:nvPicPr>
@@ -8404,7 +9545,7 @@
       </p:pic>
       <p:pic>
         <p:nvPicPr>
-          <p:cNvPr descr="K(G_A, G_B)" id="65" name="Google Shape;65;p14"/>
+          <p:cNvPr descr="K(G_A, G_B)" id="67" name="Google Shape;67;p14"/>
           <p:cNvPicPr preferRelativeResize="0"/>
           <p:nvPr/>
         </p:nvPicPr>
@@ -8431,7 +9572,7 @@
       </p:pic>
       <p:pic>
         <p:nvPicPr>
-          <p:cNvPr id="66" name="Google Shape;66;p14"/>
+          <p:cNvPr id="68" name="Google Shape;68;p14"/>
           <p:cNvPicPr preferRelativeResize="0"/>
           <p:nvPr/>
         </p:nvPicPr>
@@ -8458,7 +9599,7 @@
       </p:pic>
       <p:sp>
         <p:nvSpPr>
-          <p:cNvPr id="67" name="Google Shape;67;p14"/>
+          <p:cNvPr id="69" name="Google Shape;69;p14"/>
           <p:cNvSpPr txBox="1"/>
           <p:nvPr/>
         </p:nvSpPr>
@@ -8507,7 +9648,7 @@
       </p:sp>
       <p:sp>
         <p:nvSpPr>
-          <p:cNvPr id="68" name="Google Shape;68;p14"/>
+          <p:cNvPr id="70" name="Google Shape;70;p14"/>
           <p:cNvSpPr txBox="1"/>
           <p:nvPr/>
         </p:nvSpPr>
@@ -8572,7 +9713,7 @@
       </p:sp>
       <p:pic>
         <p:nvPicPr>
-          <p:cNvPr id="69" name="Google Shape;69;p14"/>
+          <p:cNvPr id="71" name="Google Shape;71;p14"/>
           <p:cNvPicPr preferRelativeResize="0"/>
           <p:nvPr/>
         </p:nvPicPr>
@@ -8599,7 +9740,7 @@
       </p:pic>
       <p:pic>
         <p:nvPicPr>
-          <p:cNvPr id="70" name="Google Shape;70;p14"/>
+          <p:cNvPr id="72" name="Google Shape;72;p14"/>
           <p:cNvPicPr preferRelativeResize="0"/>
           <p:nvPr/>
         </p:nvPicPr>
@@ -8626,7 +9767,7 @@
       </p:pic>
       <p:sp>
         <p:nvSpPr>
-          <p:cNvPr id="71" name="Google Shape;71;p14"/>
+          <p:cNvPr id="73" name="Google Shape;73;p14"/>
           <p:cNvSpPr/>
           <p:nvPr/>
         </p:nvSpPr>
@@ -8678,7 +9819,7 @@
       </p:sp>
       <p:sp>
         <p:nvSpPr>
-          <p:cNvPr id="72" name="Google Shape;72;p14"/>
+          <p:cNvPr id="74" name="Google Shape;74;p14"/>
           <p:cNvSpPr txBox="1"/>
           <p:nvPr/>
         </p:nvSpPr>
@@ -8727,7 +9868,7 @@
       </p:sp>
       <p:sp>
         <p:nvSpPr>
-          <p:cNvPr id="73" name="Google Shape;73;p14"/>
+          <p:cNvPr id="75" name="Google Shape;75;p14"/>
           <p:cNvSpPr txBox="1"/>
           <p:nvPr/>
         </p:nvSpPr>
@@ -8761,7 +9902,7 @@
             </a:pPr>
             <a:r>
               <a:rPr lang="en"/>
-              <a:t>Ref: dataset add link, </a:t>
+              <a:t>Ref: </a:t>
             </a:r>
             <a:r>
               <a:rPr lang="en" u="sng">
@@ -8770,8 +9911,61 @@
                 </a:solidFill>
                 <a:hlinkClick r:id="rId8"/>
               </a:rPr>
+              <a:t>dataset add link</a:t>
+            </a:r>
+            <a:r>
+              <a:rPr lang="en"/>
+              <a:t>, </a:t>
+            </a:r>
+            <a:r>
+              <a:rPr lang="en" u="sng">
+                <a:solidFill>
+                  <a:schemeClr val="hlink"/>
+                </a:solidFill>
+                <a:hlinkClick r:id="rId9"/>
+              </a:rPr>
               <a:t>toxicity</a:t>
             </a:r>
+            <a:endParaRPr/>
+          </a:p>
+        </p:txBody>
+      </p:sp>
+      <p:sp>
+        <p:nvSpPr>
+          <p:cNvPr id="76" name="Google Shape;76;p14"/>
+          <p:cNvSpPr txBox="1"/>
+          <p:nvPr>
+            <p:ph idx="12" type="sldNum"/>
+          </p:nvPr>
+        </p:nvSpPr>
+        <p:spPr>
+          <a:xfrm>
+            <a:off x="8472458" y="4663217"/>
+            <a:ext cx="548700" cy="393600"/>
+          </a:xfrm>
+          <a:prstGeom prst="rect">
+            <a:avLst/>
+          </a:prstGeom>
+        </p:spPr>
+        <p:txBody>
+          <a:bodyPr anchorCtr="0" anchor="ctr" bIns="91425" lIns="91425" spcFirstLastPara="1" rIns="91425" wrap="square" tIns="91425">
+            <a:normAutofit/>
+          </a:bodyPr>
+          <a:lstStyle/>
+          <a:p>
+            <a:pPr indent="0" lvl="0" marL="0" rtl="0" algn="r">
+              <a:spcBef>
+                <a:spcPts val="0"/>
+              </a:spcBef>
+              <a:spcAft>
+                <a:spcPts val="0"/>
+              </a:spcAft>
+              <a:buNone/>
+            </a:pPr>
+            <a:fld id="{00000000-1234-1234-1234-123412341234}" type="slidenum">
+              <a:rPr lang="en"/>
+              <a:t>‹#›</a:t>
+            </a:fld>
             <a:endParaRPr/>
           </a:p>
         </p:txBody>
@@ -8789,7 +9983,112 @@
   <p:cSld>
     <p:spTree>
       <p:nvGrpSpPr>
-        <p:cNvPr id="77" name="Shape 77"/>
+        <p:cNvPr id="80" name="Shape 80"/>
+        <p:cNvGrpSpPr/>
+        <p:nvPr/>
+      </p:nvGrpSpPr>
+      <p:grpSpPr>
+        <a:xfrm>
+          <a:off x="0" y="0"/>
+          <a:ext cx="0" cy="0"/>
+          <a:chOff x="0" y="0"/>
+          <a:chExt cx="0" cy="0"/>
+        </a:xfrm>
+      </p:grpSpPr>
+      <p:sp>
+        <p:nvSpPr>
+          <p:cNvPr id="81" name="Google Shape;81;p15"/>
+          <p:cNvSpPr txBox="1"/>
+          <p:nvPr>
+            <p:ph type="title"/>
+          </p:nvPr>
+        </p:nvSpPr>
+        <p:spPr>
+          <a:xfrm>
+            <a:off x="311700" y="2150850"/>
+            <a:ext cx="8520600" cy="841800"/>
+          </a:xfrm>
+          <a:prstGeom prst="rect">
+            <a:avLst/>
+          </a:prstGeom>
+        </p:spPr>
+        <p:txBody>
+          <a:bodyPr anchorCtr="0" anchor="ctr" bIns="91425" lIns="91425" spcFirstLastPara="1" rIns="91425" wrap="square" tIns="91425">
+            <a:normAutofit/>
+          </a:bodyPr>
+          <a:lstStyle/>
+          <a:p>
+            <a:pPr indent="0" lvl="0" marL="0" rtl="0" algn="ctr">
+              <a:spcBef>
+                <a:spcPts val="0"/>
+              </a:spcBef>
+              <a:spcAft>
+                <a:spcPts val="0"/>
+              </a:spcAft>
+              <a:buNone/>
+            </a:pPr>
+            <a:r>
+              <a:rPr lang="en"/>
+              <a:t>Part I. QEK</a:t>
+            </a:r>
+            <a:endParaRPr/>
+          </a:p>
+        </p:txBody>
+      </p:sp>
+      <p:sp>
+        <p:nvSpPr>
+          <p:cNvPr id="82" name="Google Shape;82;p15"/>
+          <p:cNvSpPr txBox="1"/>
+          <p:nvPr>
+            <p:ph idx="12" type="sldNum"/>
+          </p:nvPr>
+        </p:nvSpPr>
+        <p:spPr>
+          <a:xfrm>
+            <a:off x="8472458" y="4663217"/>
+            <a:ext cx="548700" cy="393600"/>
+          </a:xfrm>
+          <a:prstGeom prst="rect">
+            <a:avLst/>
+          </a:prstGeom>
+        </p:spPr>
+        <p:txBody>
+          <a:bodyPr anchorCtr="0" anchor="ctr" bIns="91425" lIns="91425" spcFirstLastPara="1" rIns="91425" wrap="square" tIns="91425">
+            <a:normAutofit/>
+          </a:bodyPr>
+          <a:lstStyle/>
+          <a:p>
+            <a:pPr indent="0" lvl="0" marL="0" rtl="0" algn="r">
+              <a:spcBef>
+                <a:spcPts val="0"/>
+              </a:spcBef>
+              <a:spcAft>
+                <a:spcPts val="0"/>
+              </a:spcAft>
+              <a:buNone/>
+            </a:pPr>
+            <a:fld id="{00000000-1234-1234-1234-123412341234}" type="slidenum">
+              <a:rPr lang="en"/>
+              <a:t>‹#›</a:t>
+            </a:fld>
+            <a:endParaRPr/>
+          </a:p>
+        </p:txBody>
+      </p:sp>
+    </p:spTree>
+  </p:cSld>
+  <p:clrMapOvr>
+    <a:masterClrMapping/>
+  </p:clrMapOvr>
+</p:sld>
+</file>
+
+<file path=ppt/slides/slide4.xml><?xml version="1.0" encoding="utf-8"?>
+<p:sld xmlns:a="http://schemas.openxmlformats.org/drawingml/2006/main" xmlns:r="http://schemas.openxmlformats.org/officeDocument/2006/relationships" xmlns:mc="http://schemas.openxmlformats.org/markup-compatibility/2006" xmlns:mv="urn:schemas-microsoft-com:mac:vml" xmlns:p="http://schemas.openxmlformats.org/presentationml/2006/main" xmlns:c="http://schemas.openxmlformats.org/drawingml/2006/chart" xmlns:dgm="http://schemas.openxmlformats.org/drawingml/2006/diagram" xmlns:o="urn:schemas-microsoft-com:office:office" xmlns:v="urn:schemas-microsoft-com:vml" xmlns:pvml="urn:schemas-microsoft-com:office:powerpoint" xmlns:com="http://schemas.openxmlformats.org/drawingml/2006/compatibility" xmlns:p14="http://schemas.microsoft.com/office/powerpoint/2010/main" xmlns:p15="http://schemas.microsoft.com/office/powerpoint/2012/main" xmlns:ahyp="http://schemas.microsoft.com/office/drawing/2018/hyperlinkcolor">
+  <p:cSld>
+    <p:spTree>
+      <p:nvGrpSpPr>
+        <p:cNvPr id="86" name="Shape 86"/>
         <p:cNvGrpSpPr/>
         <p:nvPr/>
       </p:nvGrpSpPr>
@@ -8803,7 +10102,7 @@
       </p:grpSpPr>
       <p:pic>
         <p:nvPicPr>
-          <p:cNvPr id="78" name="Google Shape;78;p15"/>
+          <p:cNvPr id="87" name="Google Shape;87;p16"/>
           <p:cNvPicPr preferRelativeResize="0"/>
           <p:nvPr/>
         </p:nvPicPr>
@@ -8831,7 +10130,7 @@
       </p:pic>
       <p:sp>
         <p:nvSpPr>
-          <p:cNvPr id="79" name="Google Shape;79;p15"/>
+          <p:cNvPr id="88" name="Google Shape;88;p16"/>
           <p:cNvSpPr txBox="1"/>
           <p:nvPr>
             <p:ph type="title"/>
@@ -8875,7 +10174,7 @@
       </p:sp>
       <p:sp>
         <p:nvSpPr>
-          <p:cNvPr id="80" name="Google Shape;80;p15"/>
+          <p:cNvPr id="89" name="Google Shape;89;p16"/>
           <p:cNvSpPr txBox="1"/>
           <p:nvPr>
             <p:ph idx="1" type="body"/>
@@ -8924,7 +10223,7 @@
             </a:pPr>
             <a:r>
               <a:rPr lang="en" sz="1400"/>
-              <a:t>Emed graph onto </a:t>
+              <a:t>Embed graph onto </a:t>
             </a:r>
             <a:r>
               <a:rPr b="1" lang="en" sz="1400"/>
@@ -8982,7 +10281,7 @@
       </p:sp>
       <p:pic>
         <p:nvPicPr>
-          <p:cNvPr id="81" name="Google Shape;81;p15"/>
+          <p:cNvPr id="90" name="Google Shape;90;p16"/>
           <p:cNvPicPr preferRelativeResize="0"/>
           <p:nvPr/>
         </p:nvPicPr>
@@ -9009,7 +10308,7 @@
       </p:pic>
       <p:pic>
         <p:nvPicPr>
-          <p:cNvPr id="82" name="Google Shape;82;p15"/>
+          <p:cNvPr id="91" name="Google Shape;91;p16"/>
           <p:cNvPicPr preferRelativeResize="0"/>
           <p:nvPr/>
         </p:nvPicPr>
@@ -9036,10 +10335,10 @@
       </p:pic>
       <p:cxnSp>
         <p:nvCxnSpPr>
-          <p:cNvPr id="83" name="Google Shape;83;p15"/>
+          <p:cNvPr id="92" name="Google Shape;92;p16"/>
           <p:cNvCxnSpPr>
-            <a:stCxn id="82" idx="3"/>
-            <a:endCxn id="81" idx="1"/>
+            <a:stCxn id="91" idx="3"/>
+            <a:endCxn id="90" idx="1"/>
           </p:cNvCxnSpPr>
           <p:nvPr/>
         </p:nvCxnSpPr>
@@ -9065,7 +10364,7 @@
       </p:cxnSp>
       <p:pic>
         <p:nvPicPr>
-          <p:cNvPr descr="K(G_A, G_B) = \widetilde{K}(\rho_A, \rho_B; t)" id="84" name="Google Shape;84;p15"/>
+          <p:cNvPr descr="K(G_A, G_B) = \widetilde{K}(\rho_A, \rho_B; t)" id="93" name="Google Shape;93;p16"/>
           <p:cNvPicPr preferRelativeResize="0"/>
           <p:nvPr/>
         </p:nvPicPr>
@@ -9093,7 +10392,7 @@
       </p:pic>
       <p:pic>
         <p:nvPicPr>
-          <p:cNvPr descr="e^{i H_{ryd}t}" id="85" name="Google Shape;85;p15"/>
+          <p:cNvPr descr="e^{i H_{ryd}t}" id="94" name="Google Shape;94;p16"/>
           <p:cNvPicPr preferRelativeResize="0"/>
           <p:nvPr/>
         </p:nvPicPr>
@@ -9107,8 +10406,8 @@
         </p:blipFill>
         <p:spPr>
           <a:xfrm>
-            <a:off x="4527439" y="4102005"/>
-            <a:ext cx="1363825" cy="513258"/>
+            <a:off x="4635648" y="4152198"/>
+            <a:ext cx="1097050" cy="412854"/>
           </a:xfrm>
           <a:prstGeom prst="rect">
             <a:avLst/>
@@ -9121,17 +10420,17 @@
       </p:pic>
       <p:cxnSp>
         <p:nvCxnSpPr>
-          <p:cNvPr id="86" name="Google Shape;86;p15"/>
+          <p:cNvPr id="95" name="Google Shape;95;p16"/>
           <p:cNvCxnSpPr>
-            <a:stCxn id="81" idx="3"/>
-            <a:endCxn id="85" idx="1"/>
+            <a:stCxn id="90" idx="3"/>
+            <a:endCxn id="94" idx="1"/>
           </p:cNvCxnSpPr>
           <p:nvPr/>
         </p:nvCxnSpPr>
         <p:spPr>
           <a:xfrm>
             <a:off x="4128802" y="4358625"/>
-            <a:ext cx="398700" cy="0"/>
+            <a:ext cx="506700" cy="0"/>
           </a:xfrm>
           <a:prstGeom prst="straightConnector1">
             <a:avLst/>
@@ -9150,7 +10449,7 @@
       </p:cxnSp>
       <p:pic>
         <p:nvPicPr>
-          <p:cNvPr id="87" name="Google Shape;87;p15"/>
+          <p:cNvPr id="96" name="Google Shape;96;p16"/>
           <p:cNvPicPr preferRelativeResize="0"/>
           <p:nvPr/>
         </p:nvPicPr>
@@ -9178,17 +10477,17 @@
       </p:pic>
       <p:cxnSp>
         <p:nvCxnSpPr>
-          <p:cNvPr id="88" name="Google Shape;88;p15"/>
+          <p:cNvPr id="97" name="Google Shape;97;p16"/>
           <p:cNvCxnSpPr>
-            <a:stCxn id="85" idx="3"/>
-            <a:endCxn id="87" idx="1"/>
+            <a:stCxn id="94" idx="3"/>
+            <a:endCxn id="96" idx="1"/>
           </p:cNvCxnSpPr>
           <p:nvPr/>
         </p:nvCxnSpPr>
         <p:spPr>
           <a:xfrm>
-            <a:off x="5891264" y="4358634"/>
-            <a:ext cx="959100" cy="0"/>
+            <a:off x="5732698" y="4358625"/>
+            <a:ext cx="1117800" cy="0"/>
           </a:xfrm>
           <a:prstGeom prst="straightConnector1">
             <a:avLst/>
@@ -9207,7 +10506,7 @@
       </p:cxnSp>
       <p:sp>
         <p:nvSpPr>
-          <p:cNvPr id="89" name="Google Shape;89;p15"/>
+          <p:cNvPr id="98" name="Google Shape;98;p16"/>
           <p:cNvSpPr txBox="1"/>
           <p:nvPr/>
         </p:nvSpPr>
@@ -9249,7 +10548,7 @@
       </p:sp>
       <p:sp>
         <p:nvSpPr>
-          <p:cNvPr id="90" name="Google Shape;90;p15"/>
+          <p:cNvPr id="99" name="Google Shape;99;p16"/>
           <p:cNvSpPr txBox="1"/>
           <p:nvPr/>
         </p:nvSpPr>
@@ -9291,7 +10590,7 @@
       </p:sp>
       <p:sp>
         <p:nvSpPr>
-          <p:cNvPr id="91" name="Google Shape;91;p15"/>
+          <p:cNvPr id="100" name="Google Shape;100;p16"/>
           <p:cNvSpPr txBox="1"/>
           <p:nvPr/>
         </p:nvSpPr>
@@ -9333,7 +10632,7 @@
       </p:sp>
       <p:pic>
         <p:nvPicPr>
-          <p:cNvPr descr="\rho(t)\leftarrow" id="92" name="Google Shape;92;p15"/>
+          <p:cNvPr descr="\rho(t)\leftarrow" id="101" name="Google Shape;101;p16"/>
           <p:cNvPicPr preferRelativeResize="0"/>
           <p:nvPr/>
         </p:nvPicPr>
@@ -9360,7 +10659,7 @@
       </p:pic>
       <p:pic>
         <p:nvPicPr>
-          <p:cNvPr descr="\rho(0)\leftarrow" id="93" name="Google Shape;93;p15"/>
+          <p:cNvPr descr="\rho(0)\leftarrow" id="102" name="Google Shape;102;p16"/>
           <p:cNvPicPr preferRelativeResize="0"/>
           <p:nvPr/>
         </p:nvPicPr>
@@ -9387,7 +10686,7 @@
       </p:pic>
       <p:pic>
         <p:nvPicPr>
-          <p:cNvPr descr="K(G_A, G_B) = \widetilde{K}(\rho_A, \rho_B; t)" id="94" name="Google Shape;94;p15"/>
+          <p:cNvPr descr="K(G_A, G_B) = \widetilde{K}(\rho_A, \rho_B; t)" id="103" name="Google Shape;103;p16"/>
           <p:cNvPicPr preferRelativeResize="0"/>
           <p:nvPr/>
         </p:nvPicPr>
@@ -9414,7 +10713,7 @@
       </p:pic>
       <p:sp>
         <p:nvSpPr>
-          <p:cNvPr id="95" name="Google Shape;95;p15"/>
+          <p:cNvPr id="104" name="Google Shape;104;p16"/>
           <p:cNvSpPr txBox="1"/>
           <p:nvPr/>
         </p:nvSpPr>
@@ -9456,7 +10755,7 @@
       </p:sp>
       <p:sp>
         <p:nvSpPr>
-          <p:cNvPr id="96" name="Google Shape;96;p15"/>
+          <p:cNvPr id="105" name="Google Shape;105;p16"/>
           <p:cNvSpPr txBox="1"/>
           <p:nvPr/>
         </p:nvSpPr>
@@ -9569,7 +10868,7 @@
       </p:sp>
       <p:sp>
         <p:nvSpPr>
-          <p:cNvPr id="97" name="Google Shape;97;p15"/>
+          <p:cNvPr id="106" name="Google Shape;106;p16"/>
           <p:cNvSpPr txBox="1"/>
           <p:nvPr/>
         </p:nvSpPr>
@@ -9635,7 +10934,7 @@
       </p:sp>
       <p:pic>
         <p:nvPicPr>
-          <p:cNvPr id="98" name="Google Shape;98;p15"/>
+          <p:cNvPr id="107" name="Google Shape;107;p16"/>
           <p:cNvPicPr preferRelativeResize="0"/>
           <p:nvPr/>
         </p:nvPicPr>
@@ -9663,7 +10962,7 @@
       </p:pic>
       <p:sp>
         <p:nvSpPr>
-          <p:cNvPr id="99" name="Google Shape;99;p15"/>
+          <p:cNvPr id="108" name="Google Shape;108;p16"/>
           <p:cNvSpPr/>
           <p:nvPr/>
         </p:nvSpPr>
@@ -9715,7 +11014,7 @@
       </p:sp>
       <p:sp>
         <p:nvSpPr>
-          <p:cNvPr id="100" name="Google Shape;100;p15"/>
+          <p:cNvPr id="109" name="Google Shape;109;p16"/>
           <p:cNvSpPr txBox="1"/>
           <p:nvPr/>
         </p:nvSpPr>
@@ -9751,6 +11050,46 @@
               <a:rPr lang="en"/>
               <a:t>Interaction encodes geometry of the graph</a:t>
             </a:r>
+            <a:endParaRPr/>
+          </a:p>
+        </p:txBody>
+      </p:sp>
+      <p:sp>
+        <p:nvSpPr>
+          <p:cNvPr id="110" name="Google Shape;110;p16"/>
+          <p:cNvSpPr txBox="1"/>
+          <p:nvPr>
+            <p:ph idx="12" type="sldNum"/>
+          </p:nvPr>
+        </p:nvSpPr>
+        <p:spPr>
+          <a:xfrm>
+            <a:off x="8472458" y="4663217"/>
+            <a:ext cx="548700" cy="393600"/>
+          </a:xfrm>
+          <a:prstGeom prst="rect">
+            <a:avLst/>
+          </a:prstGeom>
+        </p:spPr>
+        <p:txBody>
+          <a:bodyPr anchorCtr="0" anchor="ctr" bIns="91425" lIns="91425" spcFirstLastPara="1" rIns="91425" wrap="square" tIns="91425">
+            <a:normAutofit/>
+          </a:bodyPr>
+          <a:lstStyle/>
+          <a:p>
+            <a:pPr indent="0" lvl="0" marL="0" rtl="0" algn="r">
+              <a:spcBef>
+                <a:spcPts val="0"/>
+              </a:spcBef>
+              <a:spcAft>
+                <a:spcPts val="0"/>
+              </a:spcAft>
+              <a:buNone/>
+            </a:pPr>
+            <a:fld id="{00000000-1234-1234-1234-123412341234}" type="slidenum">
+              <a:rPr lang="en"/>
+              <a:t>‹#›</a:t>
+            </a:fld>
             <a:endParaRPr/>
           </a:p>
         </p:txBody>
@@ -9763,12 +11102,12 @@
 </p:sld>
 </file>
 
-<file path=ppt/slides/slide4.xml><?xml version="1.0" encoding="utf-8"?>
+<file path=ppt/slides/slide5.xml><?xml version="1.0" encoding="utf-8"?>
 <p:sld xmlns:a="http://schemas.openxmlformats.org/drawingml/2006/main" xmlns:r="http://schemas.openxmlformats.org/officeDocument/2006/relationships" xmlns:mc="http://schemas.openxmlformats.org/markup-compatibility/2006" xmlns:mv="urn:schemas-microsoft-com:mac:vml" xmlns:p="http://schemas.openxmlformats.org/presentationml/2006/main" xmlns:c="http://schemas.openxmlformats.org/drawingml/2006/chart" xmlns:dgm="http://schemas.openxmlformats.org/drawingml/2006/diagram" xmlns:o="urn:schemas-microsoft-com:office:office" xmlns:v="urn:schemas-microsoft-com:vml" xmlns:pvml="urn:schemas-microsoft-com:office:powerpoint" xmlns:com="http://schemas.openxmlformats.org/drawingml/2006/compatibility" xmlns:p14="http://schemas.microsoft.com/office/powerpoint/2010/main" xmlns:p15="http://schemas.microsoft.com/office/powerpoint/2012/main" xmlns:ahyp="http://schemas.microsoft.com/office/drawing/2018/hyperlinkcolor">
   <p:cSld>
     <p:spTree>
       <p:nvGrpSpPr>
-        <p:cNvPr id="104" name="Shape 104"/>
+        <p:cNvPr id="114" name="Shape 114"/>
         <p:cNvGrpSpPr/>
         <p:nvPr/>
       </p:nvGrpSpPr>
@@ -9782,7 +11121,7 @@
       </p:grpSpPr>
       <p:pic>
         <p:nvPicPr>
-          <p:cNvPr id="105" name="Google Shape;105;p16"/>
+          <p:cNvPr id="115" name="Google Shape;115;p17"/>
           <p:cNvPicPr preferRelativeResize="0"/>
           <p:nvPr/>
         </p:nvPicPr>
@@ -9810,7 +11149,7 @@
       </p:pic>
       <p:sp>
         <p:nvSpPr>
-          <p:cNvPr id="106" name="Google Shape;106;p16"/>
+          <p:cNvPr id="116" name="Google Shape;116;p17"/>
           <p:cNvSpPr txBox="1"/>
           <p:nvPr>
             <p:ph type="title"/>
@@ -9850,7 +11189,7 @@
       </p:sp>
       <p:sp>
         <p:nvSpPr>
-          <p:cNvPr id="107" name="Google Shape;107;p16"/>
+          <p:cNvPr id="117" name="Google Shape;117;p17"/>
           <p:cNvSpPr txBox="1"/>
           <p:nvPr>
             <p:ph idx="1" type="body"/>
@@ -9916,7 +11255,7 @@
             </a:pPr>
             <a:r>
               <a:rPr lang="en"/>
-              <a:t>Pennylane digital trotterization of H</a:t>
+              <a:t>PennyLane digital trotterization of H</a:t>
             </a:r>
             <a:r>
               <a:rPr baseline="-25000" lang="en"/>
@@ -9932,7 +11271,7 @@
       </p:sp>
       <p:sp>
         <p:nvSpPr>
-          <p:cNvPr id="108" name="Google Shape;108;p16"/>
+          <p:cNvPr id="118" name="Google Shape;118;p17"/>
           <p:cNvSpPr txBox="1"/>
           <p:nvPr/>
         </p:nvSpPr>
@@ -10021,7 +11360,7 @@
       </p:sp>
       <p:sp>
         <p:nvSpPr>
-          <p:cNvPr id="109" name="Google Shape;109;p16"/>
+          <p:cNvPr id="119" name="Google Shape;119;p17"/>
           <p:cNvSpPr txBox="1"/>
           <p:nvPr/>
         </p:nvSpPr>
@@ -10154,7 +11493,7 @@
                   <a:schemeClr val="dk2"/>
                 </a:solidFill>
               </a:rPr>
-              <a:t>Pennylane-Braket → </a:t>
+              <a:t>PennyLane-Braket → </a:t>
             </a:r>
             <a:r>
               <a:rPr lang="en">
@@ -10174,7 +11513,7 @@
       </p:sp>
       <p:pic>
         <p:nvPicPr>
-          <p:cNvPr id="110" name="Google Shape;110;p16"/>
+          <p:cNvPr id="120" name="Google Shape;120;p17"/>
           <p:cNvPicPr preferRelativeResize="0"/>
           <p:nvPr/>
         </p:nvPicPr>
@@ -10188,7 +11527,7 @@
         </p:blipFill>
         <p:spPr>
           <a:xfrm>
-            <a:off x="5319575" y="2470625"/>
+            <a:off x="5332213" y="2470625"/>
             <a:ext cx="3824424" cy="400200"/>
           </a:xfrm>
           <a:prstGeom prst="rect">
@@ -10202,7 +11541,7 @@
       </p:pic>
       <p:grpSp>
         <p:nvGrpSpPr>
-          <p:cNvPr id="111" name="Google Shape;111;p16"/>
+          <p:cNvPr id="121" name="Google Shape;121;p17"/>
           <p:cNvGrpSpPr/>
           <p:nvPr/>
         </p:nvGrpSpPr>
@@ -10216,7 +11555,7 @@
         </p:grpSpPr>
         <p:grpSp>
           <p:nvGrpSpPr>
-            <p:cNvPr id="112" name="Google Shape;112;p16"/>
+            <p:cNvPr id="122" name="Google Shape;122;p17"/>
             <p:cNvGrpSpPr/>
             <p:nvPr/>
           </p:nvGrpSpPr>
@@ -10230,7 +11569,7 @@
           </p:grpSpPr>
           <p:grpSp>
             <p:nvGrpSpPr>
-              <p:cNvPr id="113" name="Google Shape;113;p16"/>
+              <p:cNvPr id="123" name="Google Shape;123;p17"/>
               <p:cNvGrpSpPr/>
               <p:nvPr/>
             </p:nvGrpSpPr>
@@ -10244,7 +11583,7 @@
             </p:grpSpPr>
             <p:pic>
               <p:nvPicPr>
-                <p:cNvPr id="114" name="Google Shape;114;p16"/>
+                <p:cNvPr id="124" name="Google Shape;124;p17"/>
                 <p:cNvPicPr preferRelativeResize="0"/>
                 <p:nvPr/>
               </p:nvPicPr>
@@ -10271,7 +11610,7 @@
             </p:pic>
             <p:sp>
               <p:nvSpPr>
-                <p:cNvPr id="115" name="Google Shape;115;p16"/>
+                <p:cNvPr id="125" name="Google Shape;125;p17"/>
                 <p:cNvSpPr txBox="1"/>
                 <p:nvPr/>
               </p:nvSpPr>
@@ -10314,7 +11653,7 @@
           </p:grpSp>
           <p:sp>
             <p:nvSpPr>
-              <p:cNvPr id="116" name="Google Shape;116;p16"/>
+              <p:cNvPr id="126" name="Google Shape;126;p17"/>
               <p:cNvSpPr txBox="1"/>
               <p:nvPr/>
             </p:nvSpPr>
@@ -10364,7 +11703,7 @@
         </p:grpSp>
         <p:grpSp>
           <p:nvGrpSpPr>
-            <p:cNvPr id="117" name="Google Shape;117;p16"/>
+            <p:cNvPr id="127" name="Google Shape;127;p17"/>
             <p:cNvGrpSpPr/>
             <p:nvPr/>
           </p:nvGrpSpPr>
@@ -10378,7 +11717,7 @@
           </p:grpSpPr>
           <p:sp>
             <p:nvSpPr>
-              <p:cNvPr id="118" name="Google Shape;118;p16"/>
+              <p:cNvPr id="128" name="Google Shape;128;p17"/>
               <p:cNvSpPr txBox="1"/>
               <p:nvPr/>
             </p:nvSpPr>
@@ -10424,7 +11763,7 @@
           </p:sp>
           <p:sp>
             <p:nvSpPr>
-              <p:cNvPr id="119" name="Google Shape;119;p16"/>
+              <p:cNvPr id="129" name="Google Shape;129;p17"/>
               <p:cNvSpPr txBox="1"/>
               <p:nvPr/>
             </p:nvSpPr>
@@ -10465,7 +11804,7 @@
                       <a:schemeClr val="dk2"/>
                     </a:solidFill>
                   </a:rPr>
-                  <a:t>Pennylane</a:t>
+                  <a:t>PennyLane</a:t>
                 </a:r>
                 <a:endParaRPr b="1"/>
               </a:p>
@@ -10473,7 +11812,7 @@
           </p:sp>
           <p:pic>
             <p:nvPicPr>
-              <p:cNvPr id="120" name="Google Shape;120;p16"/>
+              <p:cNvPr id="130" name="Google Shape;130;p17"/>
               <p:cNvPicPr preferRelativeResize="0"/>
               <p:nvPr/>
             </p:nvPicPr>
@@ -10502,10 +11841,10 @@
         </p:grpSp>
         <p:cxnSp>
           <p:nvCxnSpPr>
-            <p:cNvPr id="121" name="Google Shape;121;p16"/>
+            <p:cNvPr id="131" name="Google Shape;131;p17"/>
             <p:cNvCxnSpPr>
-              <a:stCxn id="114" idx="3"/>
-              <a:endCxn id="120" idx="1"/>
+              <a:stCxn id="124" idx="3"/>
+              <a:endCxn id="130" idx="1"/>
             </p:cNvCxnSpPr>
             <p:nvPr/>
           </p:nvCxnSpPr>
@@ -10531,7 +11870,7 @@
         </p:cxnSp>
         <p:sp>
           <p:nvSpPr>
-            <p:cNvPr id="122" name="Google Shape;122;p16"/>
+            <p:cNvPr id="132" name="Google Shape;132;p17"/>
             <p:cNvSpPr txBox="1"/>
             <p:nvPr/>
           </p:nvSpPr>
@@ -10593,7 +11932,7 @@
         </p:sp>
         <p:pic>
           <p:nvPicPr>
-            <p:cNvPr id="123" name="Google Shape;123;p16"/>
+            <p:cNvPr id="133" name="Google Shape;133;p17"/>
             <p:cNvPicPr preferRelativeResize="0"/>
             <p:nvPr/>
           </p:nvPicPr>
@@ -10622,7 +11961,7 @@
       </p:grpSp>
       <p:sp>
         <p:nvSpPr>
-          <p:cNvPr id="124" name="Google Shape;124;p16"/>
+          <p:cNvPr id="134" name="Google Shape;134;p17"/>
           <p:cNvSpPr txBox="1"/>
           <p:nvPr>
             <p:ph idx="1" type="body"/>
@@ -10700,7 +12039,7 @@
       </p:sp>
       <p:pic>
         <p:nvPicPr>
-          <p:cNvPr descr="O = \sum_i \sigma^z_i" id="125" name="Google Shape;125;p16"/>
+          <p:cNvPr descr="O = \sum_i \sigma^z_i" id="135" name="Google Shape;135;p17"/>
           <p:cNvPicPr preferRelativeResize="0"/>
           <p:nvPr/>
         </p:nvPicPr>
@@ -10728,7 +12067,7 @@
       </p:pic>
       <p:pic>
         <p:nvPicPr>
-          <p:cNvPr id="126" name="Google Shape;126;p16"/>
+          <p:cNvPr id="136" name="Google Shape;136;p17"/>
           <p:cNvPicPr preferRelativeResize="0"/>
           <p:nvPr/>
         </p:nvPicPr>
@@ -10756,7 +12095,7 @@
       </p:pic>
       <p:pic>
         <p:nvPicPr>
-          <p:cNvPr id="127" name="Google Shape;127;p16"/>
+          <p:cNvPr id="137" name="Google Shape;137;p17"/>
           <p:cNvPicPr preferRelativeResize="0"/>
           <p:nvPr/>
         </p:nvPicPr>
@@ -10782,6 +12121,46 @@
           </a:ln>
         </p:spPr>
       </p:pic>
+      <p:sp>
+        <p:nvSpPr>
+          <p:cNvPr id="138" name="Google Shape;138;p17"/>
+          <p:cNvSpPr txBox="1"/>
+          <p:nvPr>
+            <p:ph idx="12" type="sldNum"/>
+          </p:nvPr>
+        </p:nvSpPr>
+        <p:spPr>
+          <a:xfrm>
+            <a:off x="8472458" y="4663217"/>
+            <a:ext cx="548700" cy="393600"/>
+          </a:xfrm>
+          <a:prstGeom prst="rect">
+            <a:avLst/>
+          </a:prstGeom>
+        </p:spPr>
+        <p:txBody>
+          <a:bodyPr anchorCtr="0" anchor="ctr" bIns="91425" lIns="91425" spcFirstLastPara="1" rIns="91425" wrap="square" tIns="91425">
+            <a:normAutofit/>
+          </a:bodyPr>
+          <a:lstStyle/>
+          <a:p>
+            <a:pPr indent="0" lvl="0" marL="0" rtl="0" algn="r">
+              <a:spcBef>
+                <a:spcPts val="0"/>
+              </a:spcBef>
+              <a:spcAft>
+                <a:spcPts val="0"/>
+              </a:spcAft>
+              <a:buNone/>
+            </a:pPr>
+            <a:fld id="{00000000-1234-1234-1234-123412341234}" type="slidenum">
+              <a:rPr lang="en"/>
+              <a:t>‹#›</a:t>
+            </a:fld>
+            <a:endParaRPr/>
+          </a:p>
+        </p:txBody>
+      </p:sp>
     </p:spTree>
   </p:cSld>
   <p:clrMapOvr>
@@ -10790,12 +12169,12 @@
 </p:sld>
 </file>
 
-<file path=ppt/slides/slide5.xml><?xml version="1.0" encoding="utf-8"?>
+<file path=ppt/slides/slide6.xml><?xml version="1.0" encoding="utf-8"?>
 <p:sld xmlns:a="http://schemas.openxmlformats.org/drawingml/2006/main" xmlns:r="http://schemas.openxmlformats.org/officeDocument/2006/relationships" xmlns:mc="http://schemas.openxmlformats.org/markup-compatibility/2006" xmlns:mv="urn:schemas-microsoft-com:mac:vml" xmlns:p="http://schemas.openxmlformats.org/presentationml/2006/main" xmlns:c="http://schemas.openxmlformats.org/drawingml/2006/chart" xmlns:dgm="http://schemas.openxmlformats.org/drawingml/2006/diagram" xmlns:o="urn:schemas-microsoft-com:office:office" xmlns:v="urn:schemas-microsoft-com:vml" xmlns:pvml="urn:schemas-microsoft-com:office:powerpoint" xmlns:com="http://schemas.openxmlformats.org/drawingml/2006/compatibility" xmlns:p14="http://schemas.microsoft.com/office/powerpoint/2010/main" xmlns:p15="http://schemas.microsoft.com/office/powerpoint/2012/main" xmlns:ahyp="http://schemas.microsoft.com/office/drawing/2018/hyperlinkcolor">
   <p:cSld>
     <p:spTree>
       <p:nvGrpSpPr>
-        <p:cNvPr id="131" name="Shape 131"/>
+        <p:cNvPr id="142" name="Shape 142"/>
         <p:cNvGrpSpPr/>
         <p:nvPr/>
       </p:nvGrpSpPr>
@@ -10809,7 +12188,7 @@
       </p:grpSpPr>
       <p:sp>
         <p:nvSpPr>
-          <p:cNvPr id="132" name="Google Shape;132;p17"/>
+          <p:cNvPr id="143" name="Google Shape;143;p18"/>
           <p:cNvSpPr txBox="1"/>
           <p:nvPr>
             <p:ph type="title"/>
@@ -10849,7 +12228,7 @@
       </p:sp>
       <p:sp>
         <p:nvSpPr>
-          <p:cNvPr id="133" name="Google Shape;133;p17"/>
+          <p:cNvPr id="144" name="Google Shape;144;p18"/>
           <p:cNvSpPr txBox="1"/>
           <p:nvPr>
             <p:ph idx="1" type="body"/>
@@ -10921,7 +12300,7 @@
       </p:sp>
       <p:pic>
         <p:nvPicPr>
-          <p:cNvPr id="134" name="Google Shape;134;p17"/>
+          <p:cNvPr id="145" name="Google Shape;145;p18"/>
           <p:cNvPicPr preferRelativeResize="0"/>
           <p:nvPr/>
         </p:nvPicPr>
@@ -10949,14 +12328,14 @@
       </p:pic>
       <p:sp>
         <p:nvSpPr>
-          <p:cNvPr id="135" name="Google Shape;135;p17"/>
+          <p:cNvPr id="146" name="Google Shape;146;p18"/>
           <p:cNvSpPr txBox="1"/>
           <p:nvPr/>
         </p:nvSpPr>
         <p:spPr>
           <a:xfrm>
-            <a:off x="6329975" y="84725"/>
-            <a:ext cx="2989800" cy="400200"/>
+            <a:off x="7087325" y="99950"/>
+            <a:ext cx="1745100" cy="400200"/>
           </a:xfrm>
           <a:prstGeom prst="rect">
             <a:avLst/>
@@ -10983,7 +12362,16 @@
             </a:pPr>
             <a:r>
               <a:rPr lang="en"/>
-              <a:t>Ref: add notebook link here</a:t>
+              <a:t>Ref: </a:t>
+            </a:r>
+            <a:r>
+              <a:rPr lang="en" u="sng">
+                <a:solidFill>
+                  <a:schemeClr val="hlink"/>
+                </a:solidFill>
+                <a:hlinkClick r:id="rId4"/>
+              </a:rPr>
+              <a:t>notebook link</a:t>
             </a:r>
             <a:endParaRPr/>
           </a:p>
@@ -10991,12 +12379,12 @@
       </p:sp>
       <p:pic>
         <p:nvPicPr>
-          <p:cNvPr id="136" name="Google Shape;136;p17"/>
+          <p:cNvPr id="147" name="Google Shape;147;p18"/>
           <p:cNvPicPr preferRelativeResize="0"/>
           <p:nvPr/>
         </p:nvPicPr>
         <p:blipFill rotWithShape="1">
-          <a:blip r:embed="rId4">
+          <a:blip r:embed="rId5">
             <a:alphaModFix/>
           </a:blip>
           <a:srcRect b="85396" l="0" r="0" t="0"/>
@@ -11018,12 +12406,12 @@
       </p:pic>
       <p:pic>
         <p:nvPicPr>
-          <p:cNvPr id="137" name="Google Shape;137;p17"/>
+          <p:cNvPr id="148" name="Google Shape;148;p18"/>
           <p:cNvPicPr preferRelativeResize="0"/>
           <p:nvPr/>
         </p:nvPicPr>
         <p:blipFill>
-          <a:blip r:embed="rId5">
+          <a:blip r:embed="rId6">
             <a:alphaModFix/>
           </a:blip>
           <a:stretch>
@@ -11046,12 +12434,12 @@
       </p:pic>
       <p:pic>
         <p:nvPicPr>
-          <p:cNvPr id="138" name="Google Shape;138;p17"/>
+          <p:cNvPr id="149" name="Google Shape;149;p18"/>
           <p:cNvPicPr preferRelativeResize="0"/>
           <p:nvPr/>
         </p:nvPicPr>
         <p:blipFill rotWithShape="1">
-          <a:blip r:embed="rId4">
+          <a:blip r:embed="rId5">
             <a:alphaModFix/>
           </a:blip>
           <a:srcRect b="0" l="0" r="0" t="83614"/>
@@ -11073,12 +12461,12 @@
       </p:pic>
       <p:pic>
         <p:nvPicPr>
-          <p:cNvPr id="139" name="Google Shape;139;p17"/>
+          <p:cNvPr id="150" name="Google Shape;150;p18"/>
           <p:cNvPicPr preferRelativeResize="0"/>
           <p:nvPr/>
         </p:nvPicPr>
         <p:blipFill rotWithShape="1">
-          <a:blip r:embed="rId6">
+          <a:blip r:embed="rId7">
             <a:alphaModFix/>
           </a:blip>
           <a:srcRect b="0" l="0" r="0" t="86167"/>
@@ -11100,7 +12488,7 @@
       </p:pic>
       <p:grpSp>
         <p:nvGrpSpPr>
-          <p:cNvPr id="140" name="Google Shape;140;p17"/>
+          <p:cNvPr id="151" name="Google Shape;151;p18"/>
           <p:cNvGrpSpPr/>
           <p:nvPr/>
         </p:nvGrpSpPr>
@@ -11114,12 +12502,12 @@
         </p:grpSpPr>
         <p:pic>
           <p:nvPicPr>
-            <p:cNvPr id="141" name="Google Shape;141;p17"/>
+            <p:cNvPr id="152" name="Google Shape;152;p18"/>
             <p:cNvPicPr preferRelativeResize="0"/>
             <p:nvPr/>
           </p:nvPicPr>
           <p:blipFill>
-            <a:blip r:embed="rId7">
+            <a:blip r:embed="rId8">
               <a:alphaModFix/>
             </a:blip>
             <a:stretch>
@@ -11142,7 +12530,7 @@
         </p:pic>
         <p:sp>
           <p:nvSpPr>
-            <p:cNvPr id="142" name="Google Shape;142;p17"/>
+            <p:cNvPr id="153" name="Google Shape;153;p18"/>
             <p:cNvSpPr/>
             <p:nvPr/>
           </p:nvSpPr>
@@ -11189,7 +12577,7 @@
         </p:sp>
         <p:sp>
           <p:nvSpPr>
-            <p:cNvPr id="143" name="Google Shape;143;p17"/>
+            <p:cNvPr id="154" name="Google Shape;154;p18"/>
             <p:cNvSpPr txBox="1"/>
             <p:nvPr/>
           </p:nvSpPr>
@@ -11239,7 +12627,7 @@
         </p:sp>
         <p:cxnSp>
           <p:nvCxnSpPr>
-            <p:cNvPr id="144" name="Google Shape;144;p17"/>
+            <p:cNvPr id="155" name="Google Shape;155;p18"/>
             <p:cNvCxnSpPr/>
             <p:nvPr/>
           </p:nvCxnSpPr>
@@ -11266,7 +12654,7 @@
       </p:grpSp>
       <p:cxnSp>
         <p:nvCxnSpPr>
-          <p:cNvPr id="145" name="Google Shape;145;p17"/>
+          <p:cNvPr id="156" name="Google Shape;156;p18"/>
           <p:cNvCxnSpPr/>
           <p:nvPr/>
         </p:nvCxnSpPr>
@@ -11292,153 +12680,7 @@
       </p:cxnSp>
       <p:pic>
         <p:nvPicPr>
-          <p:cNvPr id="146" name="Google Shape;146;p17"/>
-          <p:cNvPicPr preferRelativeResize="0"/>
-          <p:nvPr/>
-        </p:nvPicPr>
-        <p:blipFill>
-          <a:blip r:embed="rId8">
-            <a:alphaModFix/>
-          </a:blip>
-          <a:stretch>
-            <a:fillRect/>
-          </a:stretch>
-        </p:blipFill>
-        <p:spPr>
-          <a:xfrm>
-            <a:off x="168200" y="2745125"/>
-            <a:ext cx="315975" cy="227800"/>
-          </a:xfrm>
-          <a:prstGeom prst="rect">
-            <a:avLst/>
-          </a:prstGeom>
-          <a:noFill/>
-          <a:ln>
-            <a:noFill/>
-          </a:ln>
-        </p:spPr>
-      </p:pic>
-      <p:sp>
-        <p:nvSpPr>
-          <p:cNvPr id="147" name="Google Shape;147;p17"/>
-          <p:cNvSpPr txBox="1"/>
-          <p:nvPr/>
-        </p:nvSpPr>
-        <p:spPr>
-          <a:xfrm>
-            <a:off x="1306300" y="4229700"/>
-            <a:ext cx="1830300" cy="400200"/>
-          </a:xfrm>
-          <a:prstGeom prst="rect">
-            <a:avLst/>
-          </a:prstGeom>
-          <a:noFill/>
-          <a:ln>
-            <a:noFill/>
-          </a:ln>
-        </p:spPr>
-        <p:txBody>
-          <a:bodyPr anchorCtr="0" anchor="t" bIns="91425" lIns="91425" spcFirstLastPara="1" rIns="91425" wrap="square" tIns="91425">
-            <a:spAutoFit/>
-          </a:bodyPr>
-          <a:lstStyle/>
-          <a:p>
-            <a:pPr indent="0" lvl="0" marL="0" rtl="0" algn="l">
-              <a:spcBef>
-                <a:spcPts val="0"/>
-              </a:spcBef>
-              <a:spcAft>
-                <a:spcPts val="0"/>
-              </a:spcAft>
-              <a:buNone/>
-            </a:pPr>
-            <a:r>
-              <a:rPr lang="en"/>
-              <a:t>Initially the same</a:t>
-            </a:r>
-            <a:endParaRPr/>
-          </a:p>
-        </p:txBody>
-      </p:sp>
-      <p:sp>
-        <p:nvSpPr>
-          <p:cNvPr id="148" name="Google Shape;148;p17"/>
-          <p:cNvSpPr txBox="1"/>
-          <p:nvPr/>
-        </p:nvSpPr>
-        <p:spPr>
-          <a:xfrm>
-            <a:off x="1467025" y="2755575"/>
-            <a:ext cx="1830300" cy="400200"/>
-          </a:xfrm>
-          <a:prstGeom prst="rect">
-            <a:avLst/>
-          </a:prstGeom>
-          <a:noFill/>
-          <a:ln>
-            <a:noFill/>
-          </a:ln>
-        </p:spPr>
-        <p:txBody>
-          <a:bodyPr anchorCtr="0" anchor="t" bIns="91425" lIns="91425" spcFirstLastPara="1" rIns="91425" wrap="square" tIns="91425">
-            <a:spAutoFit/>
-          </a:bodyPr>
-          <a:lstStyle/>
-          <a:p>
-            <a:pPr indent="0" lvl="0" marL="0" rtl="0" algn="l">
-              <a:spcBef>
-                <a:spcPts val="0"/>
-              </a:spcBef>
-              <a:spcAft>
-                <a:spcPts val="0"/>
-              </a:spcAft>
-              <a:buNone/>
-            </a:pPr>
-            <a:r>
-              <a:rPr lang="en">
-                <a:solidFill>
-                  <a:srgbClr val="CC0000"/>
-                </a:solidFill>
-              </a:rPr>
-              <a:t>Very different!</a:t>
-            </a:r>
-            <a:endParaRPr>
-              <a:solidFill>
-                <a:srgbClr val="CC0000"/>
-              </a:solidFill>
-            </a:endParaRPr>
-          </a:p>
-        </p:txBody>
-      </p:sp>
-      <p:cxnSp>
-        <p:nvCxnSpPr>
-          <p:cNvPr id="149" name="Google Shape;149;p17"/>
-          <p:cNvCxnSpPr/>
-          <p:nvPr/>
-        </p:nvCxnSpPr>
-        <p:spPr>
-          <a:xfrm flipH="1" rot="10800000">
-            <a:off x="6795918" y="4344741"/>
-            <a:ext cx="544500" cy="138000"/>
-          </a:xfrm>
-          <a:prstGeom prst="straightConnector1">
-            <a:avLst/>
-          </a:prstGeom>
-          <a:noFill/>
-          <a:ln cap="flat" cmpd="sng" w="38100">
-            <a:solidFill>
-              <a:schemeClr val="dk1"/>
-            </a:solidFill>
-            <a:prstDash val="solid"/>
-            <a:round/>
-            <a:headEnd len="med" w="med" type="none"/>
-            <a:tailEnd len="med" w="med" type="triangle"/>
-          </a:ln>
-        </p:spPr>
-      </p:cxnSp>
-      <p:pic>
-        <p:nvPicPr>
-          <p:cNvPr id="150" name="Google Shape;150;p17"/>
+          <p:cNvPr id="157" name="Google Shape;157;p18"/>
           <p:cNvPicPr preferRelativeResize="0"/>
           <p:nvPr/>
         </p:nvPicPr>
@@ -11452,8 +12694,8 @@
         </p:blipFill>
         <p:spPr>
           <a:xfrm>
-            <a:off x="5071325" y="3585225"/>
-            <a:ext cx="2016000" cy="273603"/>
+            <a:off x="168200" y="2745125"/>
+            <a:ext cx="315975" cy="227800"/>
           </a:xfrm>
           <a:prstGeom prst="rect">
             <a:avLst/>
@@ -11464,6 +12706,192 @@
           </a:ln>
         </p:spPr>
       </p:pic>
+      <p:sp>
+        <p:nvSpPr>
+          <p:cNvPr id="158" name="Google Shape;158;p18"/>
+          <p:cNvSpPr txBox="1"/>
+          <p:nvPr/>
+        </p:nvSpPr>
+        <p:spPr>
+          <a:xfrm>
+            <a:off x="1306300" y="4229700"/>
+            <a:ext cx="1830300" cy="400200"/>
+          </a:xfrm>
+          <a:prstGeom prst="rect">
+            <a:avLst/>
+          </a:prstGeom>
+          <a:noFill/>
+          <a:ln>
+            <a:noFill/>
+          </a:ln>
+        </p:spPr>
+        <p:txBody>
+          <a:bodyPr anchorCtr="0" anchor="t" bIns="91425" lIns="91425" spcFirstLastPara="1" rIns="91425" wrap="square" tIns="91425">
+            <a:spAutoFit/>
+          </a:bodyPr>
+          <a:lstStyle/>
+          <a:p>
+            <a:pPr indent="0" lvl="0" marL="0" rtl="0" algn="l">
+              <a:spcBef>
+                <a:spcPts val="0"/>
+              </a:spcBef>
+              <a:spcAft>
+                <a:spcPts val="0"/>
+              </a:spcAft>
+              <a:buNone/>
+            </a:pPr>
+            <a:r>
+              <a:rPr lang="en"/>
+              <a:t>Initially the same</a:t>
+            </a:r>
+            <a:endParaRPr/>
+          </a:p>
+        </p:txBody>
+      </p:sp>
+      <p:sp>
+        <p:nvSpPr>
+          <p:cNvPr id="159" name="Google Shape;159;p18"/>
+          <p:cNvSpPr txBox="1"/>
+          <p:nvPr/>
+        </p:nvSpPr>
+        <p:spPr>
+          <a:xfrm>
+            <a:off x="1467025" y="2755575"/>
+            <a:ext cx="1830300" cy="400200"/>
+          </a:xfrm>
+          <a:prstGeom prst="rect">
+            <a:avLst/>
+          </a:prstGeom>
+          <a:noFill/>
+          <a:ln>
+            <a:noFill/>
+          </a:ln>
+        </p:spPr>
+        <p:txBody>
+          <a:bodyPr anchorCtr="0" anchor="t" bIns="91425" lIns="91425" spcFirstLastPara="1" rIns="91425" wrap="square" tIns="91425">
+            <a:spAutoFit/>
+          </a:bodyPr>
+          <a:lstStyle/>
+          <a:p>
+            <a:pPr indent="0" lvl="0" marL="0" rtl="0" algn="l">
+              <a:spcBef>
+                <a:spcPts val="0"/>
+              </a:spcBef>
+              <a:spcAft>
+                <a:spcPts val="0"/>
+              </a:spcAft>
+              <a:buNone/>
+            </a:pPr>
+            <a:r>
+              <a:rPr lang="en">
+                <a:solidFill>
+                  <a:srgbClr val="CC0000"/>
+                </a:solidFill>
+              </a:rPr>
+              <a:t>Very different!</a:t>
+            </a:r>
+            <a:endParaRPr>
+              <a:solidFill>
+                <a:srgbClr val="CC0000"/>
+              </a:solidFill>
+            </a:endParaRPr>
+          </a:p>
+        </p:txBody>
+      </p:sp>
+      <p:cxnSp>
+        <p:nvCxnSpPr>
+          <p:cNvPr id="160" name="Google Shape;160;p18"/>
+          <p:cNvCxnSpPr/>
+          <p:nvPr/>
+        </p:nvCxnSpPr>
+        <p:spPr>
+          <a:xfrm flipH="1" rot="10800000">
+            <a:off x="6795918" y="4344741"/>
+            <a:ext cx="544500" cy="138000"/>
+          </a:xfrm>
+          <a:prstGeom prst="straightConnector1">
+            <a:avLst/>
+          </a:prstGeom>
+          <a:noFill/>
+          <a:ln cap="flat" cmpd="sng" w="38100">
+            <a:solidFill>
+              <a:schemeClr val="dk1"/>
+            </a:solidFill>
+            <a:prstDash val="solid"/>
+            <a:round/>
+            <a:headEnd len="med" w="med" type="none"/>
+            <a:tailEnd len="med" w="med" type="triangle"/>
+          </a:ln>
+        </p:spPr>
+      </p:cxnSp>
+      <p:pic>
+        <p:nvPicPr>
+          <p:cNvPr id="161" name="Google Shape;161;p18"/>
+          <p:cNvPicPr preferRelativeResize="0"/>
+          <p:nvPr/>
+        </p:nvPicPr>
+        <p:blipFill>
+          <a:blip r:embed="rId10">
+            <a:alphaModFix/>
+          </a:blip>
+          <a:stretch>
+            <a:fillRect/>
+          </a:stretch>
+        </p:blipFill>
+        <p:spPr>
+          <a:xfrm>
+            <a:off x="5071325" y="3585225"/>
+            <a:ext cx="2016000" cy="273603"/>
+          </a:xfrm>
+          <a:prstGeom prst="rect">
+            <a:avLst/>
+          </a:prstGeom>
+          <a:noFill/>
+          <a:ln>
+            <a:noFill/>
+          </a:ln>
+        </p:spPr>
+      </p:pic>
+      <p:sp>
+        <p:nvSpPr>
+          <p:cNvPr id="162" name="Google Shape;162;p18"/>
+          <p:cNvSpPr txBox="1"/>
+          <p:nvPr>
+            <p:ph idx="12" type="sldNum"/>
+          </p:nvPr>
+        </p:nvSpPr>
+        <p:spPr>
+          <a:xfrm>
+            <a:off x="8472458" y="4663217"/>
+            <a:ext cx="548700" cy="393600"/>
+          </a:xfrm>
+          <a:prstGeom prst="rect">
+            <a:avLst/>
+          </a:prstGeom>
+        </p:spPr>
+        <p:txBody>
+          <a:bodyPr anchorCtr="0" anchor="ctr" bIns="91425" lIns="91425" spcFirstLastPara="1" rIns="91425" wrap="square" tIns="91425">
+            <a:normAutofit/>
+          </a:bodyPr>
+          <a:lstStyle/>
+          <a:p>
+            <a:pPr indent="0" lvl="0" marL="0" rtl="0" algn="r">
+              <a:spcBef>
+                <a:spcPts val="0"/>
+              </a:spcBef>
+              <a:spcAft>
+                <a:spcPts val="0"/>
+              </a:spcAft>
+              <a:buNone/>
+            </a:pPr>
+            <a:fld id="{00000000-1234-1234-1234-123412341234}" type="slidenum">
+              <a:rPr lang="en"/>
+              <a:t>‹#›</a:t>
+            </a:fld>
+            <a:endParaRPr/>
+          </a:p>
+        </p:txBody>
+      </p:sp>
     </p:spTree>
   </p:cSld>
   <p:clrMapOvr>
@@ -11472,12 +12900,12 @@
 </p:sld>
 </file>
 
-<file path=ppt/slides/slide6.xml><?xml version="1.0" encoding="utf-8"?>
+<file path=ppt/slides/slide7.xml><?xml version="1.0" encoding="utf-8"?>
 <p:sld xmlns:a="http://schemas.openxmlformats.org/drawingml/2006/main" xmlns:r="http://schemas.openxmlformats.org/officeDocument/2006/relationships" xmlns:mc="http://schemas.openxmlformats.org/markup-compatibility/2006" xmlns:mv="urn:schemas-microsoft-com:mac:vml" xmlns:p="http://schemas.openxmlformats.org/presentationml/2006/main" xmlns:c="http://schemas.openxmlformats.org/drawingml/2006/chart" xmlns:dgm="http://schemas.openxmlformats.org/drawingml/2006/diagram" xmlns:o="urn:schemas-microsoft-com:office:office" xmlns:v="urn:schemas-microsoft-com:vml" xmlns:pvml="urn:schemas-microsoft-com:office:powerpoint" xmlns:com="http://schemas.openxmlformats.org/drawingml/2006/compatibility" xmlns:p14="http://schemas.microsoft.com/office/powerpoint/2010/main" xmlns:p15="http://schemas.microsoft.com/office/powerpoint/2012/main" xmlns:ahyp="http://schemas.microsoft.com/office/drawing/2018/hyperlinkcolor">
   <p:cSld>
     <p:spTree>
       <p:nvGrpSpPr>
-        <p:cNvPr id="154" name="Shape 154"/>
+        <p:cNvPr id="166" name="Shape 166"/>
         <p:cNvGrpSpPr/>
         <p:nvPr/>
       </p:nvGrpSpPr>
@@ -11491,7 +12919,7 @@
       </p:grpSpPr>
       <p:sp>
         <p:nvSpPr>
-          <p:cNvPr id="155" name="Google Shape;155;p18"/>
+          <p:cNvPr id="167" name="Google Shape;167;p19"/>
           <p:cNvSpPr txBox="1"/>
           <p:nvPr>
             <p:ph type="title"/>
@@ -11547,7 +12975,7 @@
       </p:sp>
       <p:sp>
         <p:nvSpPr>
-          <p:cNvPr id="156" name="Google Shape;156;p18"/>
+          <p:cNvPr id="168" name="Google Shape;168;p19"/>
           <p:cNvSpPr txBox="1"/>
           <p:nvPr>
             <p:ph idx="1" type="body"/>
@@ -11587,7 +13015,7 @@
       </p:sp>
       <p:pic>
         <p:nvPicPr>
-          <p:cNvPr id="157" name="Google Shape;157;p18"/>
+          <p:cNvPr id="169" name="Google Shape;169;p19"/>
           <p:cNvPicPr preferRelativeResize="0"/>
           <p:nvPr/>
         </p:nvPicPr>
@@ -11614,7 +13042,7 @@
       </p:pic>
       <p:sp>
         <p:nvSpPr>
-          <p:cNvPr id="158" name="Google Shape;158;p18"/>
+          <p:cNvPr id="170" name="Google Shape;170;p19"/>
           <p:cNvSpPr/>
           <p:nvPr/>
         </p:nvSpPr>
@@ -11661,7 +13089,7 @@
       </p:sp>
       <p:sp>
         <p:nvSpPr>
-          <p:cNvPr id="159" name="Google Shape;159;p18"/>
+          <p:cNvPr id="171" name="Google Shape;171;p19"/>
           <p:cNvSpPr txBox="1"/>
           <p:nvPr/>
         </p:nvSpPr>
@@ -11711,7 +13139,7 @@
       </p:sp>
       <p:pic>
         <p:nvPicPr>
-          <p:cNvPr id="160" name="Google Shape;160;p18"/>
+          <p:cNvPr id="172" name="Google Shape;172;p19"/>
           <p:cNvPicPr preferRelativeResize="0"/>
           <p:nvPr/>
         </p:nvPicPr>
@@ -11739,7 +13167,7 @@
       </p:pic>
       <p:pic>
         <p:nvPicPr>
-          <p:cNvPr id="161" name="Google Shape;161;p18"/>
+          <p:cNvPr id="173" name="Google Shape;173;p19"/>
           <p:cNvPicPr preferRelativeResize="0"/>
           <p:nvPr/>
         </p:nvPicPr>
@@ -11767,7 +13195,7 @@
       </p:pic>
       <p:grpSp>
         <p:nvGrpSpPr>
-          <p:cNvPr id="162" name="Google Shape;162;p18"/>
+          <p:cNvPr id="174" name="Google Shape;174;p19"/>
           <p:cNvGrpSpPr/>
           <p:nvPr/>
         </p:nvGrpSpPr>
@@ -11781,7 +13209,7 @@
         </p:grpSpPr>
         <p:pic>
           <p:nvPicPr>
-            <p:cNvPr id="163" name="Google Shape;163;p18"/>
+            <p:cNvPr id="175" name="Google Shape;175;p19"/>
             <p:cNvPicPr preferRelativeResize="0"/>
             <p:nvPr/>
           </p:nvPicPr>
@@ -11809,7 +13237,7 @@
         </p:pic>
         <p:sp>
           <p:nvSpPr>
-            <p:cNvPr id="164" name="Google Shape;164;p18"/>
+            <p:cNvPr id="176" name="Google Shape;176;p19"/>
             <p:cNvSpPr/>
             <p:nvPr/>
           </p:nvSpPr>
@@ -11857,7 +13285,7 @@
       </p:grpSp>
       <p:sp>
         <p:nvSpPr>
-          <p:cNvPr id="165" name="Google Shape;165;p18"/>
+          <p:cNvPr id="177" name="Google Shape;177;p19"/>
           <p:cNvSpPr txBox="1"/>
           <p:nvPr>
             <p:ph idx="1" type="body"/>
@@ -11897,7 +13325,7 @@
       </p:sp>
       <p:sp>
         <p:nvSpPr>
-          <p:cNvPr id="166" name="Google Shape;166;p18"/>
+          <p:cNvPr id="178" name="Google Shape;178;p19"/>
           <p:cNvSpPr/>
           <p:nvPr/>
         </p:nvSpPr>
@@ -11944,7 +13372,7 @@
       </p:sp>
       <p:sp>
         <p:nvSpPr>
-          <p:cNvPr id="167" name="Google Shape;167;p18"/>
+          <p:cNvPr id="179" name="Google Shape;179;p19"/>
           <p:cNvSpPr txBox="1"/>
           <p:nvPr/>
         </p:nvSpPr>
@@ -11986,9 +13414,9 @@
       </p:sp>
       <p:cxnSp>
         <p:nvCxnSpPr>
-          <p:cNvPr id="168" name="Google Shape;168;p18"/>
+          <p:cNvPr id="180" name="Google Shape;180;p19"/>
           <p:cNvCxnSpPr>
-            <a:endCxn id="164" idx="6"/>
+            <a:endCxn id="176" idx="6"/>
           </p:cNvCxnSpPr>
           <p:nvPr/>
         </p:nvCxnSpPr>
@@ -12014,14 +13442,54 @@
       </p:cxnSp>
       <p:sp>
         <p:nvSpPr>
-          <p:cNvPr id="169" name="Google Shape;169;p18"/>
+          <p:cNvPr id="181" name="Google Shape;181;p19"/>
+          <p:cNvSpPr txBox="1"/>
+          <p:nvPr>
+            <p:ph idx="12" type="sldNum"/>
+          </p:nvPr>
+        </p:nvSpPr>
+        <p:spPr>
+          <a:xfrm>
+            <a:off x="8472458" y="4663217"/>
+            <a:ext cx="548700" cy="393600"/>
+          </a:xfrm>
+          <a:prstGeom prst="rect">
+            <a:avLst/>
+          </a:prstGeom>
+        </p:spPr>
+        <p:txBody>
+          <a:bodyPr anchorCtr="0" anchor="ctr" bIns="91425" lIns="91425" spcFirstLastPara="1" rIns="91425" wrap="square" tIns="91425">
+            <a:normAutofit/>
+          </a:bodyPr>
+          <a:lstStyle/>
+          <a:p>
+            <a:pPr indent="0" lvl="0" marL="0" rtl="0" algn="r">
+              <a:spcBef>
+                <a:spcPts val="0"/>
+              </a:spcBef>
+              <a:spcAft>
+                <a:spcPts val="0"/>
+              </a:spcAft>
+              <a:buNone/>
+            </a:pPr>
+            <a:fld id="{00000000-1234-1234-1234-123412341234}" type="slidenum">
+              <a:rPr lang="en"/>
+              <a:t>‹#›</a:t>
+            </a:fld>
+            <a:endParaRPr/>
+          </a:p>
+        </p:txBody>
+      </p:sp>
+      <p:sp>
+        <p:nvSpPr>
+          <p:cNvPr id="182" name="Google Shape;182;p19"/>
           <p:cNvSpPr txBox="1"/>
           <p:nvPr/>
         </p:nvSpPr>
         <p:spPr>
           <a:xfrm>
-            <a:off x="6329975" y="84725"/>
-            <a:ext cx="2989800" cy="400200"/>
+            <a:off x="7087325" y="99950"/>
+            <a:ext cx="1745100" cy="400200"/>
           </a:xfrm>
           <a:prstGeom prst="rect">
             <a:avLst/>
@@ -12048,466 +13516,21 @@
             </a:pPr>
             <a:r>
               <a:rPr lang="en"/>
-              <a:t>Ref: add notebook link here</a:t>
+              <a:t>Ref: </a:t>
+            </a:r>
+            <a:r>
+              <a:rPr lang="en" u="sng">
+                <a:solidFill>
+                  <a:schemeClr val="hlink"/>
+                </a:solidFill>
+                <a:hlinkClick r:id="rId7"/>
+              </a:rPr>
+              <a:t>notebook link</a:t>
             </a:r>
             <a:endParaRPr/>
           </a:p>
         </p:txBody>
       </p:sp>
-    </p:spTree>
-  </p:cSld>
-  <p:clrMapOvr>
-    <a:masterClrMapping/>
-  </p:clrMapOvr>
-</p:sld>
-</file>
-
-<file path=ppt/slides/slide7.xml><?xml version="1.0" encoding="utf-8"?>
-<p:sld xmlns:a="http://schemas.openxmlformats.org/drawingml/2006/main" xmlns:r="http://schemas.openxmlformats.org/officeDocument/2006/relationships" xmlns:mc="http://schemas.openxmlformats.org/markup-compatibility/2006" xmlns:mv="urn:schemas-microsoft-com:mac:vml" xmlns:p="http://schemas.openxmlformats.org/presentationml/2006/main" xmlns:c="http://schemas.openxmlformats.org/drawingml/2006/chart" xmlns:dgm="http://schemas.openxmlformats.org/drawingml/2006/diagram" xmlns:o="urn:schemas-microsoft-com:office:office" xmlns:v="urn:schemas-microsoft-com:vml" xmlns:pvml="urn:schemas-microsoft-com:office:powerpoint" xmlns:com="http://schemas.openxmlformats.org/drawingml/2006/compatibility" xmlns:p14="http://schemas.microsoft.com/office/powerpoint/2010/main" xmlns:p15="http://schemas.microsoft.com/office/powerpoint/2012/main" xmlns:ahyp="http://schemas.microsoft.com/office/drawing/2018/hyperlinkcolor">
-  <p:cSld>
-    <p:spTree>
-      <p:nvGrpSpPr>
-        <p:cNvPr id="173" name="Shape 173"/>
-        <p:cNvGrpSpPr/>
-        <p:nvPr/>
-      </p:nvGrpSpPr>
-      <p:grpSpPr>
-        <a:xfrm>
-          <a:off x="0" y="0"/>
-          <a:ext cx="0" cy="0"/>
-          <a:chOff x="0" y="0"/>
-          <a:chExt cx="0" cy="0"/>
-        </a:xfrm>
-      </p:grpSpPr>
-      <p:sp>
-        <p:nvSpPr>
-          <p:cNvPr id="174" name="Google Shape;174;p19"/>
-          <p:cNvSpPr txBox="1"/>
-          <p:nvPr>
-            <p:ph type="title"/>
-          </p:nvPr>
-        </p:nvSpPr>
-        <p:spPr>
-          <a:xfrm>
-            <a:off x="311700" y="445025"/>
-            <a:ext cx="8520600" cy="572700"/>
-          </a:xfrm>
-          <a:prstGeom prst="rect">
-            <a:avLst/>
-          </a:prstGeom>
-        </p:spPr>
-        <p:txBody>
-          <a:bodyPr anchorCtr="0" anchor="t" bIns="91425" lIns="91425" spcFirstLastPara="1" rIns="91425" wrap="square" tIns="91425">
-            <a:normAutofit fontScale="90000"/>
-          </a:bodyPr>
-          <a:lstStyle/>
-          <a:p>
-            <a:pPr indent="0" lvl="0" marL="0" rtl="0" algn="l">
-              <a:spcBef>
-                <a:spcPts val="0"/>
-              </a:spcBef>
-              <a:spcAft>
-                <a:spcPts val="0"/>
-              </a:spcAft>
-              <a:buNone/>
-            </a:pPr>
-            <a:r>
-              <a:rPr lang="en"/>
-              <a:t>Comparison</a:t>
-            </a:r>
-            <a:r>
-              <a:rPr lang="en"/>
-              <a:t> (QEK with pennylane)</a:t>
-            </a:r>
-            <a:endParaRPr/>
-          </a:p>
-          <a:p>
-            <a:pPr indent="0" lvl="0" marL="0" rtl="0" algn="l">
-              <a:spcBef>
-                <a:spcPts val="0"/>
-              </a:spcBef>
-              <a:spcAft>
-                <a:spcPts val="0"/>
-              </a:spcAft>
-              <a:buNone/>
-            </a:pPr>
-            <a:r>
-              <a:t/>
-            </a:r>
-            <a:endParaRPr/>
-          </a:p>
-        </p:txBody>
-      </p:sp>
-      <p:sp>
-        <p:nvSpPr>
-          <p:cNvPr id="175" name="Google Shape;175;p19"/>
-          <p:cNvSpPr txBox="1"/>
-          <p:nvPr>
-            <p:ph idx="1" type="body"/>
-          </p:nvPr>
-        </p:nvSpPr>
-        <p:spPr>
-          <a:xfrm>
-            <a:off x="311700" y="1152475"/>
-            <a:ext cx="5801100" cy="937800"/>
-          </a:xfrm>
-          <a:prstGeom prst="rect">
-            <a:avLst/>
-          </a:prstGeom>
-        </p:spPr>
-        <p:txBody>
-          <a:bodyPr anchorCtr="0" anchor="t" bIns="91425" lIns="91425" spcFirstLastPara="1" rIns="91425" wrap="square" tIns="91425">
-            <a:normAutofit fontScale="70000" lnSpcReduction="10000"/>
-          </a:bodyPr>
-          <a:lstStyle/>
-          <a:p>
-            <a:pPr indent="0" lvl="0" marL="0" rtl="0" algn="l">
-              <a:spcBef>
-                <a:spcPts val="0"/>
-              </a:spcBef>
-              <a:spcAft>
-                <a:spcPts val="0"/>
-              </a:spcAft>
-              <a:buNone/>
-            </a:pPr>
-            <a:r>
-              <a:rPr lang="en"/>
-              <a:t>Trotterization of hamilotonian with interaction </a:t>
-            </a:r>
-            <a:r>
-              <a:rPr i="1" lang="en"/>
-              <a:t>connected by edges</a:t>
-            </a:r>
-            <a:r>
-              <a:rPr lang="en"/>
-              <a:t>  </a:t>
-            </a:r>
-            <a:endParaRPr/>
-          </a:p>
-          <a:p>
-            <a:pPr indent="0" lvl="0" marL="0" rtl="0" algn="l">
-              <a:spcBef>
-                <a:spcPts val="1200"/>
-              </a:spcBef>
-              <a:spcAft>
-                <a:spcPts val="1200"/>
-              </a:spcAft>
-              <a:buNone/>
-            </a:pPr>
-            <a:r>
-              <a:rPr b="1" lang="en"/>
-              <a:t>Suggest long range interactions are important! </a:t>
-            </a:r>
-            <a:r>
-              <a:rPr lang="en"/>
-              <a:t>(decaying with distance 1/r^6)</a:t>
-            </a:r>
-            <a:endParaRPr/>
-          </a:p>
-        </p:txBody>
-      </p:sp>
-      <p:pic>
-        <p:nvPicPr>
-          <p:cNvPr id="176" name="Google Shape;176;p19"/>
-          <p:cNvPicPr preferRelativeResize="0"/>
-          <p:nvPr/>
-        </p:nvPicPr>
-        <p:blipFill>
-          <a:blip r:embed="rId3">
-            <a:alphaModFix/>
-          </a:blip>
-          <a:stretch>
-            <a:fillRect/>
-          </a:stretch>
-        </p:blipFill>
-        <p:spPr>
-          <a:xfrm>
-            <a:off x="5866225" y="445024"/>
-            <a:ext cx="3444626" cy="2604375"/>
-          </a:xfrm>
-          <a:prstGeom prst="rect">
-            <a:avLst/>
-          </a:prstGeom>
-          <a:noFill/>
-          <a:ln>
-            <a:noFill/>
-          </a:ln>
-        </p:spPr>
-      </p:pic>
-      <p:pic>
-        <p:nvPicPr>
-          <p:cNvPr id="177" name="Google Shape;177;p19"/>
-          <p:cNvPicPr preferRelativeResize="0"/>
-          <p:nvPr/>
-        </p:nvPicPr>
-        <p:blipFill>
-          <a:blip r:embed="rId4">
-            <a:alphaModFix/>
-          </a:blip>
-          <a:stretch>
-            <a:fillRect/>
-          </a:stretch>
-        </p:blipFill>
-        <p:spPr>
-          <a:xfrm>
-            <a:off x="146440" y="2090275"/>
-            <a:ext cx="5306786" cy="3214374"/>
-          </a:xfrm>
-          <a:prstGeom prst="rect">
-            <a:avLst/>
-          </a:prstGeom>
-          <a:noFill/>
-          <a:ln>
-            <a:noFill/>
-          </a:ln>
-        </p:spPr>
-      </p:pic>
-      <p:cxnSp>
-        <p:nvCxnSpPr>
-          <p:cNvPr id="178" name="Google Shape;178;p19"/>
-          <p:cNvCxnSpPr/>
-          <p:nvPr/>
-        </p:nvCxnSpPr>
-        <p:spPr>
-          <a:xfrm>
-            <a:off x="5085825" y="1372100"/>
-            <a:ext cx="826800" cy="117000"/>
-          </a:xfrm>
-          <a:prstGeom prst="straightConnector1">
-            <a:avLst/>
-          </a:prstGeom>
-          <a:noFill/>
-          <a:ln cap="flat" cmpd="sng" w="9525">
-            <a:solidFill>
-              <a:schemeClr val="dk2"/>
-            </a:solidFill>
-            <a:prstDash val="solid"/>
-            <a:round/>
-            <a:headEnd len="med" w="med" type="none"/>
-            <a:tailEnd len="med" w="med" type="triangle"/>
-          </a:ln>
-        </p:spPr>
-      </p:cxnSp>
-      <p:pic>
-        <p:nvPicPr>
-          <p:cNvPr id="179" name="Google Shape;179;p19"/>
-          <p:cNvPicPr preferRelativeResize="0"/>
-          <p:nvPr/>
-        </p:nvPicPr>
-        <p:blipFill>
-          <a:blip r:embed="rId5">
-            <a:alphaModFix/>
-          </a:blip>
-          <a:stretch>
-            <a:fillRect/>
-          </a:stretch>
-        </p:blipFill>
-        <p:spPr>
-          <a:xfrm>
-            <a:off x="5814350" y="1526074"/>
-            <a:ext cx="695325" cy="352425"/>
-          </a:xfrm>
-          <a:prstGeom prst="rect">
-            <a:avLst/>
-          </a:prstGeom>
-          <a:noFill/>
-          <a:ln>
-            <a:noFill/>
-          </a:ln>
-        </p:spPr>
-      </p:pic>
-      <p:sp>
-        <p:nvSpPr>
-          <p:cNvPr id="180" name="Google Shape;180;p19"/>
-          <p:cNvSpPr/>
-          <p:nvPr/>
-        </p:nvSpPr>
-        <p:spPr>
-          <a:xfrm>
-            <a:off x="194950" y="2090275"/>
-            <a:ext cx="615900" cy="701400"/>
-          </a:xfrm>
-          <a:prstGeom prst="ellipse">
-            <a:avLst/>
-          </a:prstGeom>
-          <a:noFill/>
-          <a:ln cap="flat" cmpd="sng" w="76200">
-            <a:solidFill>
-              <a:srgbClr val="CC0000"/>
-            </a:solidFill>
-            <a:prstDash val="solid"/>
-            <a:round/>
-            <a:headEnd len="sm" w="sm" type="none"/>
-            <a:tailEnd len="sm" w="sm" type="none"/>
-          </a:ln>
-        </p:spPr>
-        <p:txBody>
-          <a:bodyPr anchorCtr="0" anchor="ctr" bIns="91425" lIns="91425" spcFirstLastPara="1" rIns="91425" wrap="square" tIns="91425">
-            <a:noAutofit/>
-          </a:bodyPr>
-          <a:lstStyle/>
-          <a:p>
-            <a:pPr indent="0" lvl="0" marL="0" rtl="0" algn="l">
-              <a:spcBef>
-                <a:spcPts val="0"/>
-              </a:spcBef>
-              <a:spcAft>
-                <a:spcPts val="0"/>
-              </a:spcAft>
-              <a:buNone/>
-            </a:pPr>
-            <a:r>
-              <a:t/>
-            </a:r>
-            <a:endParaRPr/>
-          </a:p>
-        </p:txBody>
-      </p:sp>
-      <p:sp>
-        <p:nvSpPr>
-          <p:cNvPr id="181" name="Google Shape;181;p19"/>
-          <p:cNvSpPr txBox="1"/>
-          <p:nvPr>
-            <p:ph idx="1" type="body"/>
-          </p:nvPr>
-        </p:nvSpPr>
-        <p:spPr>
-          <a:xfrm>
-            <a:off x="1879500" y="2297950"/>
-            <a:ext cx="4392000" cy="902700"/>
-          </a:xfrm>
-          <a:prstGeom prst="rect">
-            <a:avLst/>
-          </a:prstGeom>
-        </p:spPr>
-        <p:txBody>
-          <a:bodyPr anchorCtr="0" anchor="t" bIns="91425" lIns="91425" spcFirstLastPara="1" rIns="91425" wrap="square" tIns="91425">
-            <a:normAutofit/>
-          </a:bodyPr>
-          <a:lstStyle/>
-          <a:p>
-            <a:pPr indent="0" lvl="0" marL="0" rtl="0" algn="l">
-              <a:spcBef>
-                <a:spcPts val="0"/>
-              </a:spcBef>
-              <a:spcAft>
-                <a:spcPts val="0"/>
-              </a:spcAft>
-              <a:buNone/>
-            </a:pPr>
-            <a:r>
-              <a:rPr lang="en" sz="1600"/>
-              <a:t>Do not find optimal t </a:t>
-            </a:r>
-            <a:endParaRPr sz="1600"/>
-          </a:p>
-          <a:p>
-            <a:pPr indent="0" lvl="0" marL="0" rtl="0" algn="l">
-              <a:spcBef>
-                <a:spcPts val="1200"/>
-              </a:spcBef>
-              <a:spcAft>
-                <a:spcPts val="1200"/>
-              </a:spcAft>
-              <a:buNone/>
-            </a:pPr>
-            <a:r>
-              <a:rPr lang="en" sz="1600"/>
-              <a:t>JS</a:t>
-            </a:r>
-            <a:r>
-              <a:rPr baseline="-25000" lang="en" sz="1600"/>
-              <a:t>max</a:t>
-            </a:r>
-            <a:r>
-              <a:rPr lang="en" sz="1600"/>
-              <a:t> ~ 0.03</a:t>
-            </a:r>
-            <a:endParaRPr sz="1600"/>
-          </a:p>
-        </p:txBody>
-      </p:sp>
-      <p:pic>
-        <p:nvPicPr>
-          <p:cNvPr id="182" name="Google Shape;182;p19"/>
-          <p:cNvPicPr preferRelativeResize="0"/>
-          <p:nvPr/>
-        </p:nvPicPr>
-        <p:blipFill rotWithShape="1">
-          <a:blip r:embed="rId6">
-            <a:alphaModFix/>
-          </a:blip>
-          <a:srcRect b="57940" l="0" r="0" t="28099"/>
-          <a:stretch/>
-        </p:blipFill>
-        <p:spPr>
-          <a:xfrm>
-            <a:off x="5680750" y="3141250"/>
-            <a:ext cx="2780781" cy="1879624"/>
-          </a:xfrm>
-          <a:prstGeom prst="rect">
-            <a:avLst/>
-          </a:prstGeom>
-          <a:noFill/>
-          <a:ln>
-            <a:noFill/>
-          </a:ln>
-        </p:spPr>
-      </p:pic>
-      <p:cxnSp>
-        <p:nvCxnSpPr>
-          <p:cNvPr id="183" name="Google Shape;183;p19"/>
-          <p:cNvCxnSpPr/>
-          <p:nvPr/>
-        </p:nvCxnSpPr>
-        <p:spPr>
-          <a:xfrm rot="10800000">
-            <a:off x="1086300" y="3510950"/>
-            <a:ext cx="5135100" cy="432900"/>
-          </a:xfrm>
-          <a:prstGeom prst="straightConnector1">
-            <a:avLst/>
-          </a:prstGeom>
-          <a:noFill/>
-          <a:ln cap="flat" cmpd="sng" w="38100">
-            <a:solidFill>
-              <a:schemeClr val="dk1"/>
-            </a:solidFill>
-            <a:prstDash val="solid"/>
-            <a:round/>
-            <a:headEnd len="med" w="med" type="none"/>
-            <a:tailEnd len="med" w="med" type="triangle"/>
-          </a:ln>
-        </p:spPr>
-      </p:cxnSp>
-      <p:pic>
-        <p:nvPicPr>
-          <p:cNvPr id="184" name="Google Shape;184;p19"/>
-          <p:cNvPicPr preferRelativeResize="0"/>
-          <p:nvPr/>
-        </p:nvPicPr>
-        <p:blipFill>
-          <a:blip r:embed="rId7">
-            <a:alphaModFix/>
-          </a:blip>
-          <a:stretch>
-            <a:fillRect/>
-          </a:stretch>
-        </p:blipFill>
-        <p:spPr>
-          <a:xfrm>
-            <a:off x="7208000" y="487025"/>
-            <a:ext cx="771200" cy="390900"/>
-          </a:xfrm>
-          <a:prstGeom prst="rect">
-            <a:avLst/>
-          </a:prstGeom>
-          <a:noFill/>
-          <a:ln>
-            <a:noFill/>
-          </a:ln>
-        </p:spPr>
-      </p:pic>
     </p:spTree>
   </p:cSld>
   <p:clrMapOvr>
@@ -12521,7 +13544,7 @@
   <p:cSld>
     <p:spTree>
       <p:nvGrpSpPr>
-        <p:cNvPr id="188" name="Shape 188"/>
+        <p:cNvPr id="186" name="Shape 186"/>
         <p:cNvGrpSpPr/>
         <p:nvPr/>
       </p:nvGrpSpPr>
@@ -12535,7 +13558,7 @@
       </p:grpSpPr>
       <p:sp>
         <p:nvSpPr>
-          <p:cNvPr id="189" name="Google Shape;189;p20"/>
+          <p:cNvPr id="187" name="Google Shape;187;p20"/>
           <p:cNvSpPr txBox="1"/>
           <p:nvPr>
             <p:ph type="title"/>
@@ -12563,24 +13586,38 @@
               <a:spcAft>
                 <a:spcPts val="0"/>
               </a:spcAft>
-              <a:buClr>
-                <a:schemeClr val="dk1"/>
-              </a:buClr>
-              <a:buSzPct val="39285"/>
-              <a:buFont typeface="Arial"/>
               <a:buNone/>
             </a:pPr>
             <a:r>
               <a:rPr lang="en"/>
-              <a:t>Preliminary results on PTC dataset</a:t>
+              <a:t>Comparison</a:t>
+            </a:r>
+            <a:r>
+              <a:rPr lang="en"/>
+              <a:t> (QEK with pennylane)</a:t>
             </a:r>
             <a:endParaRPr/>
           </a:p>
+          <a:p>
+            <a:pPr indent="0" lvl="0" marL="0" rtl="0" algn="l">
+              <a:spcBef>
+                <a:spcPts val="0"/>
+              </a:spcBef>
+              <a:spcAft>
+                <a:spcPts val="0"/>
+              </a:spcAft>
+              <a:buNone/>
+            </a:pPr>
+            <a:r>
+              <a:t/>
+            </a:r>
+            <a:endParaRPr/>
+          </a:p>
         </p:txBody>
       </p:sp>
       <p:sp>
         <p:nvSpPr>
-          <p:cNvPr id="190" name="Google Shape;190;p20"/>
+          <p:cNvPr id="188" name="Google Shape;188;p20"/>
           <p:cNvSpPr txBox="1"/>
           <p:nvPr>
             <p:ph idx="1" type="body"/>
@@ -12588,8 +13625,8 @@
         </p:nvSpPr>
         <p:spPr>
           <a:xfrm>
-            <a:off x="1455625" y="1216800"/>
-            <a:ext cx="3630300" cy="510300"/>
+            <a:off x="311700" y="1152475"/>
+            <a:ext cx="5801100" cy="937800"/>
           </a:xfrm>
           <a:prstGeom prst="rect">
             <a:avLst/>
@@ -12597,7 +13634,7 @@
         </p:spPr>
         <p:txBody>
           <a:bodyPr anchorCtr="0" anchor="t" bIns="91425" lIns="91425" spcFirstLastPara="1" rIns="91425" wrap="square" tIns="91425">
-            <a:normAutofit/>
+            <a:normAutofit fontScale="70000" lnSpcReduction="10000"/>
           </a:bodyPr>
           <a:lstStyle/>
           <a:p>
@@ -12606,12 +13643,41 @@
                 <a:spcPts val="0"/>
               </a:spcBef>
               <a:spcAft>
+                <a:spcPts val="0"/>
+              </a:spcAft>
+              <a:buNone/>
+            </a:pPr>
+            <a:r>
+              <a:rPr lang="en"/>
+              <a:t>Trotterization of hamilotonian with interaction </a:t>
+            </a:r>
+            <a:r>
+              <a:rPr i="1" lang="en"/>
+              <a:t>connected by edges</a:t>
+            </a:r>
+            <a:r>
+              <a:rPr lang="en"/>
+              <a:t>  </a:t>
+            </a:r>
+            <a:endParaRPr/>
+          </a:p>
+          <a:p>
+            <a:pPr indent="0" lvl="0" marL="0" rtl="0" algn="l">
+              <a:spcBef>
                 <a:spcPts val="1200"/>
-              </a:spcAft>
-              <a:buNone/>
-            </a:pPr>
-            <a:r>
-              <a:t/>
+              </a:spcBef>
+              <a:spcAft>
+                <a:spcPts val="1200"/>
+              </a:spcAft>
+              <a:buNone/>
+            </a:pPr>
+            <a:r>
+              <a:rPr b="1" lang="en"/>
+              <a:t>Suggest long range interactions are important! </a:t>
+            </a:r>
+            <a:r>
+              <a:rPr lang="en"/>
+              <a:t>(decaying with distance 1/r^6)</a:t>
             </a:r>
             <a:endParaRPr/>
           </a:p>
@@ -12619,7 +13685,7 @@
       </p:sp>
       <p:pic>
         <p:nvPicPr>
-          <p:cNvPr id="191" name="Google Shape;191;p20"/>
+          <p:cNvPr id="189" name="Google Shape;189;p20"/>
           <p:cNvPicPr preferRelativeResize="0"/>
           <p:nvPr/>
         </p:nvPicPr>
@@ -12633,8 +13699,8 @@
         </p:blipFill>
         <p:spPr>
           <a:xfrm>
-            <a:off x="278627" y="1727100"/>
-            <a:ext cx="5703465" cy="3416400"/>
+            <a:off x="5866225" y="445024"/>
+            <a:ext cx="3444626" cy="2604375"/>
           </a:xfrm>
           <a:prstGeom prst="rect">
             <a:avLst/>
@@ -12647,7 +13713,7 @@
       </p:pic>
       <p:pic>
         <p:nvPicPr>
-          <p:cNvPr id="192" name="Google Shape;192;p20"/>
+          <p:cNvPr id="190" name="Google Shape;190;p20"/>
           <p:cNvPicPr preferRelativeResize="0"/>
           <p:nvPr/>
         </p:nvPicPr>
@@ -12661,8 +13727,8 @@
         </p:blipFill>
         <p:spPr>
           <a:xfrm>
-            <a:off x="6307905" y="-106450"/>
-            <a:ext cx="2293791" cy="5143501"/>
+            <a:off x="146440" y="2090275"/>
+            <a:ext cx="5306786" cy="3214374"/>
           </a:xfrm>
           <a:prstGeom prst="rect">
             <a:avLst/>
@@ -12675,22 +13741,22 @@
       </p:pic>
       <p:cxnSp>
         <p:nvCxnSpPr>
-          <p:cNvPr id="193" name="Google Shape;193;p20"/>
+          <p:cNvPr id="191" name="Google Shape;191;p20"/>
           <p:cNvCxnSpPr/>
           <p:nvPr/>
         </p:nvCxnSpPr>
         <p:spPr>
-          <a:xfrm rot="10800000">
-            <a:off x="2514100" y="2021950"/>
-            <a:ext cx="4191600" cy="333900"/>
+          <a:xfrm>
+            <a:off x="5085825" y="1372100"/>
+            <a:ext cx="826800" cy="117000"/>
           </a:xfrm>
           <a:prstGeom prst="straightConnector1">
             <a:avLst/>
           </a:prstGeom>
           <a:noFill/>
-          <a:ln cap="flat" cmpd="sng" w="38100">
+          <a:ln cap="flat" cmpd="sng" w="9525">
             <a:solidFill>
-              <a:srgbClr val="CC0000"/>
+              <a:schemeClr val="dk2"/>
             </a:solidFill>
             <a:prstDash val="solid"/>
             <a:round/>
@@ -12699,6 +13765,317 @@
           </a:ln>
         </p:spPr>
       </p:cxnSp>
+      <p:pic>
+        <p:nvPicPr>
+          <p:cNvPr id="192" name="Google Shape;192;p20"/>
+          <p:cNvPicPr preferRelativeResize="0"/>
+          <p:nvPr/>
+        </p:nvPicPr>
+        <p:blipFill>
+          <a:blip r:embed="rId5">
+            <a:alphaModFix/>
+          </a:blip>
+          <a:stretch>
+            <a:fillRect/>
+          </a:stretch>
+        </p:blipFill>
+        <p:spPr>
+          <a:xfrm>
+            <a:off x="5814350" y="1526074"/>
+            <a:ext cx="695325" cy="352425"/>
+          </a:xfrm>
+          <a:prstGeom prst="rect">
+            <a:avLst/>
+          </a:prstGeom>
+          <a:noFill/>
+          <a:ln>
+            <a:noFill/>
+          </a:ln>
+        </p:spPr>
+      </p:pic>
+      <p:sp>
+        <p:nvSpPr>
+          <p:cNvPr id="193" name="Google Shape;193;p20"/>
+          <p:cNvSpPr/>
+          <p:nvPr/>
+        </p:nvSpPr>
+        <p:spPr>
+          <a:xfrm>
+            <a:off x="194950" y="2090275"/>
+            <a:ext cx="615900" cy="701400"/>
+          </a:xfrm>
+          <a:prstGeom prst="ellipse">
+            <a:avLst/>
+          </a:prstGeom>
+          <a:noFill/>
+          <a:ln cap="flat" cmpd="sng" w="76200">
+            <a:solidFill>
+              <a:srgbClr val="CC0000"/>
+            </a:solidFill>
+            <a:prstDash val="solid"/>
+            <a:round/>
+            <a:headEnd len="sm" w="sm" type="none"/>
+            <a:tailEnd len="sm" w="sm" type="none"/>
+          </a:ln>
+        </p:spPr>
+        <p:txBody>
+          <a:bodyPr anchorCtr="0" anchor="ctr" bIns="91425" lIns="91425" spcFirstLastPara="1" rIns="91425" wrap="square" tIns="91425">
+            <a:noAutofit/>
+          </a:bodyPr>
+          <a:lstStyle/>
+          <a:p>
+            <a:pPr indent="0" lvl="0" marL="0" rtl="0" algn="l">
+              <a:spcBef>
+                <a:spcPts val="0"/>
+              </a:spcBef>
+              <a:spcAft>
+                <a:spcPts val="0"/>
+              </a:spcAft>
+              <a:buNone/>
+            </a:pPr>
+            <a:r>
+              <a:t/>
+            </a:r>
+            <a:endParaRPr/>
+          </a:p>
+        </p:txBody>
+      </p:sp>
+      <p:sp>
+        <p:nvSpPr>
+          <p:cNvPr id="194" name="Google Shape;194;p20"/>
+          <p:cNvSpPr txBox="1"/>
+          <p:nvPr>
+            <p:ph idx="1" type="body"/>
+          </p:nvPr>
+        </p:nvSpPr>
+        <p:spPr>
+          <a:xfrm>
+            <a:off x="1879500" y="2297950"/>
+            <a:ext cx="4392000" cy="902700"/>
+          </a:xfrm>
+          <a:prstGeom prst="rect">
+            <a:avLst/>
+          </a:prstGeom>
+        </p:spPr>
+        <p:txBody>
+          <a:bodyPr anchorCtr="0" anchor="t" bIns="91425" lIns="91425" spcFirstLastPara="1" rIns="91425" wrap="square" tIns="91425">
+            <a:normAutofit/>
+          </a:bodyPr>
+          <a:lstStyle/>
+          <a:p>
+            <a:pPr indent="0" lvl="0" marL="0" rtl="0" algn="l">
+              <a:spcBef>
+                <a:spcPts val="0"/>
+              </a:spcBef>
+              <a:spcAft>
+                <a:spcPts val="0"/>
+              </a:spcAft>
+              <a:buNone/>
+            </a:pPr>
+            <a:r>
+              <a:rPr lang="en" sz="1600"/>
+              <a:t>Do not find optimal t </a:t>
+            </a:r>
+            <a:endParaRPr sz="1600"/>
+          </a:p>
+          <a:p>
+            <a:pPr indent="0" lvl="0" marL="0" rtl="0" algn="l">
+              <a:spcBef>
+                <a:spcPts val="1200"/>
+              </a:spcBef>
+              <a:spcAft>
+                <a:spcPts val="1200"/>
+              </a:spcAft>
+              <a:buNone/>
+            </a:pPr>
+            <a:r>
+              <a:rPr lang="en" sz="1600"/>
+              <a:t>JS</a:t>
+            </a:r>
+            <a:r>
+              <a:rPr baseline="-25000" lang="en" sz="1600"/>
+              <a:t>max</a:t>
+            </a:r>
+            <a:r>
+              <a:rPr lang="en" sz="1600"/>
+              <a:t> ~ 0.03</a:t>
+            </a:r>
+            <a:endParaRPr sz="1600"/>
+          </a:p>
+        </p:txBody>
+      </p:sp>
+      <p:pic>
+        <p:nvPicPr>
+          <p:cNvPr id="195" name="Google Shape;195;p20"/>
+          <p:cNvPicPr preferRelativeResize="0"/>
+          <p:nvPr/>
+        </p:nvPicPr>
+        <p:blipFill rotWithShape="1">
+          <a:blip r:embed="rId6">
+            <a:alphaModFix/>
+          </a:blip>
+          <a:srcRect b="57940" l="0" r="0" t="28099"/>
+          <a:stretch/>
+        </p:blipFill>
+        <p:spPr>
+          <a:xfrm>
+            <a:off x="5680750" y="3141250"/>
+            <a:ext cx="2780781" cy="1879624"/>
+          </a:xfrm>
+          <a:prstGeom prst="rect">
+            <a:avLst/>
+          </a:prstGeom>
+          <a:noFill/>
+          <a:ln>
+            <a:noFill/>
+          </a:ln>
+        </p:spPr>
+      </p:pic>
+      <p:cxnSp>
+        <p:nvCxnSpPr>
+          <p:cNvPr id="196" name="Google Shape;196;p20"/>
+          <p:cNvCxnSpPr/>
+          <p:nvPr/>
+        </p:nvCxnSpPr>
+        <p:spPr>
+          <a:xfrm rot="10800000">
+            <a:off x="1086300" y="3510950"/>
+            <a:ext cx="5135100" cy="432900"/>
+          </a:xfrm>
+          <a:prstGeom prst="straightConnector1">
+            <a:avLst/>
+          </a:prstGeom>
+          <a:noFill/>
+          <a:ln cap="flat" cmpd="sng" w="38100">
+            <a:solidFill>
+              <a:schemeClr val="dk1"/>
+            </a:solidFill>
+            <a:prstDash val="solid"/>
+            <a:round/>
+            <a:headEnd len="med" w="med" type="none"/>
+            <a:tailEnd len="med" w="med" type="triangle"/>
+          </a:ln>
+        </p:spPr>
+      </p:cxnSp>
+      <p:pic>
+        <p:nvPicPr>
+          <p:cNvPr id="197" name="Google Shape;197;p20"/>
+          <p:cNvPicPr preferRelativeResize="0"/>
+          <p:nvPr/>
+        </p:nvPicPr>
+        <p:blipFill>
+          <a:blip r:embed="rId7">
+            <a:alphaModFix/>
+          </a:blip>
+          <a:stretch>
+            <a:fillRect/>
+          </a:stretch>
+        </p:blipFill>
+        <p:spPr>
+          <a:xfrm>
+            <a:off x="7208000" y="487025"/>
+            <a:ext cx="771200" cy="390900"/>
+          </a:xfrm>
+          <a:prstGeom prst="rect">
+            <a:avLst/>
+          </a:prstGeom>
+          <a:noFill/>
+          <a:ln>
+            <a:noFill/>
+          </a:ln>
+        </p:spPr>
+      </p:pic>
+      <p:sp>
+        <p:nvSpPr>
+          <p:cNvPr id="198" name="Google Shape;198;p20"/>
+          <p:cNvSpPr txBox="1"/>
+          <p:nvPr>
+            <p:ph idx="12" type="sldNum"/>
+          </p:nvPr>
+        </p:nvSpPr>
+        <p:spPr>
+          <a:xfrm>
+            <a:off x="8472458" y="4663217"/>
+            <a:ext cx="548700" cy="393600"/>
+          </a:xfrm>
+          <a:prstGeom prst="rect">
+            <a:avLst/>
+          </a:prstGeom>
+        </p:spPr>
+        <p:txBody>
+          <a:bodyPr anchorCtr="0" anchor="ctr" bIns="91425" lIns="91425" spcFirstLastPara="1" rIns="91425" wrap="square" tIns="91425">
+            <a:normAutofit/>
+          </a:bodyPr>
+          <a:lstStyle/>
+          <a:p>
+            <a:pPr indent="0" lvl="0" marL="0" rtl="0" algn="r">
+              <a:spcBef>
+                <a:spcPts val="0"/>
+              </a:spcBef>
+              <a:spcAft>
+                <a:spcPts val="0"/>
+              </a:spcAft>
+              <a:buNone/>
+            </a:pPr>
+            <a:fld id="{00000000-1234-1234-1234-123412341234}" type="slidenum">
+              <a:rPr lang="en"/>
+              <a:t>‹#›</a:t>
+            </a:fld>
+            <a:endParaRPr/>
+          </a:p>
+        </p:txBody>
+      </p:sp>
+      <p:sp>
+        <p:nvSpPr>
+          <p:cNvPr id="199" name="Google Shape;199;p20"/>
+          <p:cNvSpPr txBox="1"/>
+          <p:nvPr/>
+        </p:nvSpPr>
+        <p:spPr>
+          <a:xfrm>
+            <a:off x="7087325" y="99950"/>
+            <a:ext cx="1745100" cy="400200"/>
+          </a:xfrm>
+          <a:prstGeom prst="rect">
+            <a:avLst/>
+          </a:prstGeom>
+          <a:noFill/>
+          <a:ln>
+            <a:noFill/>
+          </a:ln>
+        </p:spPr>
+        <p:txBody>
+          <a:bodyPr anchorCtr="0" anchor="t" bIns="91425" lIns="91425" spcFirstLastPara="1" rIns="91425" wrap="square" tIns="91425">
+            <a:spAutoFit/>
+          </a:bodyPr>
+          <a:lstStyle/>
+          <a:p>
+            <a:pPr indent="0" lvl="0" marL="0" rtl="0" algn="l">
+              <a:spcBef>
+                <a:spcPts val="0"/>
+              </a:spcBef>
+              <a:spcAft>
+                <a:spcPts val="0"/>
+              </a:spcAft>
+              <a:buNone/>
+            </a:pPr>
+            <a:r>
+              <a:rPr lang="en"/>
+              <a:t>Ref: </a:t>
+            </a:r>
+            <a:r>
+              <a:rPr lang="en" u="sng">
+                <a:solidFill>
+                  <a:schemeClr val="hlink"/>
+                </a:solidFill>
+                <a:hlinkClick r:id="rId8"/>
+              </a:rPr>
+              <a:t>notebook link</a:t>
+            </a:r>
+            <a:endParaRPr/>
+          </a:p>
+        </p:txBody>
+      </p:sp>
     </p:spTree>
   </p:cSld>
   <p:clrMapOvr>
@@ -12712,7 +14089,7 @@
   <p:cSld>
     <p:spTree>
       <p:nvGrpSpPr>
-        <p:cNvPr id="197" name="Shape 197"/>
+        <p:cNvPr id="203" name="Shape 203"/>
         <p:cNvGrpSpPr/>
         <p:nvPr/>
       </p:nvGrpSpPr>
@@ -12726,7 +14103,7 @@
       </p:grpSpPr>
       <p:sp>
         <p:nvSpPr>
-          <p:cNvPr id="198" name="Google Shape;198;p21"/>
+          <p:cNvPr id="204" name="Google Shape;204;p21"/>
           <p:cNvSpPr txBox="1"/>
           <p:nvPr>
             <p:ph type="title"/>
@@ -12734,8 +14111,8 @@
         </p:nvSpPr>
         <p:spPr>
           <a:xfrm>
-            <a:off x="311700" y="316275"/>
-            <a:ext cx="5153700" cy="572700"/>
+            <a:off x="311700" y="445025"/>
+            <a:ext cx="8520600" cy="572700"/>
           </a:xfrm>
           <a:prstGeom prst="rect">
             <a:avLst/>
@@ -12754,19 +14131,24 @@
               <a:spcAft>
                 <a:spcPts val="0"/>
               </a:spcAft>
-              <a:buNone/>
-            </a:pPr>
-            <a:r>
-              <a:rPr lang="en" sz="2650"/>
-              <a:t>Quantum Graph Neural Networks</a:t>
-            </a:r>
-            <a:endParaRPr sz="2650"/>
+              <a:buClr>
+                <a:schemeClr val="dk1"/>
+              </a:buClr>
+              <a:buSzPct val="39285"/>
+              <a:buFont typeface="Arial"/>
+              <a:buNone/>
+            </a:pPr>
+            <a:r>
+              <a:rPr lang="en"/>
+              <a:t>Preliminary results on PTC dataset</a:t>
+            </a:r>
+            <a:endParaRPr/>
           </a:p>
         </p:txBody>
       </p:sp>
       <p:sp>
         <p:nvSpPr>
-          <p:cNvPr id="199" name="Google Shape;199;p21"/>
+          <p:cNvPr id="205" name="Google Shape;205;p21"/>
           <p:cNvSpPr txBox="1"/>
           <p:nvPr>
             <p:ph idx="1" type="body"/>
@@ -12774,8 +14156,8 @@
         </p:nvSpPr>
         <p:spPr>
           <a:xfrm>
-            <a:off x="311700" y="888975"/>
-            <a:ext cx="8072400" cy="4129800"/>
+            <a:off x="581725" y="1166850"/>
+            <a:ext cx="5353200" cy="510300"/>
           </a:xfrm>
           <a:prstGeom prst="rect">
             <a:avLst/>
@@ -12783,110 +14165,145 @@
         </p:spPr>
         <p:txBody>
           <a:bodyPr anchorCtr="0" anchor="t" bIns="91425" lIns="91425" spcFirstLastPara="1" rIns="91425" wrap="square" tIns="91425">
+            <a:normAutofit fontScale="77500"/>
+          </a:bodyPr>
+          <a:lstStyle/>
+          <a:p>
+            <a:pPr indent="0" lvl="0" marL="0" rtl="0" algn="l">
+              <a:spcBef>
+                <a:spcPts val="0"/>
+              </a:spcBef>
+              <a:spcAft>
+                <a:spcPts val="1200"/>
+              </a:spcAft>
+              <a:buNone/>
+            </a:pPr>
+            <a:r>
+              <a:rPr lang="en"/>
+              <a:t>We find optimal time for two sample graphs from PTC dataset </a:t>
+            </a:r>
+            <a:endParaRPr/>
+          </a:p>
+        </p:txBody>
+      </p:sp>
+      <p:pic>
+        <p:nvPicPr>
+          <p:cNvPr id="206" name="Google Shape;206;p21"/>
+          <p:cNvPicPr preferRelativeResize="0"/>
+          <p:nvPr/>
+        </p:nvPicPr>
+        <p:blipFill>
+          <a:blip r:embed="rId3">
+            <a:alphaModFix/>
+          </a:blip>
+          <a:stretch>
+            <a:fillRect/>
+          </a:stretch>
+        </p:blipFill>
+        <p:spPr>
+          <a:xfrm>
+            <a:off x="278627" y="1727100"/>
+            <a:ext cx="5703465" cy="3416400"/>
+          </a:xfrm>
+          <a:prstGeom prst="rect">
+            <a:avLst/>
+          </a:prstGeom>
+          <a:noFill/>
+          <a:ln>
+            <a:noFill/>
+          </a:ln>
+        </p:spPr>
+      </p:pic>
+      <p:pic>
+        <p:nvPicPr>
+          <p:cNvPr id="207" name="Google Shape;207;p21"/>
+          <p:cNvPicPr preferRelativeResize="0"/>
+          <p:nvPr/>
+        </p:nvPicPr>
+        <p:blipFill>
+          <a:blip r:embed="rId4">
+            <a:alphaModFix/>
+          </a:blip>
+          <a:stretch>
+            <a:fillRect/>
+          </a:stretch>
+        </p:blipFill>
+        <p:spPr>
+          <a:xfrm>
+            <a:off x="6307905" y="-106450"/>
+            <a:ext cx="2293791" cy="5143501"/>
+          </a:xfrm>
+          <a:prstGeom prst="rect">
+            <a:avLst/>
+          </a:prstGeom>
+          <a:noFill/>
+          <a:ln>
+            <a:noFill/>
+          </a:ln>
+        </p:spPr>
+      </p:pic>
+      <p:cxnSp>
+        <p:nvCxnSpPr>
+          <p:cNvPr id="208" name="Google Shape;208;p21"/>
+          <p:cNvCxnSpPr/>
+          <p:nvPr/>
+        </p:nvCxnSpPr>
+        <p:spPr>
+          <a:xfrm rot="10800000">
+            <a:off x="2514100" y="2021950"/>
+            <a:ext cx="4191600" cy="333900"/>
+          </a:xfrm>
+          <a:prstGeom prst="straightConnector1">
+            <a:avLst/>
+          </a:prstGeom>
+          <a:noFill/>
+          <a:ln cap="flat" cmpd="sng" w="38100">
+            <a:solidFill>
+              <a:srgbClr val="CC0000"/>
+            </a:solidFill>
+            <a:prstDash val="solid"/>
+            <a:round/>
+            <a:headEnd len="med" w="med" type="none"/>
+            <a:tailEnd len="med" w="med" type="triangle"/>
+          </a:ln>
+        </p:spPr>
+      </p:cxnSp>
+      <p:sp>
+        <p:nvSpPr>
+          <p:cNvPr id="209" name="Google Shape;209;p21"/>
+          <p:cNvSpPr txBox="1"/>
+          <p:nvPr>
+            <p:ph idx="12" type="sldNum"/>
+          </p:nvPr>
+        </p:nvSpPr>
+        <p:spPr>
+          <a:xfrm>
+            <a:off x="8472458" y="4663217"/>
+            <a:ext cx="548700" cy="393600"/>
+          </a:xfrm>
+          <a:prstGeom prst="rect">
+            <a:avLst/>
+          </a:prstGeom>
+        </p:spPr>
+        <p:txBody>
+          <a:bodyPr anchorCtr="0" anchor="ctr" bIns="91425" lIns="91425" spcFirstLastPara="1" rIns="91425" wrap="square" tIns="91425">
             <a:normAutofit/>
           </a:bodyPr>
           <a:lstStyle/>
           <a:p>
-            <a:pPr indent="0" lvl="0" marL="0" rtl="0" algn="l">
-              <a:spcBef>
-                <a:spcPts val="0"/>
-              </a:spcBef>
-              <a:spcAft>
-                <a:spcPts val="0"/>
-              </a:spcAft>
-              <a:buNone/>
-            </a:pPr>
-            <a:r>
-              <a:rPr lang="en" sz="1600"/>
-              <a:t>QGNNs </a:t>
-            </a:r>
-            <a:r>
-              <a:rPr lang="en" sz="1600"/>
-              <a:t>were first introduced in 2019 by Guillaume Verdon and Trevor McCourt. The idea behind these Quantum Neural Network ansatze is to provide a natural representation of Graph Data. A vanilla procedure consists in assigning an Hilbert Space to each node and use the </a:t>
-            </a:r>
-            <a:r>
-              <a:rPr lang="en" sz="1600"/>
-              <a:t>graph structure to establish coupling between nodes. In the simplest scenario, we map:</a:t>
-            </a:r>
-            <a:endParaRPr sz="1600"/>
-          </a:p>
-          <a:p>
-            <a:pPr indent="-330200" lvl="0" marL="457200" rtl="0" algn="l">
-              <a:spcBef>
-                <a:spcPts val="1200"/>
-              </a:spcBef>
-              <a:spcAft>
-                <a:spcPts val="0"/>
-              </a:spcAft>
-              <a:buSzPts val="1600"/>
-              <a:buChar char="●"/>
-            </a:pPr>
-            <a:r>
-              <a:rPr lang="en" sz="1600"/>
-              <a:t> Each node v, to a qubit	</a:t>
-            </a:r>
-            <a:endParaRPr sz="1600"/>
-          </a:p>
-          <a:p>
-            <a:pPr indent="-330200" lvl="0" marL="457200" rtl="0" algn="l">
-              <a:spcBef>
-                <a:spcPts val="0"/>
-              </a:spcBef>
-              <a:spcAft>
-                <a:spcPts val="0"/>
-              </a:spcAft>
-              <a:buSzPts val="1600"/>
-              <a:buChar char="●"/>
-            </a:pPr>
-            <a:r>
-              <a:rPr lang="en" sz="1600"/>
-              <a:t> Each edge (i,j) to an entangling gate between nodes i,j</a:t>
-            </a:r>
-            <a:endParaRPr sz="1600"/>
-          </a:p>
-          <a:p>
-            <a:pPr indent="0" lvl="0" marL="0" rtl="0" algn="l">
-              <a:spcBef>
-                <a:spcPts val="1200"/>
-              </a:spcBef>
-              <a:spcAft>
-                <a:spcPts val="0"/>
-              </a:spcAft>
-              <a:buNone/>
-            </a:pPr>
-            <a:r>
-              <a:t/>
-            </a:r>
-            <a:endParaRPr sz="1600"/>
-          </a:p>
-          <a:p>
-            <a:pPr indent="0" lvl="0" marL="0" rtl="0" algn="l">
-              <a:spcBef>
-                <a:spcPts val="1200"/>
-              </a:spcBef>
-              <a:spcAft>
-                <a:spcPts val="0"/>
-              </a:spcAft>
-              <a:buNone/>
-            </a:pPr>
-            <a:r>
-              <a:t/>
-            </a:r>
-            <a:endParaRPr sz="1600"/>
-          </a:p>
-          <a:p>
-            <a:pPr indent="0" lvl="0" marL="0" rtl="0" algn="l">
-              <a:spcBef>
-                <a:spcPts val="1200"/>
-              </a:spcBef>
-              <a:spcAft>
-                <a:spcPts val="1200"/>
-              </a:spcAft>
-              <a:buNone/>
-            </a:pPr>
-            <a:r>
-              <a:t/>
-            </a:r>
+            <a:pPr indent="0" lvl="0" marL="0" rtl="0" algn="r">
+              <a:spcBef>
+                <a:spcPts val="0"/>
+              </a:spcBef>
+              <a:spcAft>
+                <a:spcPts val="0"/>
+              </a:spcAft>
+              <a:buNone/>
+            </a:pPr>
+            <a:fld id="{00000000-1234-1234-1234-123412341234}" type="slidenum">
+              <a:rPr lang="en"/>
+              <a:t>‹#›</a:t>
+            </a:fld>
             <a:endParaRPr/>
           </a:p>
         </p:txBody>
